--- a/Documento/SO.01.PlanificadorCortoAlcance.pptx
+++ b/Documento/SO.01.PlanificadorCortoAlcance.pptx
@@ -18,12 +18,14 @@
     <p:sldId id="273" r:id="rId12"/>
     <p:sldId id="275" r:id="rId13"/>
     <p:sldId id="274" r:id="rId14"/>
-    <p:sldId id="264" r:id="rId15"/>
-    <p:sldId id="268" r:id="rId16"/>
-    <p:sldId id="270" r:id="rId17"/>
-    <p:sldId id="271" r:id="rId18"/>
-    <p:sldId id="272" r:id="rId19"/>
-    <p:sldId id="276" r:id="rId20"/>
+    <p:sldId id="278" r:id="rId15"/>
+    <p:sldId id="277" r:id="rId16"/>
+    <p:sldId id="264" r:id="rId17"/>
+    <p:sldId id="268" r:id="rId18"/>
+    <p:sldId id="270" r:id="rId19"/>
+    <p:sldId id="271" r:id="rId20"/>
+    <p:sldId id="272" r:id="rId21"/>
+    <p:sldId id="276" r:id="rId22"/>
   </p:sldIdLst>
   <p:sldSz cx="12192000" cy="6858000"/>
   <p:notesSz cx="6858000" cy="9144000"/>
@@ -144,6 +146,8 @@
             <p14:sldId id="273"/>
             <p14:sldId id="275"/>
             <p14:sldId id="274"/>
+            <p14:sldId id="278"/>
+            <p14:sldId id="277"/>
             <p14:sldId id="264"/>
             <p14:sldId id="268"/>
             <p14:sldId id="270"/>
@@ -1804,7 +1808,7 @@
           <a:p>
             <a:fld id="{67F08D6A-4C3A-4360-BB98-221748DBDA28}" type="datetimeFigureOut">
               <a:rPr lang="en-US" smtClean="0"/>
-              <a:t>1/8/2018</a:t>
+              <a:t>1/30/2018</a:t>
             </a:fld>
             <a:endParaRPr lang="en-US"/>
           </a:p>
@@ -2240,7 +2244,7 @@
           <a:p>
             <a:fld id="{67F08D6A-4C3A-4360-BB98-221748DBDA28}" type="datetimeFigureOut">
               <a:rPr lang="en-US" smtClean="0"/>
-              <a:t>1/8/2018</a:t>
+              <a:t>1/30/2018</a:t>
             </a:fld>
             <a:endParaRPr lang="en-US"/>
           </a:p>
@@ -2490,7 +2494,7 @@
           <a:p>
             <a:fld id="{67F08D6A-4C3A-4360-BB98-221748DBDA28}" type="datetimeFigureOut">
               <a:rPr lang="en-US" smtClean="0"/>
-              <a:t>1/8/2018</a:t>
+              <a:t>1/30/2018</a:t>
             </a:fld>
             <a:endParaRPr lang="en-US"/>
           </a:p>
@@ -2798,7 +2802,7 @@
           <a:p>
             <a:fld id="{67F08D6A-4C3A-4360-BB98-221748DBDA28}" type="datetimeFigureOut">
               <a:rPr lang="en-US" smtClean="0"/>
-              <a:t>1/8/2018</a:t>
+              <a:t>1/30/2018</a:t>
             </a:fld>
             <a:endParaRPr lang="en-US"/>
           </a:p>
@@ -3116,7 +3120,7 @@
           <a:p>
             <a:fld id="{67F08D6A-4C3A-4360-BB98-221748DBDA28}" type="datetimeFigureOut">
               <a:rPr lang="en-US" smtClean="0"/>
-              <a:t>1/8/2018</a:t>
+              <a:t>1/30/2018</a:t>
             </a:fld>
             <a:endParaRPr lang="en-US"/>
           </a:p>
@@ -3418,7 +3422,7 @@
           <a:p>
             <a:fld id="{67F08D6A-4C3A-4360-BB98-221748DBDA28}" type="datetimeFigureOut">
               <a:rPr lang="en-US" smtClean="0"/>
-              <a:t>1/8/2018</a:t>
+              <a:t>1/30/2018</a:t>
             </a:fld>
             <a:endParaRPr lang="en-US"/>
           </a:p>
@@ -3785,7 +3789,7 @@
           <a:p>
             <a:fld id="{67F08D6A-4C3A-4360-BB98-221748DBDA28}" type="datetimeFigureOut">
               <a:rPr lang="en-US" smtClean="0"/>
-              <a:t>1/8/2018</a:t>
+              <a:t>1/30/2018</a:t>
             </a:fld>
             <a:endParaRPr lang="en-US"/>
           </a:p>
@@ -3959,7 +3963,7 @@
           <a:p>
             <a:fld id="{67F08D6A-4C3A-4360-BB98-221748DBDA28}" type="datetimeFigureOut">
               <a:rPr lang="en-US" smtClean="0"/>
-              <a:t>1/8/2018</a:t>
+              <a:t>1/30/2018</a:t>
             </a:fld>
             <a:endParaRPr lang="en-US"/>
           </a:p>
@@ -4139,7 +4143,7 @@
           <a:p>
             <a:fld id="{67F08D6A-4C3A-4360-BB98-221748DBDA28}" type="datetimeFigureOut">
               <a:rPr lang="en-US" smtClean="0"/>
-              <a:t>1/8/2018</a:t>
+              <a:t>1/30/2018</a:t>
             </a:fld>
             <a:endParaRPr lang="en-US"/>
           </a:p>
@@ -4309,7 +4313,7 @@
           <a:p>
             <a:fld id="{67F08D6A-4C3A-4360-BB98-221748DBDA28}" type="datetimeFigureOut">
               <a:rPr lang="en-US" smtClean="0"/>
-              <a:t>1/8/2018</a:t>
+              <a:t>1/30/2018</a:t>
             </a:fld>
             <a:endParaRPr lang="en-US"/>
           </a:p>
@@ -4559,7 +4563,7 @@
           <a:p>
             <a:fld id="{67F08D6A-4C3A-4360-BB98-221748DBDA28}" type="datetimeFigureOut">
               <a:rPr lang="en-US" smtClean="0"/>
-              <a:t>1/8/2018</a:t>
+              <a:t>1/30/2018</a:t>
             </a:fld>
             <a:endParaRPr lang="en-US"/>
           </a:p>
@@ -4795,7 +4799,7 @@
           <a:p>
             <a:fld id="{67F08D6A-4C3A-4360-BB98-221748DBDA28}" type="datetimeFigureOut">
               <a:rPr lang="en-US" smtClean="0"/>
-              <a:t>1/8/2018</a:t>
+              <a:t>1/30/2018</a:t>
             </a:fld>
             <a:endParaRPr lang="en-US"/>
           </a:p>
@@ -5177,7 +5181,7 @@
           <a:p>
             <a:fld id="{67F08D6A-4C3A-4360-BB98-221748DBDA28}" type="datetimeFigureOut">
               <a:rPr lang="en-US" smtClean="0"/>
-              <a:t>1/8/2018</a:t>
+              <a:t>1/30/2018</a:t>
             </a:fld>
             <a:endParaRPr lang="en-US"/>
           </a:p>
@@ -5295,7 +5299,7 @@
           <a:p>
             <a:fld id="{67F08D6A-4C3A-4360-BB98-221748DBDA28}" type="datetimeFigureOut">
               <a:rPr lang="en-US" smtClean="0"/>
-              <a:t>1/8/2018</a:t>
+              <a:t>1/30/2018</a:t>
             </a:fld>
             <a:endParaRPr lang="en-US"/>
           </a:p>
@@ -5390,7 +5394,7 @@
           <a:p>
             <a:fld id="{67F08D6A-4C3A-4360-BB98-221748DBDA28}" type="datetimeFigureOut">
               <a:rPr lang="en-US" smtClean="0"/>
-              <a:t>1/8/2018</a:t>
+              <a:t>1/30/2018</a:t>
             </a:fld>
             <a:endParaRPr lang="en-US"/>
           </a:p>
@@ -5645,7 +5649,7 @@
           <a:p>
             <a:fld id="{67F08D6A-4C3A-4360-BB98-221748DBDA28}" type="datetimeFigureOut">
               <a:rPr lang="en-US" smtClean="0"/>
-              <a:t>1/8/2018</a:t>
+              <a:t>1/30/2018</a:t>
             </a:fld>
             <a:endParaRPr lang="en-US"/>
           </a:p>
@@ -5928,7 +5932,7 @@
           <a:p>
             <a:fld id="{67F08D6A-4C3A-4360-BB98-221748DBDA28}" type="datetimeFigureOut">
               <a:rPr lang="en-US" smtClean="0"/>
-              <a:t>1/8/2018</a:t>
+              <a:t>1/30/2018</a:t>
             </a:fld>
             <a:endParaRPr lang="en-US"/>
           </a:p>
@@ -6334,7 +6338,7 @@
           <a:p>
             <a:fld id="{67F08D6A-4C3A-4360-BB98-221748DBDA28}" type="datetimeFigureOut">
               <a:rPr lang="en-US" smtClean="0"/>
-              <a:t>1/8/2018</a:t>
+              <a:t>1/30/2018</a:t>
             </a:fld>
             <a:endParaRPr lang="en-US"/>
           </a:p>
@@ -6895,18 +6899,10 @@
               <a:t> De </a:t>
             </a:r>
             <a:r>
-              <a:rPr lang="en-US" sz="3200" b="1" dirty="0" err="1" smtClean="0"/>
-              <a:t>Corto</a:t>
-            </a:r>
-            <a:r>
-              <a:rPr lang="en-US" sz="3200" b="1" dirty="0" smtClean="0"/>
-              <a:t> </a:t>
-            </a:r>
-            <a:r>
-              <a:rPr lang="en-US" sz="3200" b="1" dirty="0" err="1" smtClean="0"/>
-              <a:t>Alcance</a:t>
-            </a:r>
-            <a:endParaRPr lang="en-US" sz="3200" b="1" dirty="0"/>
+              <a:rPr lang="es-AR" sz="3200" b="1" dirty="0" smtClean="0"/>
+              <a:t>Procesos</a:t>
+            </a:r>
+            <a:endParaRPr lang="es-AR" sz="3200" b="1" dirty="0"/>
           </a:p>
         </p:txBody>
       </p:sp>
@@ -7311,51 +7307,6 @@
           <a:chExt cx="0" cy="0"/>
         </a:xfrm>
       </p:grpSpPr>
-      <p:sp>
-        <p:nvSpPr>
-          <p:cNvPr id="5" name="Rectángulo 4"/>
-          <p:cNvSpPr/>
-          <p:nvPr/>
-        </p:nvSpPr>
-        <p:spPr>
-          <a:xfrm>
-            <a:off x="8507518" y="43142"/>
-            <a:ext cx="3589444" cy="369332"/>
-          </a:xfrm>
-          <a:prstGeom prst="rect">
-            <a:avLst/>
-          </a:prstGeom>
-        </p:spPr>
-        <p:txBody>
-          <a:bodyPr wrap="none">
-            <a:spAutoFit/>
-          </a:bodyPr>
-          <a:lstStyle/>
-          <a:p>
-            <a:r>
-              <a:rPr lang="en-US" b="1" dirty="0" err="1"/>
-              <a:t>Planificador</a:t>
-            </a:r>
-            <a:r>
-              <a:rPr lang="en-US" b="1" dirty="0"/>
-              <a:t> De </a:t>
-            </a:r>
-            <a:r>
-              <a:rPr lang="en-US" b="1" dirty="0" err="1"/>
-              <a:t>Corto</a:t>
-            </a:r>
-            <a:r>
-              <a:rPr lang="en-US" b="1" dirty="0"/>
-              <a:t> </a:t>
-            </a:r>
-            <a:r>
-              <a:rPr lang="en-US" b="1" dirty="0" err="1"/>
-              <a:t>Alcance</a:t>
-            </a:r>
-            <a:endParaRPr lang="en-US" dirty="0"/>
-          </a:p>
-        </p:txBody>
-      </p:sp>
       <p:pic>
         <p:nvPicPr>
           <p:cNvPr id="2" name="Imagen 1"/>
@@ -7584,7 +7535,39 @@
                   </a:outerShdw>
                 </a:effectLst>
               </a:rPr>
-              <a:t>Agregando un método como indica el comentario Ordena se logra lo siguiente</a:t>
+              <a:t>Agregando un método como indica el comentario </a:t>
+            </a:r>
+            <a:r>
+              <a:rPr lang="es-AR" b="1" dirty="0" smtClean="0">
+                <a:ln w="0"/>
+                <a:solidFill>
+                  <a:schemeClr val="accent1"/>
+                </a:solidFill>
+                <a:effectLst>
+                  <a:outerShdw blurRad="38100" dist="25400" dir="5400000" algn="ctr" rotWithShape="0">
+                    <a:srgbClr val="6E747A">
+                      <a:alpha val="43000"/>
+                    </a:srgbClr>
+                  </a:outerShdw>
+                </a:effectLst>
+              </a:rPr>
+              <a:t>Ordena</a:t>
+            </a:r>
+            <a:r>
+              <a:rPr lang="es-AR" dirty="0" smtClean="0">
+                <a:ln w="0"/>
+                <a:solidFill>
+                  <a:schemeClr val="accent1"/>
+                </a:solidFill>
+                <a:effectLst>
+                  <a:outerShdw blurRad="38100" dist="25400" dir="5400000" algn="ctr" rotWithShape="0">
+                    <a:srgbClr val="6E747A">
+                      <a:alpha val="43000"/>
+                    </a:srgbClr>
+                  </a:outerShdw>
+                </a:effectLst>
+              </a:rPr>
+              <a:t> se logra lo siguiente</a:t>
             </a:r>
             <a:endParaRPr lang="en-US" dirty="0">
               <a:ln w="0"/>
@@ -7637,6 +7620,39 @@
           <a:p>
             <a:pPr algn="ctr"/>
             <a:endParaRPr lang="en-US" b="1" dirty="0" err="1" smtClean="0"/>
+          </a:p>
+        </p:txBody>
+      </p:sp>
+      <p:sp>
+        <p:nvSpPr>
+          <p:cNvPr id="10" name="Rectángulo 9"/>
+          <p:cNvSpPr/>
+          <p:nvPr/>
+        </p:nvSpPr>
+        <p:spPr>
+          <a:xfrm>
+            <a:off x="8750032" y="0"/>
+            <a:ext cx="3441968" cy="369332"/>
+          </a:xfrm>
+          <a:prstGeom prst="rect">
+            <a:avLst/>
+          </a:prstGeom>
+        </p:spPr>
+        <p:txBody>
+          <a:bodyPr wrap="none">
+            <a:spAutoFit/>
+          </a:bodyPr>
+          <a:lstStyle/>
+          <a:p>
+            <a:r>
+              <a:rPr lang="en-US" b="1" dirty="0" smtClean="0"/>
+              <a:t>PLANIFICADOR DE </a:t>
+            </a:r>
+            <a:r>
+              <a:rPr lang="es-AR" b="1" dirty="0" smtClean="0"/>
+              <a:t>PROCESOS</a:t>
+            </a:r>
+            <a:endParaRPr lang="en-US" dirty="0"/>
           </a:p>
         </p:txBody>
       </p:sp>
@@ -7676,7 +7692,7 @@
                               <p:par>
                                 <p:cTn id="5" presetID="10" presetClass="entr" presetSubtype="0" fill="hold" grpId="0" nodeType="withEffect">
                                   <p:stCondLst>
-                                    <p:cond delay="2000"/>
+                                    <p:cond delay="700"/>
                                   </p:stCondLst>
                                   <p:childTnLst>
                                     <p:set>
@@ -7699,7 +7715,7 @@
                                     </p:set>
                                     <p:animEffect transition="in" filter="fade">
                                       <p:cBhvr>
-                                        <p:cTn id="7" dur="400"/>
+                                        <p:cTn id="7" dur="700"/>
                                         <p:tgtEl>
                                           <p:spTgt spid="3"/>
                                         </p:tgtEl>
@@ -7711,7 +7727,7 @@
                               <p:par>
                                 <p:cTn id="8" presetID="10" presetClass="entr" presetSubtype="0" fill="hold" nodeType="withEffect">
                                   <p:stCondLst>
-                                    <p:cond delay="5000"/>
+                                    <p:cond delay="4500"/>
                                   </p:stCondLst>
                                   <p:childTnLst>
                                     <p:set>
@@ -7738,7 +7754,7 @@
                                     </p:set>
                                     <p:animEffect transition="in" filter="fade">
                                       <p:cBhvr>
-                                        <p:cTn id="10" dur="500"/>
+                                        <p:cTn id="10" dur="1000"/>
                                         <p:tgtEl>
                                           <p:spTgt spid="6">
                                             <p:txEl>
@@ -7754,7 +7770,7 @@
                               <p:par>
                                 <p:cTn id="11" presetID="10" presetClass="entr" presetSubtype="0" fill="hold" grpId="0" nodeType="withEffect">
                                   <p:stCondLst>
-                                    <p:cond delay="8100"/>
+                                    <p:cond delay="7800"/>
                                   </p:stCondLst>
                                   <p:childTnLst>
                                     <p:set>
@@ -7777,7 +7793,7 @@
                                     </p:set>
                                     <p:animEffect transition="in" filter="fade">
                                       <p:cBhvr>
-                                        <p:cTn id="13" dur="500"/>
+                                        <p:cTn id="13" dur="800"/>
                                         <p:tgtEl>
                                           <p:spTgt spid="7"/>
                                         </p:tgtEl>
@@ -7786,15 +7802,33 @@
                                   </p:childTnLst>
                                 </p:cTn>
                               </p:par>
+                            </p:childTnLst>
+                          </p:cTn>
+                        </p:par>
+                      </p:childTnLst>
+                    </p:cTn>
+                  </p:par>
+                  <p:par>
+                    <p:cTn id="14" fill="hold">
+                      <p:stCondLst>
+                        <p:cond delay="indefinite"/>
+                      </p:stCondLst>
+                      <p:childTnLst>
+                        <p:par>
+                          <p:cTn id="15" fill="hold">
+                            <p:stCondLst>
+                              <p:cond delay="0"/>
+                            </p:stCondLst>
+                            <p:childTnLst>
                               <p:par>
-                                <p:cTn id="14" presetID="10" presetClass="entr" presetSubtype="0" fill="hold" grpId="0" nodeType="withEffect">
+                                <p:cTn id="16" presetID="10" presetClass="entr" presetSubtype="0" fill="hold" grpId="0" nodeType="clickEffect">
                                   <p:stCondLst>
-                                    <p:cond delay="11000"/>
+                                    <p:cond delay="0"/>
                                   </p:stCondLst>
                                   <p:childTnLst>
                                     <p:set>
                                       <p:cBhvr>
-                                        <p:cTn id="15" dur="1" fill="hold">
+                                        <p:cTn id="17" dur="1" fill="hold">
                                           <p:stCondLst>
                                             <p:cond delay="0"/>
                                           </p:stCondLst>
@@ -7812,7 +7846,7 @@
                                     </p:set>
                                     <p:animEffect transition="in" filter="fade">
                                       <p:cBhvr>
-                                        <p:cTn id="16" dur="900"/>
+                                        <p:cTn id="18" dur="900"/>
                                         <p:tgtEl>
                                           <p:spTgt spid="8"/>
                                         </p:tgtEl>
@@ -7822,14 +7856,14 @@
                                 </p:cTn>
                               </p:par>
                               <p:par>
-                                <p:cTn id="17" presetID="53" presetClass="entr" presetSubtype="16" fill="hold" grpId="0" nodeType="withEffect">
+                                <p:cTn id="19" presetID="53" presetClass="entr" presetSubtype="16" fill="hold" grpId="0" nodeType="withEffect">
                                   <p:stCondLst>
-                                    <p:cond delay="10400"/>
+                                    <p:cond delay="0"/>
                                   </p:stCondLst>
                                   <p:childTnLst>
                                     <p:set>
                                       <p:cBhvr>
-                                        <p:cTn id="18" dur="1" fill="hold">
+                                        <p:cTn id="20" dur="1" fill="hold">
                                           <p:stCondLst>
                                             <p:cond delay="0"/>
                                           </p:stCondLst>
@@ -7847,7 +7881,7 @@
                                     </p:set>
                                     <p:anim calcmode="lin" valueType="num">
                                       <p:cBhvr>
-                                        <p:cTn id="19" dur="1400" fill="hold"/>
+                                        <p:cTn id="21" dur="1400" fill="hold"/>
                                         <p:tgtEl>
                                           <p:spTgt spid="9"/>
                                         </p:tgtEl>
@@ -7870,7 +7904,7 @@
                                     </p:anim>
                                     <p:anim calcmode="lin" valueType="num">
                                       <p:cBhvr>
-                                        <p:cTn id="20" dur="1400" fill="hold"/>
+                                        <p:cTn id="22" dur="1400" fill="hold"/>
                                         <p:tgtEl>
                                           <p:spTgt spid="9"/>
                                         </p:tgtEl>
@@ -7893,7 +7927,7 @@
                                     </p:anim>
                                     <p:animEffect transition="in" filter="fade">
                                       <p:cBhvr>
-                                        <p:cTn id="21" dur="1400"/>
+                                        <p:cTn id="23" dur="1400"/>
                                         <p:tgtEl>
                                           <p:spTgt spid="9"/>
                                         </p:tgtEl>
@@ -7956,51 +7990,6 @@
           <a:chExt cx="0" cy="0"/>
         </a:xfrm>
       </p:grpSpPr>
-      <p:sp>
-        <p:nvSpPr>
-          <p:cNvPr id="5" name="Rectángulo 4"/>
-          <p:cNvSpPr/>
-          <p:nvPr/>
-        </p:nvSpPr>
-        <p:spPr>
-          <a:xfrm>
-            <a:off x="8507518" y="43142"/>
-            <a:ext cx="3589444" cy="369332"/>
-          </a:xfrm>
-          <a:prstGeom prst="rect">
-            <a:avLst/>
-          </a:prstGeom>
-        </p:spPr>
-        <p:txBody>
-          <a:bodyPr wrap="none">
-            <a:spAutoFit/>
-          </a:bodyPr>
-          <a:lstStyle/>
-          <a:p>
-            <a:r>
-              <a:rPr lang="en-US" b="1" dirty="0" err="1"/>
-              <a:t>Planificador</a:t>
-            </a:r>
-            <a:r>
-              <a:rPr lang="en-US" b="1" dirty="0"/>
-              <a:t> De </a:t>
-            </a:r>
-            <a:r>
-              <a:rPr lang="en-US" b="1" dirty="0" err="1"/>
-              <a:t>Corto</a:t>
-            </a:r>
-            <a:r>
-              <a:rPr lang="en-US" b="1" dirty="0"/>
-              <a:t> </a:t>
-            </a:r>
-            <a:r>
-              <a:rPr lang="en-US" b="1" dirty="0" err="1"/>
-              <a:t>Alcance</a:t>
-            </a:r>
-            <a:endParaRPr lang="en-US" dirty="0"/>
-          </a:p>
-        </p:txBody>
-      </p:sp>
       <p:pic>
         <p:nvPicPr>
           <p:cNvPr id="3" name="Imagen 2"/>
@@ -8229,7 +8218,39 @@
                   </a:outerShdw>
                 </a:effectLst>
               </a:rPr>
-              <a:t>Agregando un método como indica el comentario Ordena se logra lo siguiente</a:t>
+              <a:t>Agregando un método como indica el comentario </a:t>
+            </a:r>
+            <a:r>
+              <a:rPr lang="es-AR" b="1" dirty="0" smtClean="0">
+                <a:ln w="0"/>
+                <a:solidFill>
+                  <a:schemeClr val="accent1"/>
+                </a:solidFill>
+                <a:effectLst>
+                  <a:outerShdw blurRad="38100" dist="25400" dir="5400000" algn="ctr" rotWithShape="0">
+                    <a:srgbClr val="6E747A">
+                      <a:alpha val="43000"/>
+                    </a:srgbClr>
+                  </a:outerShdw>
+                </a:effectLst>
+              </a:rPr>
+              <a:t>Ordena</a:t>
+            </a:r>
+            <a:r>
+              <a:rPr lang="es-AR" dirty="0" smtClean="0">
+                <a:ln w="0"/>
+                <a:solidFill>
+                  <a:schemeClr val="accent1"/>
+                </a:solidFill>
+                <a:effectLst>
+                  <a:outerShdw blurRad="38100" dist="25400" dir="5400000" algn="ctr" rotWithShape="0">
+                    <a:srgbClr val="6E747A">
+                      <a:alpha val="43000"/>
+                    </a:srgbClr>
+                  </a:outerShdw>
+                </a:effectLst>
+              </a:rPr>
+              <a:t> se logra lo siguiente</a:t>
             </a:r>
             <a:endParaRPr lang="en-US" dirty="0">
               <a:ln w="0"/>
@@ -8355,6 +8376,39 @@
           </a:p>
         </p:txBody>
       </p:sp>
+      <p:sp>
+        <p:nvSpPr>
+          <p:cNvPr id="12" name="Rectángulo 11"/>
+          <p:cNvSpPr/>
+          <p:nvPr/>
+        </p:nvSpPr>
+        <p:spPr>
+          <a:xfrm>
+            <a:off x="8750032" y="0"/>
+            <a:ext cx="3441968" cy="369332"/>
+          </a:xfrm>
+          <a:prstGeom prst="rect">
+            <a:avLst/>
+          </a:prstGeom>
+        </p:spPr>
+        <p:txBody>
+          <a:bodyPr wrap="none">
+            <a:spAutoFit/>
+          </a:bodyPr>
+          <a:lstStyle/>
+          <a:p>
+            <a:r>
+              <a:rPr lang="en-US" b="1" dirty="0" smtClean="0"/>
+              <a:t>PLANIFICADOR DE </a:t>
+            </a:r>
+            <a:r>
+              <a:rPr lang="es-AR" b="1" dirty="0" smtClean="0"/>
+              <a:t>PROCESOS</a:t>
+            </a:r>
+            <a:endParaRPr lang="en-US" dirty="0"/>
+          </a:p>
+        </p:txBody>
+      </p:sp>
     </p:spTree>
     <p:extLst>
       <p:ext uri="{BB962C8B-B14F-4D97-AF65-F5344CB8AC3E}">
@@ -8368,9 +8422,91 @@
   <p:timing>
     <p:tnLst>
       <p:par>
-        <p:cTn id="1" dur="indefinite" restart="never" nodeType="tmRoot"/>
+        <p:cTn id="1" dur="indefinite" restart="never" nodeType="tmRoot">
+          <p:childTnLst>
+            <p:seq concurrent="1" nextAc="seek">
+              <p:cTn id="2" dur="indefinite" nodeType="mainSeq">
+                <p:childTnLst>
+                  <p:par>
+                    <p:cTn id="3" fill="hold">
+                      <p:stCondLst>
+                        <p:cond delay="indefinite"/>
+                        <p:cond evt="onBegin" delay="0">
+                          <p:tn val="2"/>
+                        </p:cond>
+                      </p:stCondLst>
+                      <p:childTnLst>
+                        <p:par>
+                          <p:cTn id="4" fill="hold">
+                            <p:stCondLst>
+                              <p:cond delay="0"/>
+                            </p:stCondLst>
+                            <p:childTnLst>
+                              <p:par>
+                                <p:cTn id="5" presetID="10" presetClass="exit" presetSubtype="0" fill="hold" grpId="0" nodeType="withEffect">
+                                  <p:stCondLst>
+                                    <p:cond delay="0"/>
+                                  </p:stCondLst>
+                                  <p:childTnLst>
+                                    <p:animEffect transition="out" filter="fade">
+                                      <p:cBhvr>
+                                        <p:cTn id="6" dur="500"/>
+                                        <p:tgtEl>
+                                          <p:spTgt spid="6"/>
+                                        </p:tgtEl>
+                                      </p:cBhvr>
+                                    </p:animEffect>
+                                    <p:set>
+                                      <p:cBhvr>
+                                        <p:cTn id="7" dur="1" fill="hold">
+                                          <p:stCondLst>
+                                            <p:cond delay="499"/>
+                                          </p:stCondLst>
+                                        </p:cTn>
+                                        <p:tgtEl>
+                                          <p:spTgt spid="6"/>
+                                        </p:tgtEl>
+                                        <p:attrNameLst>
+                                          <p:attrName>style.visibility</p:attrName>
+                                        </p:attrNameLst>
+                                      </p:cBhvr>
+                                      <p:to>
+                                        <p:strVal val="hidden"/>
+                                      </p:to>
+                                    </p:set>
+                                  </p:childTnLst>
+                                </p:cTn>
+                              </p:par>
+                            </p:childTnLst>
+                          </p:cTn>
+                        </p:par>
+                      </p:childTnLst>
+                    </p:cTn>
+                  </p:par>
+                </p:childTnLst>
+              </p:cTn>
+              <p:prevCondLst>
+                <p:cond evt="onPrev" delay="0">
+                  <p:tgtEl>
+                    <p:sldTgt/>
+                  </p:tgtEl>
+                </p:cond>
+              </p:prevCondLst>
+              <p:nextCondLst>
+                <p:cond evt="onNext" delay="0">
+                  <p:tgtEl>
+                    <p:sldTgt/>
+                  </p:tgtEl>
+                </p:cond>
+              </p:nextCondLst>
+            </p:seq>
+          </p:childTnLst>
+        </p:cTn>
       </p:par>
     </p:tnLst>
+    <p:bldLst>
+      <p:bldP spid="6" grpId="0"/>
+    </p:bldLst>
   </p:timing>
 </p:sld>
 </file>
@@ -8392,51 +8528,6 @@
           <a:chExt cx="0" cy="0"/>
         </a:xfrm>
       </p:grpSpPr>
-      <p:sp>
-        <p:nvSpPr>
-          <p:cNvPr id="5" name="Rectángulo 4"/>
-          <p:cNvSpPr/>
-          <p:nvPr/>
-        </p:nvSpPr>
-        <p:spPr>
-          <a:xfrm>
-            <a:off x="8507518" y="43142"/>
-            <a:ext cx="3589444" cy="369332"/>
-          </a:xfrm>
-          <a:prstGeom prst="rect">
-            <a:avLst/>
-          </a:prstGeom>
-        </p:spPr>
-        <p:txBody>
-          <a:bodyPr wrap="none">
-            <a:spAutoFit/>
-          </a:bodyPr>
-          <a:lstStyle/>
-          <a:p>
-            <a:r>
-              <a:rPr lang="en-US" b="1" dirty="0" err="1"/>
-              <a:t>Planificador</a:t>
-            </a:r>
-            <a:r>
-              <a:rPr lang="en-US" b="1" dirty="0"/>
-              <a:t> De </a:t>
-            </a:r>
-            <a:r>
-              <a:rPr lang="en-US" b="1" dirty="0" err="1"/>
-              <a:t>Corto</a:t>
-            </a:r>
-            <a:r>
-              <a:rPr lang="en-US" b="1" dirty="0"/>
-              <a:t> </a:t>
-            </a:r>
-            <a:r>
-              <a:rPr lang="en-US" b="1" dirty="0" err="1"/>
-              <a:t>Alcance</a:t>
-            </a:r>
-            <a:endParaRPr lang="en-US" dirty="0"/>
-          </a:p>
-        </p:txBody>
-      </p:sp>
       <p:pic>
         <p:nvPicPr>
           <p:cNvPr id="3" name="Imagen 2"/>
@@ -8579,14 +8670,14 @@
       </p:sp>
       <p:sp>
         <p:nvSpPr>
-          <p:cNvPr id="13" name="CuadroTexto 12"/>
+          <p:cNvPr id="6" name="CuadroTexto 5"/>
           <p:cNvSpPr txBox="1"/>
           <p:nvPr/>
         </p:nvSpPr>
         <p:spPr>
           <a:xfrm>
             <a:off x="6145318" y="1512276"/>
-            <a:ext cx="5029200" cy="369332"/>
+            <a:ext cx="5029200" cy="923330"/>
           </a:xfrm>
           <a:prstGeom prst="rect">
             <a:avLst/>
@@ -8601,6 +8692,14 @@
           <a:p>
             <a:r>
               <a:rPr lang="es-AR" dirty="0" smtClean="0">
+                <a:solidFill>
+                  <a:schemeClr val="bg1"/>
+                </a:solidFill>
+              </a:rPr>
+              <a:t>El núcleo del planificador </a:t>
+            </a:r>
+            <a:r>
+              <a:rPr lang="es-AR" dirty="0">
                 <a:ln w="0"/>
                 <a:solidFill>
                   <a:schemeClr val="accent1"/>
@@ -8613,7 +8712,23 @@
                   </a:outerShdw>
                 </a:effectLst>
               </a:rPr>
-              <a:t>El núcleo del planificador Prioridades  </a:t>
+              <a:t>Prioridades no </a:t>
+            </a:r>
+            <a:r>
+              <a:rPr lang="es-AR" dirty="0" err="1">
+                <a:ln w="0"/>
+                <a:solidFill>
+                  <a:schemeClr val="accent1"/>
+                </a:solidFill>
+                <a:effectLst>
+                  <a:outerShdw blurRad="38100" dist="25400" dir="5400000" algn="ctr" rotWithShape="0">
+                    <a:srgbClr val="6E747A">
+                      <a:alpha val="43000"/>
+                    </a:srgbClr>
+                  </a:outerShdw>
+                </a:effectLst>
+              </a:rPr>
+              <a:t>apropiativos</a:t>
             </a:r>
             <a:endParaRPr lang="en-US" dirty="0">
               <a:ln w="0"/>
@@ -8629,12 +8744,1826 @@
               </a:effectLst>
             </a:endParaRPr>
           </a:p>
+          <a:p>
+            <a:r>
+              <a:rPr lang="es-AR" dirty="0" smtClean="0">
+                <a:solidFill>
+                  <a:schemeClr val="bg1"/>
+                </a:solidFill>
+              </a:rPr>
+              <a:t>  </a:t>
+            </a:r>
+            <a:endParaRPr lang="en-US" dirty="0">
+              <a:solidFill>
+                <a:schemeClr val="bg1"/>
+              </a:solidFill>
+            </a:endParaRPr>
+          </a:p>
+        </p:txBody>
+      </p:sp>
+      <p:sp>
+        <p:nvSpPr>
+          <p:cNvPr id="7" name="Rectángulo 6"/>
+          <p:cNvSpPr/>
+          <p:nvPr/>
+        </p:nvSpPr>
+        <p:spPr>
+          <a:xfrm>
+            <a:off x="8750032" y="0"/>
+            <a:ext cx="3441968" cy="369332"/>
+          </a:xfrm>
+          <a:prstGeom prst="rect">
+            <a:avLst/>
+          </a:prstGeom>
+        </p:spPr>
+        <p:txBody>
+          <a:bodyPr wrap="none">
+            <a:spAutoFit/>
+          </a:bodyPr>
+          <a:lstStyle/>
+          <a:p>
+            <a:r>
+              <a:rPr lang="en-US" b="1" dirty="0" smtClean="0"/>
+              <a:t>PLANIFICADOR DE </a:t>
+            </a:r>
+            <a:r>
+              <a:rPr lang="es-AR" b="1" dirty="0" smtClean="0"/>
+              <a:t>PROCESOS</a:t>
+            </a:r>
+            <a:endParaRPr lang="en-US" dirty="0"/>
+          </a:p>
         </p:txBody>
       </p:sp>
     </p:spTree>
     <p:extLst>
       <p:ext uri="{BB962C8B-B14F-4D97-AF65-F5344CB8AC3E}">
         <p14:creationId xmlns:p14="http://schemas.microsoft.com/office/powerpoint/2010/main" val="2672670124"/>
+      </p:ext>
+    </p:extLst>
+  </p:cSld>
+  <p:clrMapOvr>
+    <a:masterClrMapping/>
+  </p:clrMapOvr>
+  <p:timing>
+    <p:tnLst>
+      <p:par>
+        <p:cTn id="1" dur="indefinite" restart="never" nodeType="tmRoot">
+          <p:childTnLst>
+            <p:seq concurrent="1" nextAc="seek">
+              <p:cTn id="2" dur="indefinite" nodeType="mainSeq">
+                <p:childTnLst>
+                  <p:par>
+                    <p:cTn id="3" fill="hold">
+                      <p:stCondLst>
+                        <p:cond delay="indefinite"/>
+                        <p:cond evt="onBegin" delay="0">
+                          <p:tn val="2"/>
+                        </p:cond>
+                      </p:stCondLst>
+                      <p:childTnLst>
+                        <p:par>
+                          <p:cTn id="4" fill="hold">
+                            <p:stCondLst>
+                              <p:cond delay="0"/>
+                            </p:stCondLst>
+                            <p:childTnLst>
+                              <p:par>
+                                <p:cTn id="5" presetID="10" presetClass="entr" presetSubtype="0" fill="hold" grpId="0" nodeType="withEffect">
+                                  <p:stCondLst>
+                                    <p:cond delay="4700"/>
+                                  </p:stCondLst>
+                                  <p:childTnLst>
+                                    <p:set>
+                                      <p:cBhvr>
+                                        <p:cTn id="6" dur="1" fill="hold">
+                                          <p:stCondLst>
+                                            <p:cond delay="0"/>
+                                          </p:stCondLst>
+                                        </p:cTn>
+                                        <p:tgtEl>
+                                          <p:spTgt spid="12"/>
+                                        </p:tgtEl>
+                                        <p:attrNameLst>
+                                          <p:attrName>style.visibility</p:attrName>
+                                        </p:attrNameLst>
+                                      </p:cBhvr>
+                                      <p:to>
+                                        <p:strVal val="visible"/>
+                                      </p:to>
+                                    </p:set>
+                                    <p:animEffect transition="in" filter="fade">
+                                      <p:cBhvr>
+                                        <p:cTn id="7" dur="700"/>
+                                        <p:tgtEl>
+                                          <p:spTgt spid="12"/>
+                                        </p:tgtEl>
+                                      </p:cBhvr>
+                                    </p:animEffect>
+                                  </p:childTnLst>
+                                </p:cTn>
+                              </p:par>
+                            </p:childTnLst>
+                          </p:cTn>
+                        </p:par>
+                      </p:childTnLst>
+                    </p:cTn>
+                  </p:par>
+                </p:childTnLst>
+              </p:cTn>
+              <p:prevCondLst>
+                <p:cond evt="onPrev" delay="0">
+                  <p:tgtEl>
+                    <p:sldTgt/>
+                  </p:tgtEl>
+                </p:cond>
+              </p:prevCondLst>
+              <p:nextCondLst>
+                <p:cond evt="onNext" delay="0">
+                  <p:tgtEl>
+                    <p:sldTgt/>
+                  </p:tgtEl>
+                </p:cond>
+              </p:nextCondLst>
+            </p:seq>
+          </p:childTnLst>
+        </p:cTn>
+      </p:par>
+    </p:tnLst>
+    <p:bldLst>
+      <p:bldP spid="12" grpId="0"/>
+    </p:bldLst>
+  </p:timing>
+</p:sld>
+</file>
+
+<file path=ppt/slides/slide13.xml><?xml version="1.0" encoding="utf-8"?>
+<p:sld xmlns:a="http://schemas.openxmlformats.org/drawingml/2006/main" xmlns:r="http://schemas.openxmlformats.org/officeDocument/2006/relationships" xmlns:p="http://schemas.openxmlformats.org/presentationml/2006/main">
+  <p:cSld>
+    <p:spTree>
+      <p:nvGrpSpPr>
+        <p:cNvPr id="1" name=""/>
+        <p:cNvGrpSpPr/>
+        <p:nvPr/>
+      </p:nvGrpSpPr>
+      <p:grpSpPr>
+        <a:xfrm>
+          <a:off x="0" y="0"/>
+          <a:ext cx="0" cy="0"/>
+          <a:chOff x="0" y="0"/>
+          <a:chExt cx="0" cy="0"/>
+        </a:xfrm>
+      </p:grpSpPr>
+      <p:pic>
+        <p:nvPicPr>
+          <p:cNvPr id="2" name="Imagen 1"/>
+          <p:cNvPicPr>
+            <a:picLocks noChangeAspect="1"/>
+          </p:cNvPicPr>
+          <p:nvPr/>
+        </p:nvPicPr>
+        <p:blipFill>
+          <a:blip r:embed="rId2">
+            <a:extLst>
+              <a:ext uri="{28A0092B-C50C-407E-A947-70E740481C1C}">
+                <a14:useLocalDpi xmlns:a14="http://schemas.microsoft.com/office/drawing/2010/main" val="0"/>
+              </a:ext>
+            </a:extLst>
+          </a:blip>
+          <a:stretch>
+            <a:fillRect/>
+          </a:stretch>
+        </p:blipFill>
+        <p:spPr>
+          <a:xfrm>
+            <a:off x="807469" y="638175"/>
+            <a:ext cx="10577062" cy="5581650"/>
+          </a:xfrm>
+          <a:prstGeom prst="rect">
+            <a:avLst/>
+          </a:prstGeom>
+        </p:spPr>
+      </p:pic>
+      <p:sp>
+        <p:nvSpPr>
+          <p:cNvPr id="12" name="CuadroTexto 11"/>
+          <p:cNvSpPr txBox="1"/>
+          <p:nvPr/>
+        </p:nvSpPr>
+        <p:spPr>
+          <a:xfrm>
+            <a:off x="6145318" y="2213247"/>
+            <a:ext cx="5029200" cy="646331"/>
+          </a:xfrm>
+          <a:prstGeom prst="rect">
+            <a:avLst/>
+          </a:prstGeom>
+          <a:noFill/>
+        </p:spPr>
+        <p:txBody>
+          <a:bodyPr wrap="square" rtlCol="0">
+            <a:spAutoFit/>
+          </a:bodyPr>
+          <a:lstStyle/>
+          <a:p>
+            <a:r>
+              <a:rPr lang="es-AR" dirty="0" smtClean="0">
+                <a:ln w="0"/>
+                <a:solidFill>
+                  <a:schemeClr val="bg1"/>
+                </a:solidFill>
+                <a:effectLst>
+                  <a:outerShdw blurRad="38100" dist="25400" dir="5400000" algn="ctr" rotWithShape="0">
+                    <a:srgbClr val="6E747A">
+                      <a:alpha val="43000"/>
+                    </a:srgbClr>
+                  </a:outerShdw>
+                </a:effectLst>
+              </a:rPr>
+              <a:t>Modifiquemos de no </a:t>
+            </a:r>
+            <a:r>
+              <a:rPr lang="en-US" dirty="0" err="1" smtClean="0">
+                <a:solidFill>
+                  <a:schemeClr val="bg1"/>
+                </a:solidFill>
+              </a:rPr>
+              <a:t>Apropiativos</a:t>
+            </a:r>
+            <a:r>
+              <a:rPr lang="en-US" dirty="0" smtClean="0">
+                <a:solidFill>
+                  <a:schemeClr val="bg1"/>
+                </a:solidFill>
+              </a:rPr>
+              <a:t> </a:t>
+            </a:r>
+            <a:r>
+              <a:rPr lang="es-AR" dirty="0" smtClean="0">
+                <a:ln w="0"/>
+                <a:solidFill>
+                  <a:schemeClr val="bg1"/>
+                </a:solidFill>
+                <a:effectLst>
+                  <a:outerShdw blurRad="38100" dist="25400" dir="5400000" algn="ctr" rotWithShape="0">
+                    <a:srgbClr val="6E747A">
+                      <a:alpha val="43000"/>
+                    </a:srgbClr>
+                  </a:outerShdw>
+                </a:effectLst>
+              </a:rPr>
+              <a:t>a </a:t>
+            </a:r>
+            <a:r>
+              <a:rPr lang="en-US" dirty="0" err="1" smtClean="0">
+                <a:solidFill>
+                  <a:schemeClr val="bg1"/>
+                </a:solidFill>
+              </a:rPr>
+              <a:t>Apropiativos</a:t>
+            </a:r>
+            <a:r>
+              <a:rPr lang="es-AR" dirty="0" smtClean="0">
+                <a:ln w="0"/>
+                <a:solidFill>
+                  <a:schemeClr val="bg1"/>
+                </a:solidFill>
+                <a:effectLst>
+                  <a:outerShdw blurRad="38100" dist="25400" dir="5400000" algn="ctr" rotWithShape="0">
+                    <a:srgbClr val="6E747A">
+                      <a:alpha val="43000"/>
+                    </a:srgbClr>
+                  </a:outerShdw>
+                </a:effectLst>
+              </a:rPr>
+              <a:t> </a:t>
+            </a:r>
+            <a:endParaRPr lang="en-US" dirty="0">
+              <a:ln w="0"/>
+              <a:solidFill>
+                <a:schemeClr val="bg1"/>
+              </a:solidFill>
+              <a:effectLst>
+                <a:outerShdw blurRad="38100" dist="25400" dir="5400000" algn="ctr" rotWithShape="0">
+                  <a:srgbClr val="6E747A">
+                    <a:alpha val="43000"/>
+                  </a:srgbClr>
+                </a:outerShdw>
+              </a:effectLst>
+            </a:endParaRPr>
+          </a:p>
+        </p:txBody>
+      </p:sp>
+      <p:sp>
+        <p:nvSpPr>
+          <p:cNvPr id="13" name="CuadroTexto 12"/>
+          <p:cNvSpPr txBox="1"/>
+          <p:nvPr/>
+        </p:nvSpPr>
+        <p:spPr>
+          <a:xfrm>
+            <a:off x="6145318" y="1512276"/>
+            <a:ext cx="5029200" cy="923330"/>
+          </a:xfrm>
+          <a:prstGeom prst="rect">
+            <a:avLst/>
+          </a:prstGeom>
+          <a:noFill/>
+        </p:spPr>
+        <p:txBody>
+          <a:bodyPr wrap="square" rtlCol="0">
+            <a:spAutoFit/>
+          </a:bodyPr>
+          <a:lstStyle/>
+          <a:p>
+            <a:r>
+              <a:rPr lang="es-AR" dirty="0" smtClean="0">
+                <a:solidFill>
+                  <a:schemeClr val="bg1"/>
+                </a:solidFill>
+              </a:rPr>
+              <a:t>El núcleo del planificador </a:t>
+            </a:r>
+            <a:r>
+              <a:rPr lang="es-AR" dirty="0">
+                <a:ln w="0"/>
+                <a:solidFill>
+                  <a:schemeClr val="accent1"/>
+                </a:solidFill>
+                <a:effectLst>
+                  <a:outerShdw blurRad="38100" dist="25400" dir="5400000" algn="ctr" rotWithShape="0">
+                    <a:srgbClr val="6E747A">
+                      <a:alpha val="43000"/>
+                    </a:srgbClr>
+                  </a:outerShdw>
+                </a:effectLst>
+              </a:rPr>
+              <a:t>Prioridades no </a:t>
+            </a:r>
+            <a:r>
+              <a:rPr lang="es-AR" dirty="0" err="1">
+                <a:ln w="0"/>
+                <a:solidFill>
+                  <a:schemeClr val="accent1"/>
+                </a:solidFill>
+                <a:effectLst>
+                  <a:outerShdw blurRad="38100" dist="25400" dir="5400000" algn="ctr" rotWithShape="0">
+                    <a:srgbClr val="6E747A">
+                      <a:alpha val="43000"/>
+                    </a:srgbClr>
+                  </a:outerShdw>
+                </a:effectLst>
+              </a:rPr>
+              <a:t>apropiativos</a:t>
+            </a:r>
+            <a:endParaRPr lang="en-US" dirty="0">
+              <a:ln w="0"/>
+              <a:solidFill>
+                <a:schemeClr val="accent1"/>
+              </a:solidFill>
+              <a:effectLst>
+                <a:outerShdw blurRad="38100" dist="25400" dir="5400000" algn="ctr" rotWithShape="0">
+                  <a:srgbClr val="6E747A">
+                    <a:alpha val="43000"/>
+                  </a:srgbClr>
+                </a:outerShdw>
+              </a:effectLst>
+            </a:endParaRPr>
+          </a:p>
+          <a:p>
+            <a:r>
+              <a:rPr lang="es-AR" dirty="0" smtClean="0">
+                <a:solidFill>
+                  <a:schemeClr val="bg1"/>
+                </a:solidFill>
+              </a:rPr>
+              <a:t>  </a:t>
+            </a:r>
+            <a:endParaRPr lang="en-US" dirty="0">
+              <a:solidFill>
+                <a:schemeClr val="bg1"/>
+              </a:solidFill>
+            </a:endParaRPr>
+          </a:p>
+        </p:txBody>
+      </p:sp>
+      <p:sp>
+        <p:nvSpPr>
+          <p:cNvPr id="14" name="Rectángulo 13"/>
+          <p:cNvSpPr/>
+          <p:nvPr/>
+        </p:nvSpPr>
+        <p:spPr>
+          <a:xfrm>
+            <a:off x="2084666" y="2536412"/>
+            <a:ext cx="3545839" cy="247016"/>
+          </a:xfrm>
+          <a:prstGeom prst="rect">
+            <a:avLst/>
+          </a:prstGeom>
+          <a:ln w="28575">
+            <a:solidFill>
+              <a:schemeClr val="tx2"/>
+            </a:solidFill>
+          </a:ln>
+          <a:effectLst>
+            <a:outerShdw blurRad="63500" sx="102000" sy="102000" algn="ctr" rotWithShape="0">
+              <a:prstClr val="black">
+                <a:alpha val="40000"/>
+              </a:prstClr>
+            </a:outerShdw>
+          </a:effectLst>
+        </p:spPr>
+        <p:txBody>
+          <a:bodyPr wrap="square" rtlCol="0" anchor="ctr">
+            <a:spAutoFit/>
+          </a:bodyPr>
+          <a:lstStyle/>
+          <a:p>
+            <a:pPr algn="ctr"/>
+            <a:endParaRPr lang="en-US" b="1" dirty="0" err="1" smtClean="0"/>
+          </a:p>
+        </p:txBody>
+      </p:sp>
+      <p:sp>
+        <p:nvSpPr>
+          <p:cNvPr id="15" name="Rectángulo 14"/>
+          <p:cNvSpPr/>
+          <p:nvPr/>
+        </p:nvSpPr>
+        <p:spPr>
+          <a:xfrm>
+            <a:off x="2267797" y="4936944"/>
+            <a:ext cx="3545839" cy="247016"/>
+          </a:xfrm>
+          <a:prstGeom prst="rect">
+            <a:avLst/>
+          </a:prstGeom>
+          <a:ln w="28575">
+            <a:solidFill>
+              <a:schemeClr val="tx2"/>
+            </a:solidFill>
+          </a:ln>
+          <a:effectLst>
+            <a:outerShdw blurRad="63500" sx="102000" sy="102000" algn="ctr" rotWithShape="0">
+              <a:prstClr val="black">
+                <a:alpha val="40000"/>
+              </a:prstClr>
+            </a:outerShdw>
+          </a:effectLst>
+        </p:spPr>
+        <p:txBody>
+          <a:bodyPr wrap="square" rtlCol="0" anchor="ctr">
+            <a:spAutoFit/>
+          </a:bodyPr>
+          <a:lstStyle/>
+          <a:p>
+            <a:pPr algn="ctr"/>
+            <a:endParaRPr lang="en-US" b="1" dirty="0" err="1" smtClean="0"/>
+          </a:p>
+        </p:txBody>
+      </p:sp>
+      <p:sp>
+        <p:nvSpPr>
+          <p:cNvPr id="16" name="Rectángulo 15"/>
+          <p:cNvSpPr/>
+          <p:nvPr/>
+        </p:nvSpPr>
+        <p:spPr>
+          <a:xfrm>
+            <a:off x="2084665" y="5331368"/>
+            <a:ext cx="3545839" cy="247016"/>
+          </a:xfrm>
+          <a:prstGeom prst="rect">
+            <a:avLst/>
+          </a:prstGeom>
+          <a:ln w="28575">
+            <a:solidFill>
+              <a:schemeClr val="tx2"/>
+            </a:solidFill>
+          </a:ln>
+          <a:effectLst>
+            <a:outerShdw blurRad="63500" sx="102000" sy="102000" algn="ctr" rotWithShape="0">
+              <a:prstClr val="black">
+                <a:alpha val="40000"/>
+              </a:prstClr>
+            </a:outerShdw>
+          </a:effectLst>
+        </p:spPr>
+        <p:txBody>
+          <a:bodyPr wrap="square" rtlCol="0" anchor="ctr">
+            <a:spAutoFit/>
+          </a:bodyPr>
+          <a:lstStyle/>
+          <a:p>
+            <a:pPr algn="ctr"/>
+            <a:endParaRPr lang="en-US" b="1" dirty="0" err="1" smtClean="0"/>
+          </a:p>
+        </p:txBody>
+      </p:sp>
+      <p:sp>
+        <p:nvSpPr>
+          <p:cNvPr id="17" name="CuadroTexto 16"/>
+          <p:cNvSpPr txBox="1"/>
+          <p:nvPr/>
+        </p:nvSpPr>
+        <p:spPr>
+          <a:xfrm>
+            <a:off x="6145318" y="3244334"/>
+            <a:ext cx="5029200" cy="369332"/>
+          </a:xfrm>
+          <a:prstGeom prst="rect">
+            <a:avLst/>
+          </a:prstGeom>
+          <a:noFill/>
+        </p:spPr>
+        <p:txBody>
+          <a:bodyPr wrap="square" rtlCol="0">
+            <a:spAutoFit/>
+          </a:bodyPr>
+          <a:lstStyle/>
+          <a:p>
+            <a:r>
+              <a:rPr lang="es-AR" dirty="0">
+                <a:solidFill>
+                  <a:schemeClr val="bg1"/>
+                </a:solidFill>
+              </a:rPr>
+              <a:t>P</a:t>
+            </a:r>
+            <a:r>
+              <a:rPr lang="es-AR" dirty="0" smtClean="0">
+                <a:solidFill>
+                  <a:schemeClr val="bg1"/>
+                </a:solidFill>
+              </a:rPr>
+              <a:t>lanificador Prioridades </a:t>
+            </a:r>
+            <a:r>
+              <a:rPr lang="es-AR" dirty="0" err="1" smtClean="0">
+                <a:solidFill>
+                  <a:schemeClr val="bg1"/>
+                </a:solidFill>
+              </a:rPr>
+              <a:t>Apropiativos</a:t>
+            </a:r>
+            <a:endParaRPr lang="en-US" dirty="0">
+              <a:solidFill>
+                <a:schemeClr val="bg1"/>
+              </a:solidFill>
+            </a:endParaRPr>
+          </a:p>
+        </p:txBody>
+      </p:sp>
+      <p:sp>
+        <p:nvSpPr>
+          <p:cNvPr id="18" name="Rectángulo 17"/>
+          <p:cNvSpPr/>
+          <p:nvPr/>
+        </p:nvSpPr>
+        <p:spPr>
+          <a:xfrm>
+            <a:off x="1627274" y="1771463"/>
+            <a:ext cx="3545839" cy="247016"/>
+          </a:xfrm>
+          <a:prstGeom prst="rect">
+            <a:avLst/>
+          </a:prstGeom>
+          <a:ln w="28575">
+            <a:solidFill>
+              <a:schemeClr val="tx2"/>
+            </a:solidFill>
+          </a:ln>
+          <a:effectLst>
+            <a:outerShdw blurRad="63500" sx="102000" sy="102000" algn="ctr" rotWithShape="0">
+              <a:prstClr val="black">
+                <a:alpha val="40000"/>
+              </a:prstClr>
+            </a:outerShdw>
+          </a:effectLst>
+        </p:spPr>
+        <p:txBody>
+          <a:bodyPr wrap="square" rtlCol="0" anchor="ctr">
+            <a:spAutoFit/>
+          </a:bodyPr>
+          <a:lstStyle/>
+          <a:p>
+            <a:pPr algn="ctr"/>
+            <a:endParaRPr lang="en-US" b="1" dirty="0" err="1" smtClean="0"/>
+          </a:p>
+        </p:txBody>
+      </p:sp>
+      <p:sp>
+        <p:nvSpPr>
+          <p:cNvPr id="11" name="Rectángulo 10"/>
+          <p:cNvSpPr/>
+          <p:nvPr/>
+        </p:nvSpPr>
+        <p:spPr>
+          <a:xfrm>
+            <a:off x="8750032" y="0"/>
+            <a:ext cx="3441968" cy="369332"/>
+          </a:xfrm>
+          <a:prstGeom prst="rect">
+            <a:avLst/>
+          </a:prstGeom>
+        </p:spPr>
+        <p:txBody>
+          <a:bodyPr wrap="none">
+            <a:spAutoFit/>
+          </a:bodyPr>
+          <a:lstStyle/>
+          <a:p>
+            <a:r>
+              <a:rPr lang="en-US" b="1" dirty="0" smtClean="0"/>
+              <a:t>PLANIFICADOR DE </a:t>
+            </a:r>
+            <a:r>
+              <a:rPr lang="es-AR" b="1" dirty="0" smtClean="0"/>
+              <a:t>PROCESOS</a:t>
+            </a:r>
+            <a:endParaRPr lang="en-US" dirty="0"/>
+          </a:p>
+        </p:txBody>
+      </p:sp>
+    </p:spTree>
+    <p:extLst>
+      <p:ext uri="{BB962C8B-B14F-4D97-AF65-F5344CB8AC3E}">
+        <p14:creationId xmlns:p14="http://schemas.microsoft.com/office/powerpoint/2010/main" val="3430204041"/>
+      </p:ext>
+    </p:extLst>
+  </p:cSld>
+  <p:clrMapOvr>
+    <a:masterClrMapping/>
+  </p:clrMapOvr>
+  <p:timing>
+    <p:tnLst>
+      <p:par>
+        <p:cTn id="1" dur="indefinite" restart="never" nodeType="tmRoot">
+          <p:childTnLst>
+            <p:seq concurrent="1" nextAc="seek">
+              <p:cTn id="2" dur="indefinite" nodeType="mainSeq">
+                <p:childTnLst>
+                  <p:par>
+                    <p:cTn id="3" fill="hold">
+                      <p:stCondLst>
+                        <p:cond delay="indefinite"/>
+                        <p:cond evt="onBegin" delay="0">
+                          <p:tn val="2"/>
+                        </p:cond>
+                      </p:stCondLst>
+                      <p:childTnLst>
+                        <p:par>
+                          <p:cTn id="4" fill="hold">
+                            <p:stCondLst>
+                              <p:cond delay="0"/>
+                            </p:stCondLst>
+                            <p:childTnLst>
+                              <p:par>
+                                <p:cTn id="5" presetID="10" presetClass="entr" presetSubtype="0" fill="hold" grpId="0" nodeType="withEffect">
+                                  <p:stCondLst>
+                                    <p:cond delay="1100"/>
+                                  </p:stCondLst>
+                                  <p:childTnLst>
+                                    <p:set>
+                                      <p:cBhvr>
+                                        <p:cTn id="6" dur="1" fill="hold">
+                                          <p:stCondLst>
+                                            <p:cond delay="0"/>
+                                          </p:stCondLst>
+                                        </p:cTn>
+                                        <p:tgtEl>
+                                          <p:spTgt spid="16"/>
+                                        </p:tgtEl>
+                                        <p:attrNameLst>
+                                          <p:attrName>style.visibility</p:attrName>
+                                        </p:attrNameLst>
+                                      </p:cBhvr>
+                                      <p:to>
+                                        <p:strVal val="visible"/>
+                                      </p:to>
+                                    </p:set>
+                                    <p:animEffect transition="in" filter="fade">
+                                      <p:cBhvr>
+                                        <p:cTn id="7" dur="500"/>
+                                        <p:tgtEl>
+                                          <p:spTgt spid="16"/>
+                                        </p:tgtEl>
+                                      </p:cBhvr>
+                                    </p:animEffect>
+                                  </p:childTnLst>
+                                </p:cTn>
+                              </p:par>
+                              <p:par>
+                                <p:cTn id="8" presetID="10" presetClass="entr" presetSubtype="0" fill="hold" grpId="0" nodeType="withEffect">
+                                  <p:stCondLst>
+                                    <p:cond delay="1500"/>
+                                  </p:stCondLst>
+                                  <p:childTnLst>
+                                    <p:set>
+                                      <p:cBhvr>
+                                        <p:cTn id="9" dur="1" fill="hold">
+                                          <p:stCondLst>
+                                            <p:cond delay="0"/>
+                                          </p:stCondLst>
+                                        </p:cTn>
+                                        <p:tgtEl>
+                                          <p:spTgt spid="15"/>
+                                        </p:tgtEl>
+                                        <p:attrNameLst>
+                                          <p:attrName>style.visibility</p:attrName>
+                                        </p:attrNameLst>
+                                      </p:cBhvr>
+                                      <p:to>
+                                        <p:strVal val="visible"/>
+                                      </p:to>
+                                    </p:set>
+                                    <p:animEffect transition="in" filter="fade">
+                                      <p:cBhvr>
+                                        <p:cTn id="10" dur="500"/>
+                                        <p:tgtEl>
+                                          <p:spTgt spid="15"/>
+                                        </p:tgtEl>
+                                      </p:cBhvr>
+                                    </p:animEffect>
+                                  </p:childTnLst>
+                                </p:cTn>
+                              </p:par>
+                              <p:par>
+                                <p:cTn id="11" presetID="10" presetClass="entr" presetSubtype="0" fill="hold" grpId="0" nodeType="withEffect">
+                                  <p:stCondLst>
+                                    <p:cond delay="2000"/>
+                                  </p:stCondLst>
+                                  <p:childTnLst>
+                                    <p:set>
+                                      <p:cBhvr>
+                                        <p:cTn id="12" dur="1" fill="hold">
+                                          <p:stCondLst>
+                                            <p:cond delay="0"/>
+                                          </p:stCondLst>
+                                        </p:cTn>
+                                        <p:tgtEl>
+                                          <p:spTgt spid="14"/>
+                                        </p:tgtEl>
+                                        <p:attrNameLst>
+                                          <p:attrName>style.visibility</p:attrName>
+                                        </p:attrNameLst>
+                                      </p:cBhvr>
+                                      <p:to>
+                                        <p:strVal val="visible"/>
+                                      </p:to>
+                                    </p:set>
+                                    <p:animEffect transition="in" filter="fade">
+                                      <p:cBhvr>
+                                        <p:cTn id="13" dur="700"/>
+                                        <p:tgtEl>
+                                          <p:spTgt spid="14"/>
+                                        </p:tgtEl>
+                                      </p:cBhvr>
+                                    </p:animEffect>
+                                  </p:childTnLst>
+                                </p:cTn>
+                              </p:par>
+                              <p:par>
+                                <p:cTn id="14" presetID="10" presetClass="entr" presetSubtype="0" fill="hold" grpId="0" nodeType="withEffect">
+                                  <p:stCondLst>
+                                    <p:cond delay="2600"/>
+                                  </p:stCondLst>
+                                  <p:childTnLst>
+                                    <p:set>
+                                      <p:cBhvr>
+                                        <p:cTn id="15" dur="1" fill="hold">
+                                          <p:stCondLst>
+                                            <p:cond delay="0"/>
+                                          </p:stCondLst>
+                                        </p:cTn>
+                                        <p:tgtEl>
+                                          <p:spTgt spid="18"/>
+                                        </p:tgtEl>
+                                        <p:attrNameLst>
+                                          <p:attrName>style.visibility</p:attrName>
+                                        </p:attrNameLst>
+                                      </p:cBhvr>
+                                      <p:to>
+                                        <p:strVal val="visible"/>
+                                      </p:to>
+                                    </p:set>
+                                    <p:animEffect transition="in" filter="fade">
+                                      <p:cBhvr>
+                                        <p:cTn id="16" dur="600"/>
+                                        <p:tgtEl>
+                                          <p:spTgt spid="18"/>
+                                        </p:tgtEl>
+                                      </p:cBhvr>
+                                    </p:animEffect>
+                                  </p:childTnLst>
+                                </p:cTn>
+                              </p:par>
+                              <p:par>
+                                <p:cTn id="17" presetID="42" presetClass="entr" presetSubtype="0" fill="hold" grpId="0" nodeType="withEffect">
+                                  <p:stCondLst>
+                                    <p:cond delay="3400"/>
+                                  </p:stCondLst>
+                                  <p:childTnLst>
+                                    <p:set>
+                                      <p:cBhvr>
+                                        <p:cTn id="18" dur="1" fill="hold">
+                                          <p:stCondLst>
+                                            <p:cond delay="0"/>
+                                          </p:stCondLst>
+                                        </p:cTn>
+                                        <p:tgtEl>
+                                          <p:spTgt spid="17"/>
+                                        </p:tgtEl>
+                                        <p:attrNameLst>
+                                          <p:attrName>style.visibility</p:attrName>
+                                        </p:attrNameLst>
+                                      </p:cBhvr>
+                                      <p:to>
+                                        <p:strVal val="visible"/>
+                                      </p:to>
+                                    </p:set>
+                                    <p:animEffect transition="in" filter="fade">
+                                      <p:cBhvr>
+                                        <p:cTn id="19" dur="1000"/>
+                                        <p:tgtEl>
+                                          <p:spTgt spid="17"/>
+                                        </p:tgtEl>
+                                      </p:cBhvr>
+                                    </p:animEffect>
+                                    <p:anim calcmode="lin" valueType="num">
+                                      <p:cBhvr>
+                                        <p:cTn id="20" dur="1000" fill="hold"/>
+                                        <p:tgtEl>
+                                          <p:spTgt spid="17"/>
+                                        </p:tgtEl>
+                                        <p:attrNameLst>
+                                          <p:attrName>ppt_x</p:attrName>
+                                        </p:attrNameLst>
+                                      </p:cBhvr>
+                                      <p:tavLst>
+                                        <p:tav tm="0">
+                                          <p:val>
+                                            <p:strVal val="#ppt_x"/>
+                                          </p:val>
+                                        </p:tav>
+                                        <p:tav tm="100000">
+                                          <p:val>
+                                            <p:strVal val="#ppt_x"/>
+                                          </p:val>
+                                        </p:tav>
+                                      </p:tavLst>
+                                    </p:anim>
+                                    <p:anim calcmode="lin" valueType="num">
+                                      <p:cBhvr>
+                                        <p:cTn id="21" dur="1000" fill="hold"/>
+                                        <p:tgtEl>
+                                          <p:spTgt spid="17"/>
+                                        </p:tgtEl>
+                                        <p:attrNameLst>
+                                          <p:attrName>ppt_y</p:attrName>
+                                        </p:attrNameLst>
+                                      </p:cBhvr>
+                                      <p:tavLst>
+                                        <p:tav tm="0">
+                                          <p:val>
+                                            <p:strVal val="#ppt_y+.1"/>
+                                          </p:val>
+                                        </p:tav>
+                                        <p:tav tm="100000">
+                                          <p:val>
+                                            <p:strVal val="#ppt_y"/>
+                                          </p:val>
+                                        </p:tav>
+                                      </p:tavLst>
+                                    </p:anim>
+                                  </p:childTnLst>
+                                </p:cTn>
+                              </p:par>
+                              <p:par>
+                                <p:cTn id="22" presetID="10" presetClass="exit" presetSubtype="0" fill="hold" grpId="0" nodeType="withEffect">
+                                  <p:stCondLst>
+                                    <p:cond delay="3400"/>
+                                  </p:stCondLst>
+                                  <p:childTnLst>
+                                    <p:animEffect transition="out" filter="fade">
+                                      <p:cBhvr>
+                                        <p:cTn id="23" dur="500"/>
+                                        <p:tgtEl>
+                                          <p:spTgt spid="13"/>
+                                        </p:tgtEl>
+                                      </p:cBhvr>
+                                    </p:animEffect>
+                                    <p:set>
+                                      <p:cBhvr>
+                                        <p:cTn id="24" dur="1" fill="hold">
+                                          <p:stCondLst>
+                                            <p:cond delay="499"/>
+                                          </p:stCondLst>
+                                        </p:cTn>
+                                        <p:tgtEl>
+                                          <p:spTgt spid="13"/>
+                                        </p:tgtEl>
+                                        <p:attrNameLst>
+                                          <p:attrName>style.visibility</p:attrName>
+                                        </p:attrNameLst>
+                                      </p:cBhvr>
+                                      <p:to>
+                                        <p:strVal val="hidden"/>
+                                      </p:to>
+                                    </p:set>
+                                  </p:childTnLst>
+                                </p:cTn>
+                              </p:par>
+                            </p:childTnLst>
+                          </p:cTn>
+                        </p:par>
+                      </p:childTnLst>
+                    </p:cTn>
+                  </p:par>
+                </p:childTnLst>
+              </p:cTn>
+              <p:prevCondLst>
+                <p:cond evt="onPrev" delay="0">
+                  <p:tgtEl>
+                    <p:sldTgt/>
+                  </p:tgtEl>
+                </p:cond>
+              </p:prevCondLst>
+              <p:nextCondLst>
+                <p:cond evt="onNext" delay="0">
+                  <p:tgtEl>
+                    <p:sldTgt/>
+                  </p:tgtEl>
+                </p:cond>
+              </p:nextCondLst>
+            </p:seq>
+          </p:childTnLst>
+        </p:cTn>
+      </p:par>
+    </p:tnLst>
+    <p:bldLst>
+      <p:bldP spid="13" grpId="0"/>
+      <p:bldP spid="14" grpId="0" animBg="1"/>
+      <p:bldP spid="15" grpId="0" animBg="1"/>
+      <p:bldP spid="16" grpId="0" animBg="1"/>
+      <p:bldP spid="17" grpId="0"/>
+      <p:bldP spid="18" grpId="0" animBg="1"/>
+    </p:bldLst>
+  </p:timing>
+</p:sld>
+</file>
+
+<file path=ppt/slides/slide14.xml><?xml version="1.0" encoding="utf-8"?>
+<p:sld xmlns:a="http://schemas.openxmlformats.org/drawingml/2006/main" xmlns:r="http://schemas.openxmlformats.org/officeDocument/2006/relationships" xmlns:p="http://schemas.openxmlformats.org/presentationml/2006/main">
+  <p:cSld>
+    <p:spTree>
+      <p:nvGrpSpPr>
+        <p:cNvPr id="1" name=""/>
+        <p:cNvGrpSpPr/>
+        <p:nvPr/>
+      </p:nvGrpSpPr>
+      <p:grpSpPr>
+        <a:xfrm>
+          <a:off x="0" y="0"/>
+          <a:ext cx="0" cy="0"/>
+          <a:chOff x="0" y="0"/>
+          <a:chExt cx="0" cy="0"/>
+        </a:xfrm>
+      </p:grpSpPr>
+      <p:pic>
+        <p:nvPicPr>
+          <p:cNvPr id="2" name="Imagen 1"/>
+          <p:cNvPicPr>
+            <a:picLocks noChangeAspect="1"/>
+          </p:cNvPicPr>
+          <p:nvPr/>
+        </p:nvPicPr>
+        <p:blipFill>
+          <a:blip r:embed="rId2">
+            <a:extLst>
+              <a:ext uri="{28A0092B-C50C-407E-A947-70E740481C1C}">
+                <a14:useLocalDpi xmlns:a14="http://schemas.microsoft.com/office/drawing/2010/main" val="0"/>
+              </a:ext>
+            </a:extLst>
+          </a:blip>
+          <a:stretch>
+            <a:fillRect/>
+          </a:stretch>
+        </p:blipFill>
+        <p:spPr>
+          <a:xfrm>
+            <a:off x="807469" y="638175"/>
+            <a:ext cx="10577062" cy="5581650"/>
+          </a:xfrm>
+          <a:prstGeom prst="rect">
+            <a:avLst/>
+          </a:prstGeom>
+        </p:spPr>
+      </p:pic>
+      <p:sp>
+        <p:nvSpPr>
+          <p:cNvPr id="13" name="CuadroTexto 12"/>
+          <p:cNvSpPr txBox="1"/>
+          <p:nvPr/>
+        </p:nvSpPr>
+        <p:spPr>
+          <a:xfrm>
+            <a:off x="6145318" y="1512276"/>
+            <a:ext cx="5029200" cy="923330"/>
+          </a:xfrm>
+          <a:prstGeom prst="rect">
+            <a:avLst/>
+          </a:prstGeom>
+          <a:noFill/>
+        </p:spPr>
+        <p:txBody>
+          <a:bodyPr wrap="square" rtlCol="0">
+            <a:spAutoFit/>
+          </a:bodyPr>
+          <a:lstStyle/>
+          <a:p>
+            <a:r>
+              <a:rPr lang="es-AR" dirty="0" smtClean="0">
+                <a:solidFill>
+                  <a:schemeClr val="bg1"/>
+                </a:solidFill>
+              </a:rPr>
+              <a:t>El núcleo del </a:t>
+            </a:r>
+            <a:r>
+              <a:rPr lang="es-AR" dirty="0">
+                <a:solidFill>
+                  <a:schemeClr val="bg1"/>
+                </a:solidFill>
+              </a:rPr>
+              <a:t>planificador Prioridades </a:t>
+            </a:r>
+            <a:r>
+              <a:rPr lang="es-AR" dirty="0" err="1">
+                <a:solidFill>
+                  <a:schemeClr val="bg1"/>
+                </a:solidFill>
+              </a:rPr>
+              <a:t>Apropiativos</a:t>
+            </a:r>
+            <a:endParaRPr lang="en-US" dirty="0">
+              <a:solidFill>
+                <a:schemeClr val="bg1"/>
+              </a:solidFill>
+            </a:endParaRPr>
+          </a:p>
+          <a:p>
+            <a:r>
+              <a:rPr lang="es-AR" dirty="0" smtClean="0">
+                <a:solidFill>
+                  <a:schemeClr val="bg1"/>
+                </a:solidFill>
+              </a:rPr>
+              <a:t>  </a:t>
+            </a:r>
+            <a:endParaRPr lang="en-US" dirty="0">
+              <a:solidFill>
+                <a:schemeClr val="bg1"/>
+              </a:solidFill>
+            </a:endParaRPr>
+          </a:p>
+        </p:txBody>
+      </p:sp>
+      <p:sp>
+        <p:nvSpPr>
+          <p:cNvPr id="11" name="CuadroTexto 10"/>
+          <p:cNvSpPr txBox="1"/>
+          <p:nvPr/>
+        </p:nvSpPr>
+        <p:spPr>
+          <a:xfrm>
+            <a:off x="6145318" y="2213247"/>
+            <a:ext cx="5029200" cy="646331"/>
+          </a:xfrm>
+          <a:prstGeom prst="rect">
+            <a:avLst/>
+          </a:prstGeom>
+          <a:noFill/>
+        </p:spPr>
+        <p:txBody>
+          <a:bodyPr wrap="square" rtlCol="0">
+            <a:spAutoFit/>
+          </a:bodyPr>
+          <a:lstStyle/>
+          <a:p>
+            <a:r>
+              <a:rPr lang="es-AR" dirty="0" smtClean="0">
+                <a:ln w="0"/>
+                <a:solidFill>
+                  <a:schemeClr val="bg1"/>
+                </a:solidFill>
+                <a:effectLst>
+                  <a:outerShdw blurRad="38100" dist="25400" dir="5400000" algn="ctr" rotWithShape="0">
+                    <a:srgbClr val="6E747A">
+                      <a:alpha val="43000"/>
+                    </a:srgbClr>
+                  </a:outerShdw>
+                </a:effectLst>
+              </a:rPr>
+              <a:t>Modifiquemos de </a:t>
+            </a:r>
+            <a:r>
+              <a:rPr lang="es-AR" dirty="0">
+                <a:solidFill>
+                  <a:schemeClr val="bg1"/>
+                </a:solidFill>
+              </a:rPr>
+              <a:t>Prioridades </a:t>
+            </a:r>
+            <a:r>
+              <a:rPr lang="es-AR" dirty="0" err="1">
+                <a:solidFill>
+                  <a:schemeClr val="bg1"/>
+                </a:solidFill>
+              </a:rPr>
+              <a:t>Apropiativos</a:t>
+            </a:r>
+            <a:r>
+              <a:rPr lang="es-AR" dirty="0">
+                <a:solidFill>
+                  <a:schemeClr val="bg1"/>
+                </a:solidFill>
+              </a:rPr>
+              <a:t> </a:t>
+            </a:r>
+            <a:r>
+              <a:rPr lang="es-AR" dirty="0" smtClean="0">
+                <a:solidFill>
+                  <a:schemeClr val="bg1"/>
+                </a:solidFill>
+              </a:rPr>
+              <a:t>a sin orden y con un parámetro a </a:t>
+            </a:r>
+            <a:r>
+              <a:rPr lang="es-AR" dirty="0" err="1" smtClean="0">
+                <a:solidFill>
+                  <a:schemeClr val="bg1"/>
+                </a:solidFill>
+              </a:rPr>
+              <a:t>timeOut</a:t>
+            </a:r>
+            <a:endParaRPr lang="en-US" dirty="0">
+              <a:ln w="0"/>
+              <a:solidFill>
+                <a:schemeClr val="bg1"/>
+              </a:solidFill>
+              <a:effectLst>
+                <a:outerShdw blurRad="38100" dist="25400" dir="5400000" algn="ctr" rotWithShape="0">
+                  <a:srgbClr val="6E747A">
+                    <a:alpha val="43000"/>
+                  </a:srgbClr>
+                </a:outerShdw>
+              </a:effectLst>
+            </a:endParaRPr>
+          </a:p>
+        </p:txBody>
+      </p:sp>
+      <p:sp>
+        <p:nvSpPr>
+          <p:cNvPr id="6" name="Rectángulo 5"/>
+          <p:cNvSpPr/>
+          <p:nvPr/>
+        </p:nvSpPr>
+        <p:spPr>
+          <a:xfrm>
+            <a:off x="8750032" y="0"/>
+            <a:ext cx="3441968" cy="369332"/>
+          </a:xfrm>
+          <a:prstGeom prst="rect">
+            <a:avLst/>
+          </a:prstGeom>
+        </p:spPr>
+        <p:txBody>
+          <a:bodyPr wrap="none">
+            <a:spAutoFit/>
+          </a:bodyPr>
+          <a:lstStyle/>
+          <a:p>
+            <a:r>
+              <a:rPr lang="en-US" b="1" dirty="0" smtClean="0"/>
+              <a:t>PLANIFICADOR DE </a:t>
+            </a:r>
+            <a:r>
+              <a:rPr lang="es-AR" b="1" dirty="0" smtClean="0"/>
+              <a:t>PROCESOS</a:t>
+            </a:r>
+            <a:endParaRPr lang="en-US" dirty="0"/>
+          </a:p>
+        </p:txBody>
+      </p:sp>
+    </p:spTree>
+    <p:extLst>
+      <p:ext uri="{BB962C8B-B14F-4D97-AF65-F5344CB8AC3E}">
+        <p14:creationId xmlns:p14="http://schemas.microsoft.com/office/powerpoint/2010/main" val="2183193662"/>
+      </p:ext>
+    </p:extLst>
+  </p:cSld>
+  <p:clrMapOvr>
+    <a:masterClrMapping/>
+  </p:clrMapOvr>
+  <p:timing>
+    <p:tnLst>
+      <p:par>
+        <p:cTn id="1" dur="indefinite" restart="never" nodeType="tmRoot">
+          <p:childTnLst>
+            <p:seq concurrent="1" nextAc="seek">
+              <p:cTn id="2" dur="indefinite" nodeType="mainSeq">
+                <p:childTnLst>
+                  <p:par>
+                    <p:cTn id="3" fill="hold">
+                      <p:stCondLst>
+                        <p:cond delay="indefinite"/>
+                        <p:cond evt="onBegin" delay="0">
+                          <p:tn val="2"/>
+                        </p:cond>
+                      </p:stCondLst>
+                      <p:childTnLst>
+                        <p:par>
+                          <p:cTn id="4" fill="hold">
+                            <p:stCondLst>
+                              <p:cond delay="0"/>
+                            </p:stCondLst>
+                            <p:childTnLst>
+                              <p:par>
+                                <p:cTn id="5" presetID="2" presetClass="entr" presetSubtype="4" fill="hold" grpId="0" nodeType="withEffect">
+                                  <p:stCondLst>
+                                    <p:cond delay="4000"/>
+                                  </p:stCondLst>
+                                  <p:childTnLst>
+                                    <p:set>
+                                      <p:cBhvr>
+                                        <p:cTn id="6" dur="1" fill="hold">
+                                          <p:stCondLst>
+                                            <p:cond delay="0"/>
+                                          </p:stCondLst>
+                                        </p:cTn>
+                                        <p:tgtEl>
+                                          <p:spTgt spid="11"/>
+                                        </p:tgtEl>
+                                        <p:attrNameLst>
+                                          <p:attrName>style.visibility</p:attrName>
+                                        </p:attrNameLst>
+                                      </p:cBhvr>
+                                      <p:to>
+                                        <p:strVal val="visible"/>
+                                      </p:to>
+                                    </p:set>
+                                    <p:anim calcmode="lin" valueType="num">
+                                      <p:cBhvr additive="base">
+                                        <p:cTn id="7" dur="1200" fill="hold"/>
+                                        <p:tgtEl>
+                                          <p:spTgt spid="11"/>
+                                        </p:tgtEl>
+                                        <p:attrNameLst>
+                                          <p:attrName>ppt_x</p:attrName>
+                                        </p:attrNameLst>
+                                      </p:cBhvr>
+                                      <p:tavLst>
+                                        <p:tav tm="0">
+                                          <p:val>
+                                            <p:strVal val="#ppt_x"/>
+                                          </p:val>
+                                        </p:tav>
+                                        <p:tav tm="100000">
+                                          <p:val>
+                                            <p:strVal val="#ppt_x"/>
+                                          </p:val>
+                                        </p:tav>
+                                      </p:tavLst>
+                                    </p:anim>
+                                    <p:anim calcmode="lin" valueType="num">
+                                      <p:cBhvr additive="base">
+                                        <p:cTn id="8" dur="1200" fill="hold"/>
+                                        <p:tgtEl>
+                                          <p:spTgt spid="11"/>
+                                        </p:tgtEl>
+                                        <p:attrNameLst>
+                                          <p:attrName>ppt_y</p:attrName>
+                                        </p:attrNameLst>
+                                      </p:cBhvr>
+                                      <p:tavLst>
+                                        <p:tav tm="0">
+                                          <p:val>
+                                            <p:strVal val="1+#ppt_h/2"/>
+                                          </p:val>
+                                        </p:tav>
+                                        <p:tav tm="100000">
+                                          <p:val>
+                                            <p:strVal val="#ppt_y"/>
+                                          </p:val>
+                                        </p:tav>
+                                      </p:tavLst>
+                                    </p:anim>
+                                  </p:childTnLst>
+                                </p:cTn>
+                              </p:par>
+                            </p:childTnLst>
+                          </p:cTn>
+                        </p:par>
+                      </p:childTnLst>
+                    </p:cTn>
+                  </p:par>
+                </p:childTnLst>
+              </p:cTn>
+              <p:prevCondLst>
+                <p:cond evt="onPrev" delay="0">
+                  <p:tgtEl>
+                    <p:sldTgt/>
+                  </p:tgtEl>
+                </p:cond>
+              </p:prevCondLst>
+              <p:nextCondLst>
+                <p:cond evt="onNext" delay="0">
+                  <p:tgtEl>
+                    <p:sldTgt/>
+                  </p:tgtEl>
+                </p:cond>
+              </p:nextCondLst>
+            </p:seq>
+          </p:childTnLst>
+        </p:cTn>
+      </p:par>
+    </p:tnLst>
+    <p:bldLst>
+      <p:bldP spid="11" grpId="0"/>
+    </p:bldLst>
+  </p:timing>
+</p:sld>
+</file>
+
+<file path=ppt/slides/slide15.xml><?xml version="1.0" encoding="utf-8"?>
+<p:sld xmlns:a="http://schemas.openxmlformats.org/drawingml/2006/main" xmlns:r="http://schemas.openxmlformats.org/officeDocument/2006/relationships" xmlns:p="http://schemas.openxmlformats.org/presentationml/2006/main">
+  <p:cSld>
+    <p:spTree>
+      <p:nvGrpSpPr>
+        <p:cNvPr id="1" name=""/>
+        <p:cNvGrpSpPr/>
+        <p:nvPr/>
+      </p:nvGrpSpPr>
+      <p:grpSpPr>
+        <a:xfrm>
+          <a:off x="0" y="0"/>
+          <a:ext cx="0" cy="0"/>
+          <a:chOff x="0" y="0"/>
+          <a:chExt cx="0" cy="0"/>
+        </a:xfrm>
+      </p:grpSpPr>
+      <p:pic>
+        <p:nvPicPr>
+          <p:cNvPr id="3" name="Imagen 2"/>
+          <p:cNvPicPr>
+            <a:picLocks noChangeAspect="1"/>
+          </p:cNvPicPr>
+          <p:nvPr/>
+        </p:nvPicPr>
+        <p:blipFill>
+          <a:blip r:embed="rId2">
+            <a:extLst>
+              <a:ext uri="{28A0092B-C50C-407E-A947-70E740481C1C}">
+                <a14:useLocalDpi xmlns:a14="http://schemas.microsoft.com/office/drawing/2010/main" val="0"/>
+              </a:ext>
+            </a:extLst>
+          </a:blip>
+          <a:stretch>
+            <a:fillRect/>
+          </a:stretch>
+        </p:blipFill>
+        <p:spPr>
+          <a:xfrm>
+            <a:off x="685800" y="525553"/>
+            <a:ext cx="10820400" cy="5806894"/>
+          </a:xfrm>
+          <a:prstGeom prst="rect">
+            <a:avLst/>
+          </a:prstGeom>
+        </p:spPr>
+      </p:pic>
+      <p:sp>
+        <p:nvSpPr>
+          <p:cNvPr id="13" name="CuadroTexto 12"/>
+          <p:cNvSpPr txBox="1"/>
+          <p:nvPr/>
+        </p:nvSpPr>
+        <p:spPr>
+          <a:xfrm>
+            <a:off x="6145318" y="1512276"/>
+            <a:ext cx="5029200" cy="646331"/>
+          </a:xfrm>
+          <a:prstGeom prst="rect">
+            <a:avLst/>
+          </a:prstGeom>
+          <a:noFill/>
+        </p:spPr>
+        <p:txBody>
+          <a:bodyPr wrap="square" rtlCol="0">
+            <a:spAutoFit/>
+          </a:bodyPr>
+          <a:lstStyle/>
+          <a:p>
+            <a:r>
+              <a:rPr lang="es-AR" dirty="0" smtClean="0">
+                <a:solidFill>
+                  <a:schemeClr val="bg1"/>
+                </a:solidFill>
+              </a:rPr>
+              <a:t>El núcleo del planificador Prioridades </a:t>
+            </a:r>
+            <a:r>
+              <a:rPr lang="es-AR" dirty="0" err="1" smtClean="0">
+                <a:solidFill>
+                  <a:schemeClr val="bg1"/>
+                </a:solidFill>
+              </a:rPr>
+              <a:t>Apropiativos</a:t>
+            </a:r>
+            <a:r>
+              <a:rPr lang="es-AR" dirty="0" smtClean="0">
+                <a:solidFill>
+                  <a:schemeClr val="bg1"/>
+                </a:solidFill>
+              </a:rPr>
+              <a:t>  </a:t>
+            </a:r>
+            <a:endParaRPr lang="en-US" dirty="0">
+              <a:solidFill>
+                <a:schemeClr val="bg1"/>
+              </a:solidFill>
+            </a:endParaRPr>
+          </a:p>
+        </p:txBody>
+      </p:sp>
+      <p:sp>
+        <p:nvSpPr>
+          <p:cNvPr id="19" name="Rectángulo 18"/>
+          <p:cNvSpPr/>
+          <p:nvPr/>
+        </p:nvSpPr>
+        <p:spPr>
+          <a:xfrm>
+            <a:off x="2325774" y="704663"/>
+            <a:ext cx="3545839" cy="247016"/>
+          </a:xfrm>
+          <a:prstGeom prst="rect">
+            <a:avLst/>
+          </a:prstGeom>
+          <a:ln w="28575">
+            <a:solidFill>
+              <a:schemeClr val="tx2"/>
+            </a:solidFill>
+          </a:ln>
+          <a:effectLst>
+            <a:outerShdw blurRad="63500" sx="102000" sy="102000" algn="ctr" rotWithShape="0">
+              <a:prstClr val="black">
+                <a:alpha val="40000"/>
+              </a:prstClr>
+            </a:outerShdw>
+          </a:effectLst>
+        </p:spPr>
+        <p:txBody>
+          <a:bodyPr wrap="square" rtlCol="0" anchor="ctr">
+            <a:spAutoFit/>
+          </a:bodyPr>
+          <a:lstStyle/>
+          <a:p>
+            <a:pPr algn="ctr"/>
+            <a:endParaRPr lang="en-US" b="1" dirty="0" err="1" smtClean="0"/>
+          </a:p>
+        </p:txBody>
+      </p:sp>
+      <p:sp>
+        <p:nvSpPr>
+          <p:cNvPr id="22" name="Rectángulo 21"/>
+          <p:cNvSpPr/>
+          <p:nvPr/>
+        </p:nvSpPr>
+        <p:spPr>
+          <a:xfrm>
+            <a:off x="2084474" y="3898682"/>
+            <a:ext cx="3545839" cy="247016"/>
+          </a:xfrm>
+          <a:prstGeom prst="rect">
+            <a:avLst/>
+          </a:prstGeom>
+          <a:ln w="28575">
+            <a:solidFill>
+              <a:schemeClr val="tx2"/>
+            </a:solidFill>
+          </a:ln>
+          <a:effectLst>
+            <a:outerShdw blurRad="63500" sx="102000" sy="102000" algn="ctr" rotWithShape="0">
+              <a:prstClr val="black">
+                <a:alpha val="40000"/>
+              </a:prstClr>
+            </a:outerShdw>
+          </a:effectLst>
+        </p:spPr>
+        <p:txBody>
+          <a:bodyPr wrap="square" rtlCol="0" anchor="ctr">
+            <a:spAutoFit/>
+          </a:bodyPr>
+          <a:lstStyle/>
+          <a:p>
+            <a:pPr algn="ctr"/>
+            <a:endParaRPr lang="en-US" b="1" dirty="0" err="1" smtClean="0"/>
+          </a:p>
+        </p:txBody>
+      </p:sp>
+      <p:sp>
+        <p:nvSpPr>
+          <p:cNvPr id="23" name="CuadroTexto 22"/>
+          <p:cNvSpPr txBox="1"/>
+          <p:nvPr/>
+        </p:nvSpPr>
+        <p:spPr>
+          <a:xfrm>
+            <a:off x="6145318" y="3244334"/>
+            <a:ext cx="5029200" cy="369332"/>
+          </a:xfrm>
+          <a:prstGeom prst="rect">
+            <a:avLst/>
+          </a:prstGeom>
+          <a:noFill/>
+        </p:spPr>
+        <p:txBody>
+          <a:bodyPr wrap="square" rtlCol="0">
+            <a:spAutoFit/>
+          </a:bodyPr>
+          <a:lstStyle/>
+          <a:p>
+            <a:r>
+              <a:rPr lang="es-AR" dirty="0" smtClean="0">
+                <a:solidFill>
+                  <a:schemeClr val="bg1"/>
+                </a:solidFill>
+              </a:rPr>
+              <a:t>Planificador Round </a:t>
+            </a:r>
+            <a:r>
+              <a:rPr lang="es-AR" dirty="0" err="1" smtClean="0">
+                <a:solidFill>
+                  <a:schemeClr val="bg1"/>
+                </a:solidFill>
+              </a:rPr>
+              <a:t>Robin</a:t>
+            </a:r>
+            <a:endParaRPr lang="en-US" dirty="0">
+              <a:solidFill>
+                <a:schemeClr val="bg1"/>
+              </a:solidFill>
+            </a:endParaRPr>
+          </a:p>
+        </p:txBody>
+      </p:sp>
+      <p:sp>
+        <p:nvSpPr>
+          <p:cNvPr id="24" name="CuadroTexto 23"/>
+          <p:cNvSpPr txBox="1"/>
+          <p:nvPr/>
+        </p:nvSpPr>
+        <p:spPr>
+          <a:xfrm>
+            <a:off x="6145318" y="2213247"/>
+            <a:ext cx="5029200" cy="646331"/>
+          </a:xfrm>
+          <a:prstGeom prst="rect">
+            <a:avLst/>
+          </a:prstGeom>
+          <a:noFill/>
+        </p:spPr>
+        <p:txBody>
+          <a:bodyPr wrap="square" rtlCol="0">
+            <a:spAutoFit/>
+          </a:bodyPr>
+          <a:lstStyle/>
+          <a:p>
+            <a:r>
+              <a:rPr lang="es-AR" dirty="0" smtClean="0">
+                <a:ln w="0"/>
+                <a:solidFill>
+                  <a:schemeClr val="bg1"/>
+                </a:solidFill>
+                <a:effectLst>
+                  <a:outerShdw blurRad="38100" dist="25400" dir="5400000" algn="ctr" rotWithShape="0">
+                    <a:srgbClr val="6E747A">
+                      <a:alpha val="43000"/>
+                    </a:srgbClr>
+                  </a:outerShdw>
+                </a:effectLst>
+              </a:rPr>
+              <a:t>Modifiquemos de </a:t>
+            </a:r>
+            <a:r>
+              <a:rPr lang="es-AR" dirty="0">
+                <a:solidFill>
+                  <a:schemeClr val="bg1"/>
+                </a:solidFill>
+              </a:rPr>
+              <a:t>Prioridades </a:t>
+            </a:r>
+            <a:r>
+              <a:rPr lang="es-AR" dirty="0" err="1">
+                <a:solidFill>
+                  <a:schemeClr val="bg1"/>
+                </a:solidFill>
+              </a:rPr>
+              <a:t>Apropiativos</a:t>
+            </a:r>
+            <a:r>
+              <a:rPr lang="es-AR" dirty="0">
+                <a:solidFill>
+                  <a:schemeClr val="bg1"/>
+                </a:solidFill>
+              </a:rPr>
+              <a:t> </a:t>
+            </a:r>
+            <a:r>
+              <a:rPr lang="es-AR" dirty="0" smtClean="0">
+                <a:solidFill>
+                  <a:schemeClr val="bg1"/>
+                </a:solidFill>
+              </a:rPr>
+              <a:t>a sin orden y con un parámetro a </a:t>
+            </a:r>
+            <a:r>
+              <a:rPr lang="es-AR" dirty="0" err="1" smtClean="0">
+                <a:solidFill>
+                  <a:schemeClr val="bg1"/>
+                </a:solidFill>
+              </a:rPr>
+              <a:t>timeOut</a:t>
+            </a:r>
+            <a:endParaRPr lang="en-US" dirty="0">
+              <a:ln w="0"/>
+              <a:solidFill>
+                <a:schemeClr val="bg1"/>
+              </a:solidFill>
+              <a:effectLst>
+                <a:outerShdw blurRad="38100" dist="25400" dir="5400000" algn="ctr" rotWithShape="0">
+                  <a:srgbClr val="6E747A">
+                    <a:alpha val="43000"/>
+                  </a:srgbClr>
+                </a:outerShdw>
+              </a:effectLst>
+            </a:endParaRPr>
+          </a:p>
+        </p:txBody>
+      </p:sp>
+      <p:sp>
+        <p:nvSpPr>
+          <p:cNvPr id="25" name="Rectángulo 24"/>
+          <p:cNvSpPr/>
+          <p:nvPr/>
+        </p:nvSpPr>
+        <p:spPr>
+          <a:xfrm>
+            <a:off x="4137660" y="2453640"/>
+            <a:ext cx="1401213" cy="322586"/>
+          </a:xfrm>
+          <a:prstGeom prst="rect">
+            <a:avLst/>
+          </a:prstGeom>
+          <a:ln w="28575">
+            <a:solidFill>
+              <a:schemeClr val="tx2"/>
+            </a:solidFill>
+          </a:ln>
+          <a:effectLst>
+            <a:outerShdw blurRad="63500" sx="102000" sy="102000" algn="ctr" rotWithShape="0">
+              <a:prstClr val="black">
+                <a:alpha val="40000"/>
+              </a:prstClr>
+            </a:outerShdw>
+          </a:effectLst>
+        </p:spPr>
+        <p:txBody>
+          <a:bodyPr wrap="square" rtlCol="0" anchor="ctr">
+            <a:spAutoFit/>
+          </a:bodyPr>
+          <a:lstStyle/>
+          <a:p>
+            <a:pPr algn="ctr"/>
+            <a:endParaRPr lang="en-US" b="1" dirty="0" err="1" smtClean="0"/>
+          </a:p>
+        </p:txBody>
+      </p:sp>
+      <p:sp>
+        <p:nvSpPr>
+          <p:cNvPr id="26" name="Rectángulo 25"/>
+          <p:cNvSpPr/>
+          <p:nvPr/>
+        </p:nvSpPr>
+        <p:spPr>
+          <a:xfrm>
+            <a:off x="2148840" y="1674148"/>
+            <a:ext cx="1401213" cy="322586"/>
+          </a:xfrm>
+          <a:prstGeom prst="rect">
+            <a:avLst/>
+          </a:prstGeom>
+          <a:ln w="28575">
+            <a:solidFill>
+              <a:schemeClr val="tx2"/>
+            </a:solidFill>
+          </a:ln>
+          <a:effectLst>
+            <a:outerShdw blurRad="63500" sx="102000" sy="102000" algn="ctr" rotWithShape="0">
+              <a:prstClr val="black">
+                <a:alpha val="40000"/>
+              </a:prstClr>
+            </a:outerShdw>
+          </a:effectLst>
+        </p:spPr>
+        <p:txBody>
+          <a:bodyPr wrap="square" rtlCol="0" anchor="ctr">
+            <a:spAutoFit/>
+          </a:bodyPr>
+          <a:lstStyle/>
+          <a:p>
+            <a:pPr algn="ctr"/>
+            <a:endParaRPr lang="en-US" b="1" dirty="0" err="1" smtClean="0"/>
+          </a:p>
+        </p:txBody>
+      </p:sp>
+      <p:sp>
+        <p:nvSpPr>
+          <p:cNvPr id="27" name="Rectángulo 26"/>
+          <p:cNvSpPr/>
+          <p:nvPr/>
+        </p:nvSpPr>
+        <p:spPr>
+          <a:xfrm>
+            <a:off x="2325774" y="4945568"/>
+            <a:ext cx="1401213" cy="322586"/>
+          </a:xfrm>
+          <a:prstGeom prst="rect">
+            <a:avLst/>
+          </a:prstGeom>
+          <a:ln w="28575">
+            <a:solidFill>
+              <a:schemeClr val="tx2"/>
+            </a:solidFill>
+          </a:ln>
+          <a:effectLst>
+            <a:outerShdw blurRad="63500" sx="102000" sy="102000" algn="ctr" rotWithShape="0">
+              <a:prstClr val="black">
+                <a:alpha val="40000"/>
+              </a:prstClr>
+            </a:outerShdw>
+          </a:effectLst>
+        </p:spPr>
+        <p:txBody>
+          <a:bodyPr wrap="square" rtlCol="0" anchor="ctr">
+            <a:spAutoFit/>
+          </a:bodyPr>
+          <a:lstStyle/>
+          <a:p>
+            <a:pPr algn="ctr"/>
+            <a:endParaRPr lang="en-US" b="1" dirty="0" err="1" smtClean="0"/>
+          </a:p>
+        </p:txBody>
+      </p:sp>
+      <p:sp>
+        <p:nvSpPr>
+          <p:cNvPr id="12" name="Rectángulo 11"/>
+          <p:cNvSpPr/>
+          <p:nvPr/>
+        </p:nvSpPr>
+        <p:spPr>
+          <a:xfrm>
+            <a:off x="8750032" y="0"/>
+            <a:ext cx="3441968" cy="369332"/>
+          </a:xfrm>
+          <a:prstGeom prst="rect">
+            <a:avLst/>
+          </a:prstGeom>
+        </p:spPr>
+        <p:txBody>
+          <a:bodyPr wrap="none">
+            <a:spAutoFit/>
+          </a:bodyPr>
+          <a:lstStyle/>
+          <a:p>
+            <a:r>
+              <a:rPr lang="en-US" b="1" dirty="0" smtClean="0"/>
+              <a:t>PLANIFICADOR DE </a:t>
+            </a:r>
+            <a:r>
+              <a:rPr lang="es-AR" b="1" dirty="0" smtClean="0"/>
+              <a:t>PROCESOS</a:t>
+            </a:r>
+            <a:endParaRPr lang="en-US" dirty="0"/>
+          </a:p>
+        </p:txBody>
+      </p:sp>
+    </p:spTree>
+    <p:extLst>
+      <p:ext uri="{BB962C8B-B14F-4D97-AF65-F5344CB8AC3E}">
+        <p14:creationId xmlns:p14="http://schemas.microsoft.com/office/powerpoint/2010/main" val="1436070579"/>
       </p:ext>
     </p:extLst>
   </p:cSld>
@@ -8678,7 +10607,7 @@
                                           </p:stCondLst>
                                         </p:cTn>
                                         <p:tgtEl>
-                                          <p:spTgt spid="13"/>
+                                          <p:spTgt spid="19"/>
                                         </p:tgtEl>
                                         <p:attrNameLst>
                                           <p:attrName>style.visibility</p:attrName>
@@ -8690,9 +10619,9 @@
                                     </p:set>
                                     <p:animEffect transition="in" filter="fade">
                                       <p:cBhvr>
-                                        <p:cTn id="7" dur="500"/>
+                                        <p:cTn id="7" dur="800"/>
                                         <p:tgtEl>
-                                          <p:spTgt spid="13"/>
+                                          <p:spTgt spid="19"/>
                                         </p:tgtEl>
                                       </p:cBhvr>
                                     </p:animEffect>
@@ -8702,7 +10631,7 @@
                               <p:par>
                                 <p:cTn id="8" presetID="10" presetClass="entr" presetSubtype="0" fill="hold" grpId="0" nodeType="withEffect">
                                   <p:stCondLst>
-                                    <p:cond delay="0"/>
+                                    <p:cond delay="100"/>
                                   </p:stCondLst>
                                   <p:childTnLst>
                                     <p:set>
@@ -8713,7 +10642,7 @@
                                           </p:stCondLst>
                                         </p:cTn>
                                         <p:tgtEl>
-                                          <p:spTgt spid="12"/>
+                                          <p:spTgt spid="26"/>
                                         </p:tgtEl>
                                         <p:attrNameLst>
                                           <p:attrName>style.visibility</p:attrName>
@@ -8725,12 +10654,233 @@
                                     </p:set>
                                     <p:animEffect transition="in" filter="fade">
                                       <p:cBhvr>
-                                        <p:cTn id="10" dur="500"/>
+                                        <p:cTn id="10" dur="600"/>
                                         <p:tgtEl>
-                                          <p:spTgt spid="12"/>
+                                          <p:spTgt spid="26"/>
                                         </p:tgtEl>
                                       </p:cBhvr>
                                     </p:animEffect>
+                                  </p:childTnLst>
+                                </p:cTn>
+                              </p:par>
+                              <p:par>
+                                <p:cTn id="11" presetID="10" presetClass="entr" presetSubtype="0" fill="hold" grpId="0" nodeType="withEffect">
+                                  <p:stCondLst>
+                                    <p:cond delay="200"/>
+                                  </p:stCondLst>
+                                  <p:childTnLst>
+                                    <p:set>
+                                      <p:cBhvr>
+                                        <p:cTn id="12" dur="1" fill="hold">
+                                          <p:stCondLst>
+                                            <p:cond delay="0"/>
+                                          </p:stCondLst>
+                                        </p:cTn>
+                                        <p:tgtEl>
+                                          <p:spTgt spid="25"/>
+                                        </p:tgtEl>
+                                        <p:attrNameLst>
+                                          <p:attrName>style.visibility</p:attrName>
+                                        </p:attrNameLst>
+                                      </p:cBhvr>
+                                      <p:to>
+                                        <p:strVal val="visible"/>
+                                      </p:to>
+                                    </p:set>
+                                    <p:animEffect transition="in" filter="fade">
+                                      <p:cBhvr>
+                                        <p:cTn id="13" dur="600"/>
+                                        <p:tgtEl>
+                                          <p:spTgt spid="25"/>
+                                        </p:tgtEl>
+                                      </p:cBhvr>
+                                    </p:animEffect>
+                                  </p:childTnLst>
+                                </p:cTn>
+                              </p:par>
+                              <p:par>
+                                <p:cTn id="14" presetID="10" presetClass="entr" presetSubtype="0" fill="hold" grpId="0" nodeType="withEffect">
+                                  <p:stCondLst>
+                                    <p:cond delay="200"/>
+                                  </p:stCondLst>
+                                  <p:childTnLst>
+                                    <p:set>
+                                      <p:cBhvr>
+                                        <p:cTn id="15" dur="1" fill="hold">
+                                          <p:stCondLst>
+                                            <p:cond delay="0"/>
+                                          </p:stCondLst>
+                                        </p:cTn>
+                                        <p:tgtEl>
+                                          <p:spTgt spid="22"/>
+                                        </p:tgtEl>
+                                        <p:attrNameLst>
+                                          <p:attrName>style.visibility</p:attrName>
+                                        </p:attrNameLst>
+                                      </p:cBhvr>
+                                      <p:to>
+                                        <p:strVal val="visible"/>
+                                      </p:to>
+                                    </p:set>
+                                    <p:animEffect transition="in" filter="fade">
+                                      <p:cBhvr>
+                                        <p:cTn id="16" dur="900"/>
+                                        <p:tgtEl>
+                                          <p:spTgt spid="22"/>
+                                        </p:tgtEl>
+                                      </p:cBhvr>
+                                    </p:animEffect>
+                                  </p:childTnLst>
+                                </p:cTn>
+                              </p:par>
+                              <p:par>
+                                <p:cTn id="17" presetID="10" presetClass="entr" presetSubtype="0" fill="hold" grpId="0" nodeType="withEffect">
+                                  <p:stCondLst>
+                                    <p:cond delay="600"/>
+                                  </p:stCondLst>
+                                  <p:childTnLst>
+                                    <p:set>
+                                      <p:cBhvr>
+                                        <p:cTn id="18" dur="1" fill="hold">
+                                          <p:stCondLst>
+                                            <p:cond delay="0"/>
+                                          </p:stCondLst>
+                                        </p:cTn>
+                                        <p:tgtEl>
+                                          <p:spTgt spid="27"/>
+                                        </p:tgtEl>
+                                        <p:attrNameLst>
+                                          <p:attrName>style.visibility</p:attrName>
+                                        </p:attrNameLst>
+                                      </p:cBhvr>
+                                      <p:to>
+                                        <p:strVal val="visible"/>
+                                      </p:to>
+                                    </p:set>
+                                    <p:animEffect transition="in" filter="fade">
+                                      <p:cBhvr>
+                                        <p:cTn id="19" dur="600"/>
+                                        <p:tgtEl>
+                                          <p:spTgt spid="27"/>
+                                        </p:tgtEl>
+                                      </p:cBhvr>
+                                    </p:animEffect>
+                                  </p:childTnLst>
+                                </p:cTn>
+                              </p:par>
+                              <p:par>
+                                <p:cTn id="20" presetID="42" presetClass="entr" presetSubtype="0" fill="hold" grpId="0" nodeType="withEffect">
+                                  <p:stCondLst>
+                                    <p:cond delay="1000"/>
+                                  </p:stCondLst>
+                                  <p:childTnLst>
+                                    <p:set>
+                                      <p:cBhvr>
+                                        <p:cTn id="21" dur="1" fill="hold">
+                                          <p:stCondLst>
+                                            <p:cond delay="0"/>
+                                          </p:stCondLst>
+                                        </p:cTn>
+                                        <p:tgtEl>
+                                          <p:spTgt spid="23"/>
+                                        </p:tgtEl>
+                                        <p:attrNameLst>
+                                          <p:attrName>style.visibility</p:attrName>
+                                        </p:attrNameLst>
+                                      </p:cBhvr>
+                                      <p:to>
+                                        <p:strVal val="visible"/>
+                                      </p:to>
+                                    </p:set>
+                                    <p:animEffect transition="in" filter="fade">
+                                      <p:cBhvr>
+                                        <p:cTn id="22" dur="1000"/>
+                                        <p:tgtEl>
+                                          <p:spTgt spid="23"/>
+                                        </p:tgtEl>
+                                      </p:cBhvr>
+                                    </p:animEffect>
+                                    <p:anim calcmode="lin" valueType="num">
+                                      <p:cBhvr>
+                                        <p:cTn id="23" dur="1000" fill="hold"/>
+                                        <p:tgtEl>
+                                          <p:spTgt spid="23"/>
+                                        </p:tgtEl>
+                                        <p:attrNameLst>
+                                          <p:attrName>ppt_x</p:attrName>
+                                        </p:attrNameLst>
+                                      </p:cBhvr>
+                                      <p:tavLst>
+                                        <p:tav tm="0">
+                                          <p:val>
+                                            <p:strVal val="#ppt_x"/>
+                                          </p:val>
+                                        </p:tav>
+                                        <p:tav tm="100000">
+                                          <p:val>
+                                            <p:strVal val="#ppt_x"/>
+                                          </p:val>
+                                        </p:tav>
+                                      </p:tavLst>
+                                    </p:anim>
+                                    <p:anim calcmode="lin" valueType="num">
+                                      <p:cBhvr>
+                                        <p:cTn id="24" dur="1000" fill="hold"/>
+                                        <p:tgtEl>
+                                          <p:spTgt spid="23"/>
+                                        </p:tgtEl>
+                                        <p:attrNameLst>
+                                          <p:attrName>ppt_y</p:attrName>
+                                        </p:attrNameLst>
+                                      </p:cBhvr>
+                                      <p:tavLst>
+                                        <p:tav tm="0">
+                                          <p:val>
+                                            <p:strVal val="#ppt_y+.1"/>
+                                          </p:val>
+                                        </p:tav>
+                                        <p:tav tm="100000">
+                                          <p:val>
+                                            <p:strVal val="#ppt_y"/>
+                                          </p:val>
+                                        </p:tav>
+                                      </p:tavLst>
+                                    </p:anim>
+                                  </p:childTnLst>
+                                </p:cTn>
+                              </p:par>
+                              <p:par>
+                                <p:cTn id="25" presetID="10" presetClass="exit" presetSubtype="0" fill="hold" grpId="0" nodeType="withEffect">
+                                  <p:stCondLst>
+                                    <p:cond delay="0"/>
+                                  </p:stCondLst>
+                                  <p:childTnLst>
+                                    <p:animEffect transition="out" filter="fade">
+                                      <p:cBhvr>
+                                        <p:cTn id="26" dur="500"/>
+                                        <p:tgtEl>
+                                          <p:spTgt spid="13"/>
+                                        </p:tgtEl>
+                                      </p:cBhvr>
+                                    </p:animEffect>
+                                    <p:set>
+                                      <p:cBhvr>
+                                        <p:cTn id="27" dur="1" fill="hold">
+                                          <p:stCondLst>
+                                            <p:cond delay="499"/>
+                                          </p:stCondLst>
+                                        </p:cTn>
+                                        <p:tgtEl>
+                                          <p:spTgt spid="13"/>
+                                        </p:tgtEl>
+                                        <p:attrNameLst>
+                                          <p:attrName>style.visibility</p:attrName>
+                                        </p:attrNameLst>
+                                      </p:cBhvr>
+                                      <p:to>
+                                        <p:strVal val="hidden"/>
+                                      </p:to>
+                                    </p:set>
                                   </p:childTnLst>
                                 </p:cTn>
                               </p:par>
@@ -8762,14 +10912,19 @@
       </p:par>
     </p:tnLst>
     <p:bldLst>
-      <p:bldP spid="12" grpId="0"/>
       <p:bldP spid="13" grpId="0"/>
+      <p:bldP spid="19" grpId="0" animBg="1"/>
+      <p:bldP spid="22" grpId="0" animBg="1"/>
+      <p:bldP spid="23" grpId="0"/>
+      <p:bldP spid="25" grpId="0" animBg="1"/>
+      <p:bldP spid="26" grpId="0" animBg="1"/>
+      <p:bldP spid="27" grpId="0" animBg="1"/>
     </p:bldLst>
   </p:timing>
 </p:sld>
 </file>
 
-<file path=ppt/slides/slide13.xml><?xml version="1.0" encoding="utf-8"?>
+<file path=ppt/slides/slide16.xml><?xml version="1.0" encoding="utf-8"?>
 <p:sld xmlns:a="http://schemas.openxmlformats.org/drawingml/2006/main" xmlns:r="http://schemas.openxmlformats.org/officeDocument/2006/relationships" xmlns:p="http://schemas.openxmlformats.org/presentationml/2006/main">
   <p:cSld>
     <p:spTree>
@@ -8788,1022 +10943,6 @@
       </p:grpSpPr>
       <p:sp>
         <p:nvSpPr>
-          <p:cNvPr id="5" name="Rectángulo 4"/>
-          <p:cNvSpPr/>
-          <p:nvPr/>
-        </p:nvSpPr>
-        <p:spPr>
-          <a:xfrm>
-            <a:off x="8507518" y="43142"/>
-            <a:ext cx="3589444" cy="369332"/>
-          </a:xfrm>
-          <a:prstGeom prst="rect">
-            <a:avLst/>
-          </a:prstGeom>
-        </p:spPr>
-        <p:txBody>
-          <a:bodyPr wrap="none">
-            <a:spAutoFit/>
-          </a:bodyPr>
-          <a:lstStyle/>
-          <a:p>
-            <a:r>
-              <a:rPr lang="en-US" b="1" dirty="0" err="1"/>
-              <a:t>Planificador</a:t>
-            </a:r>
-            <a:r>
-              <a:rPr lang="en-US" b="1" dirty="0"/>
-              <a:t> De </a:t>
-            </a:r>
-            <a:r>
-              <a:rPr lang="en-US" b="1" dirty="0" err="1"/>
-              <a:t>Corto</a:t>
-            </a:r>
-            <a:r>
-              <a:rPr lang="en-US" b="1" dirty="0"/>
-              <a:t> </a:t>
-            </a:r>
-            <a:r>
-              <a:rPr lang="en-US" b="1" dirty="0" err="1"/>
-              <a:t>Alcance</a:t>
-            </a:r>
-            <a:endParaRPr lang="en-US" dirty="0"/>
-          </a:p>
-        </p:txBody>
-      </p:sp>
-      <p:sp>
-        <p:nvSpPr>
-          <p:cNvPr id="6" name="CuadroTexto 5"/>
-          <p:cNvSpPr txBox="1"/>
-          <p:nvPr/>
-        </p:nvSpPr>
-        <p:spPr>
-          <a:xfrm>
-            <a:off x="5992918" y="1359876"/>
-            <a:ext cx="5029200" cy="369332"/>
-          </a:xfrm>
-          <a:prstGeom prst="rect">
-            <a:avLst/>
-          </a:prstGeom>
-          <a:noFill/>
-        </p:spPr>
-        <p:txBody>
-          <a:bodyPr wrap="square" rtlCol="0">
-            <a:spAutoFit/>
-          </a:bodyPr>
-          <a:lstStyle/>
-          <a:p>
-            <a:r>
-              <a:rPr lang="es-AR" dirty="0" smtClean="0">
-                <a:ln w="0"/>
-                <a:solidFill>
-                  <a:schemeClr val="accent1"/>
-                </a:solidFill>
-                <a:effectLst>
-                  <a:outerShdw blurRad="38100" dist="25400" dir="5400000" algn="ctr" rotWithShape="0">
-                    <a:srgbClr val="6E747A">
-                      <a:alpha val="43000"/>
-                    </a:srgbClr>
-                  </a:outerShdw>
-                </a:effectLst>
-              </a:rPr>
-              <a:t>El núcleo del planificador FIFO </a:t>
-            </a:r>
-            <a:endParaRPr lang="en-US" dirty="0">
-              <a:ln w="0"/>
-              <a:solidFill>
-                <a:schemeClr val="accent1"/>
-              </a:solidFill>
-              <a:effectLst>
-                <a:outerShdw blurRad="38100" dist="25400" dir="5400000" algn="ctr" rotWithShape="0">
-                  <a:srgbClr val="6E747A">
-                    <a:alpha val="43000"/>
-                  </a:srgbClr>
-                </a:outerShdw>
-              </a:effectLst>
-            </a:endParaRPr>
-          </a:p>
-        </p:txBody>
-      </p:sp>
-      <p:sp>
-        <p:nvSpPr>
-          <p:cNvPr id="7" name="CuadroTexto 6"/>
-          <p:cNvSpPr txBox="1"/>
-          <p:nvPr/>
-        </p:nvSpPr>
-        <p:spPr>
-          <a:xfrm>
-            <a:off x="5992918" y="1949780"/>
-            <a:ext cx="5029200" cy="646331"/>
-          </a:xfrm>
-          <a:prstGeom prst="rect">
-            <a:avLst/>
-          </a:prstGeom>
-          <a:noFill/>
-        </p:spPr>
-        <p:txBody>
-          <a:bodyPr wrap="square" rtlCol="0">
-            <a:spAutoFit/>
-          </a:bodyPr>
-          <a:lstStyle/>
-          <a:p>
-            <a:r>
-              <a:rPr lang="es-AR" dirty="0" smtClean="0">
-                <a:ln w="0"/>
-                <a:solidFill>
-                  <a:schemeClr val="accent1"/>
-                </a:solidFill>
-                <a:effectLst>
-                  <a:outerShdw blurRad="38100" dist="25400" dir="5400000" algn="ctr" rotWithShape="0">
-                    <a:srgbClr val="6E747A">
-                      <a:alpha val="43000"/>
-                    </a:srgbClr>
-                  </a:outerShdw>
-                </a:effectLst>
-              </a:rPr>
-              <a:t>Se puede ver el uso de métodos para resolver el algoritmo</a:t>
-            </a:r>
-            <a:endParaRPr lang="en-US" dirty="0">
-              <a:ln w="0"/>
-              <a:solidFill>
-                <a:schemeClr val="accent1"/>
-              </a:solidFill>
-              <a:effectLst>
-                <a:outerShdw blurRad="38100" dist="25400" dir="5400000" algn="ctr" rotWithShape="0">
-                  <a:srgbClr val="6E747A">
-                    <a:alpha val="43000"/>
-                  </a:srgbClr>
-                </a:outerShdw>
-              </a:effectLst>
-            </a:endParaRPr>
-          </a:p>
-        </p:txBody>
-      </p:sp>
-      <p:sp>
-        <p:nvSpPr>
-          <p:cNvPr id="8" name="CuadroTexto 7"/>
-          <p:cNvSpPr txBox="1"/>
-          <p:nvPr/>
-        </p:nvSpPr>
-        <p:spPr>
-          <a:xfrm>
-            <a:off x="5992918" y="2897298"/>
-            <a:ext cx="5029200" cy="369332"/>
-          </a:xfrm>
-          <a:prstGeom prst="rect">
-            <a:avLst/>
-          </a:prstGeom>
-          <a:noFill/>
-        </p:spPr>
-        <p:txBody>
-          <a:bodyPr wrap="square" rtlCol="0">
-            <a:spAutoFit/>
-          </a:bodyPr>
-          <a:lstStyle/>
-          <a:p>
-            <a:r>
-              <a:rPr lang="es-AR" dirty="0" smtClean="0">
-                <a:ln w="0"/>
-                <a:solidFill>
-                  <a:schemeClr val="accent1"/>
-                </a:solidFill>
-                <a:effectLst>
-                  <a:outerShdw blurRad="38100" dist="25400" dir="5400000" algn="ctr" rotWithShape="0">
-                    <a:srgbClr val="6E747A">
-                      <a:alpha val="43000"/>
-                    </a:srgbClr>
-                  </a:outerShdw>
-                </a:effectLst>
-              </a:rPr>
-              <a:t>Los comentarios indican que hace</a:t>
-            </a:r>
-            <a:endParaRPr lang="en-US" dirty="0">
-              <a:ln w="0"/>
-              <a:solidFill>
-                <a:schemeClr val="accent1"/>
-              </a:solidFill>
-              <a:effectLst>
-                <a:outerShdw blurRad="38100" dist="25400" dir="5400000" algn="ctr" rotWithShape="0">
-                  <a:srgbClr val="6E747A">
-                    <a:alpha val="43000"/>
-                  </a:srgbClr>
-                </a:outerShdw>
-              </a:effectLst>
-            </a:endParaRPr>
-          </a:p>
-        </p:txBody>
-      </p:sp>
-      <p:sp>
-        <p:nvSpPr>
-          <p:cNvPr id="9" name="CuadroTexto 8"/>
-          <p:cNvSpPr txBox="1"/>
-          <p:nvPr/>
-        </p:nvSpPr>
-        <p:spPr>
-          <a:xfrm>
-            <a:off x="5992918" y="3487202"/>
-            <a:ext cx="5029200" cy="646331"/>
-          </a:xfrm>
-          <a:prstGeom prst="rect">
-            <a:avLst/>
-          </a:prstGeom>
-          <a:noFill/>
-        </p:spPr>
-        <p:txBody>
-          <a:bodyPr wrap="square" rtlCol="0">
-            <a:spAutoFit/>
-          </a:bodyPr>
-          <a:lstStyle/>
-          <a:p>
-            <a:r>
-              <a:rPr lang="es-AR" dirty="0" smtClean="0">
-                <a:ln w="0"/>
-                <a:solidFill>
-                  <a:schemeClr val="accent1"/>
-                </a:solidFill>
-                <a:effectLst>
-                  <a:outerShdw blurRad="38100" dist="25400" dir="5400000" algn="ctr" rotWithShape="0">
-                    <a:srgbClr val="6E747A">
-                      <a:alpha val="43000"/>
-                    </a:srgbClr>
-                  </a:outerShdw>
-                </a:effectLst>
-              </a:rPr>
-              <a:t>Agregando un método como indica el comentario Ordena se logra lo siguiente</a:t>
-            </a:r>
-            <a:endParaRPr lang="en-US" dirty="0">
-              <a:ln w="0"/>
-              <a:solidFill>
-                <a:schemeClr val="accent1"/>
-              </a:solidFill>
-              <a:effectLst>
-                <a:outerShdw blurRad="38100" dist="25400" dir="5400000" algn="ctr" rotWithShape="0">
-                  <a:srgbClr val="6E747A">
-                    <a:alpha val="43000"/>
-                  </a:srgbClr>
-                </a:outerShdw>
-              </a:effectLst>
-            </a:endParaRPr>
-          </a:p>
-        </p:txBody>
-      </p:sp>
-      <p:sp>
-        <p:nvSpPr>
-          <p:cNvPr id="10" name="CuadroTexto 9"/>
-          <p:cNvSpPr txBox="1"/>
-          <p:nvPr/>
-        </p:nvSpPr>
-        <p:spPr>
-          <a:xfrm>
-            <a:off x="5992918" y="4921185"/>
-            <a:ext cx="5029200" cy="646331"/>
-          </a:xfrm>
-          <a:prstGeom prst="rect">
-            <a:avLst/>
-          </a:prstGeom>
-          <a:noFill/>
-        </p:spPr>
-        <p:txBody>
-          <a:bodyPr wrap="square" rtlCol="0">
-            <a:spAutoFit/>
-          </a:bodyPr>
-          <a:lstStyle/>
-          <a:p>
-            <a:r>
-              <a:rPr lang="es-AR" dirty="0" smtClean="0">
-                <a:ln w="0"/>
-                <a:solidFill>
-                  <a:schemeClr val="accent1"/>
-                </a:solidFill>
-                <a:effectLst>
-                  <a:outerShdw blurRad="38100" dist="25400" dir="5400000" algn="ctr" rotWithShape="0">
-                    <a:srgbClr val="6E747A">
-                      <a:alpha val="43000"/>
-                    </a:srgbClr>
-                  </a:outerShdw>
-                </a:effectLst>
-              </a:rPr>
-              <a:t>Se obtiene el algoritmo Prioridades no </a:t>
-            </a:r>
-            <a:r>
-              <a:rPr lang="es-AR" dirty="0" err="1" smtClean="0">
-                <a:ln w="0"/>
-                <a:solidFill>
-                  <a:schemeClr val="accent1"/>
-                </a:solidFill>
-                <a:effectLst>
-                  <a:outerShdw blurRad="38100" dist="25400" dir="5400000" algn="ctr" rotWithShape="0">
-                    <a:srgbClr val="6E747A">
-                      <a:alpha val="43000"/>
-                    </a:srgbClr>
-                  </a:outerShdw>
-                </a:effectLst>
-              </a:rPr>
-              <a:t>apropiativos</a:t>
-            </a:r>
-            <a:endParaRPr lang="en-US" dirty="0">
-              <a:ln w="0"/>
-              <a:solidFill>
-                <a:schemeClr val="accent1"/>
-              </a:solidFill>
-              <a:effectLst>
-                <a:outerShdw blurRad="38100" dist="25400" dir="5400000" algn="ctr" rotWithShape="0">
-                  <a:srgbClr val="6E747A">
-                    <a:alpha val="43000"/>
-                  </a:srgbClr>
-                </a:outerShdw>
-              </a:effectLst>
-            </a:endParaRPr>
-          </a:p>
-        </p:txBody>
-      </p:sp>
-      <p:pic>
-        <p:nvPicPr>
-          <p:cNvPr id="2" name="Imagen 1"/>
-          <p:cNvPicPr>
-            <a:picLocks noChangeAspect="1"/>
-          </p:cNvPicPr>
-          <p:nvPr/>
-        </p:nvPicPr>
-        <p:blipFill>
-          <a:blip r:embed="rId2">
-            <a:extLst>
-              <a:ext uri="{28A0092B-C50C-407E-A947-70E740481C1C}">
-                <a14:useLocalDpi xmlns:a14="http://schemas.microsoft.com/office/drawing/2010/main" val="0"/>
-              </a:ext>
-            </a:extLst>
-          </a:blip>
-          <a:stretch>
-            <a:fillRect/>
-          </a:stretch>
-        </p:blipFill>
-        <p:spPr>
-          <a:xfrm>
-            <a:off x="807469" y="638175"/>
-            <a:ext cx="10577062" cy="5581650"/>
-          </a:xfrm>
-          <a:prstGeom prst="rect">
-            <a:avLst/>
-          </a:prstGeom>
-        </p:spPr>
-      </p:pic>
-      <p:sp>
-        <p:nvSpPr>
-          <p:cNvPr id="12" name="CuadroTexto 11"/>
-          <p:cNvSpPr txBox="1"/>
-          <p:nvPr/>
-        </p:nvSpPr>
-        <p:spPr>
-          <a:xfrm>
-            <a:off x="6145318" y="2213247"/>
-            <a:ext cx="5029200" cy="646331"/>
-          </a:xfrm>
-          <a:prstGeom prst="rect">
-            <a:avLst/>
-          </a:prstGeom>
-          <a:noFill/>
-        </p:spPr>
-        <p:txBody>
-          <a:bodyPr wrap="square" rtlCol="0">
-            <a:spAutoFit/>
-          </a:bodyPr>
-          <a:lstStyle/>
-          <a:p>
-            <a:r>
-              <a:rPr lang="es-AR" dirty="0" smtClean="0">
-                <a:ln w="0"/>
-                <a:solidFill>
-                  <a:schemeClr val="bg1"/>
-                </a:solidFill>
-                <a:effectLst>
-                  <a:outerShdw blurRad="38100" dist="25400" dir="5400000" algn="ctr" rotWithShape="0">
-                    <a:srgbClr val="6E747A">
-                      <a:alpha val="43000"/>
-                    </a:srgbClr>
-                  </a:outerShdw>
-                </a:effectLst>
-              </a:rPr>
-              <a:t>Modifiquemos de no </a:t>
-            </a:r>
-            <a:r>
-              <a:rPr lang="en-US" dirty="0" err="1" smtClean="0">
-                <a:solidFill>
-                  <a:schemeClr val="bg1"/>
-                </a:solidFill>
-              </a:rPr>
-              <a:t>Apropiativos</a:t>
-            </a:r>
-            <a:r>
-              <a:rPr lang="en-US" dirty="0" smtClean="0">
-                <a:solidFill>
-                  <a:schemeClr val="bg1"/>
-                </a:solidFill>
-              </a:rPr>
-              <a:t> </a:t>
-            </a:r>
-            <a:r>
-              <a:rPr lang="es-AR" dirty="0" smtClean="0">
-                <a:ln w="0"/>
-                <a:solidFill>
-                  <a:schemeClr val="bg1"/>
-                </a:solidFill>
-                <a:effectLst>
-                  <a:outerShdw blurRad="38100" dist="25400" dir="5400000" algn="ctr" rotWithShape="0">
-                    <a:srgbClr val="6E747A">
-                      <a:alpha val="43000"/>
-                    </a:srgbClr>
-                  </a:outerShdw>
-                </a:effectLst>
-              </a:rPr>
-              <a:t>a </a:t>
-            </a:r>
-            <a:r>
-              <a:rPr lang="en-US" dirty="0" err="1" smtClean="0">
-                <a:solidFill>
-                  <a:schemeClr val="bg1"/>
-                </a:solidFill>
-              </a:rPr>
-              <a:t>Apropiativos</a:t>
-            </a:r>
-            <a:r>
-              <a:rPr lang="es-AR" dirty="0" smtClean="0">
-                <a:ln w="0"/>
-                <a:solidFill>
-                  <a:schemeClr val="bg1"/>
-                </a:solidFill>
-                <a:effectLst>
-                  <a:outerShdw blurRad="38100" dist="25400" dir="5400000" algn="ctr" rotWithShape="0">
-                    <a:srgbClr val="6E747A">
-                      <a:alpha val="43000"/>
-                    </a:srgbClr>
-                  </a:outerShdw>
-                </a:effectLst>
-              </a:rPr>
-              <a:t> </a:t>
-            </a:r>
-            <a:endParaRPr lang="en-US" dirty="0">
-              <a:ln w="0"/>
-              <a:solidFill>
-                <a:schemeClr val="bg1"/>
-              </a:solidFill>
-              <a:effectLst>
-                <a:outerShdw blurRad="38100" dist="25400" dir="5400000" algn="ctr" rotWithShape="0">
-                  <a:srgbClr val="6E747A">
-                    <a:alpha val="43000"/>
-                  </a:srgbClr>
-                </a:outerShdw>
-              </a:effectLst>
-            </a:endParaRPr>
-          </a:p>
-        </p:txBody>
-      </p:sp>
-      <p:sp>
-        <p:nvSpPr>
-          <p:cNvPr id="13" name="CuadroTexto 12"/>
-          <p:cNvSpPr txBox="1"/>
-          <p:nvPr/>
-        </p:nvSpPr>
-        <p:spPr>
-          <a:xfrm>
-            <a:off x="6145318" y="1512276"/>
-            <a:ext cx="5029200" cy="369332"/>
-          </a:xfrm>
-          <a:prstGeom prst="rect">
-            <a:avLst/>
-          </a:prstGeom>
-          <a:noFill/>
-        </p:spPr>
-        <p:txBody>
-          <a:bodyPr wrap="square" rtlCol="0">
-            <a:spAutoFit/>
-          </a:bodyPr>
-          <a:lstStyle/>
-          <a:p>
-            <a:r>
-              <a:rPr lang="es-AR" dirty="0" smtClean="0">
-                <a:solidFill>
-                  <a:schemeClr val="bg1"/>
-                </a:solidFill>
-              </a:rPr>
-              <a:t>El núcleo del planificador Prioridades  </a:t>
-            </a:r>
-            <a:endParaRPr lang="en-US" dirty="0">
-              <a:solidFill>
-                <a:schemeClr val="bg1"/>
-              </a:solidFill>
-            </a:endParaRPr>
-          </a:p>
-        </p:txBody>
-      </p:sp>
-      <p:sp>
-        <p:nvSpPr>
-          <p:cNvPr id="14" name="Rectángulo 13"/>
-          <p:cNvSpPr/>
-          <p:nvPr/>
-        </p:nvSpPr>
-        <p:spPr>
-          <a:xfrm>
-            <a:off x="2084666" y="2536412"/>
-            <a:ext cx="3545839" cy="247016"/>
-          </a:xfrm>
-          <a:prstGeom prst="rect">
-            <a:avLst/>
-          </a:prstGeom>
-          <a:ln w="28575">
-            <a:solidFill>
-              <a:schemeClr val="tx2"/>
-            </a:solidFill>
-          </a:ln>
-          <a:effectLst>
-            <a:outerShdw blurRad="63500" sx="102000" sy="102000" algn="ctr" rotWithShape="0">
-              <a:prstClr val="black">
-                <a:alpha val="40000"/>
-              </a:prstClr>
-            </a:outerShdw>
-          </a:effectLst>
-        </p:spPr>
-        <p:txBody>
-          <a:bodyPr wrap="square" rtlCol="0" anchor="ctr">
-            <a:spAutoFit/>
-          </a:bodyPr>
-          <a:lstStyle/>
-          <a:p>
-            <a:pPr algn="ctr"/>
-            <a:endParaRPr lang="en-US" b="1" dirty="0" err="1" smtClean="0"/>
-          </a:p>
-        </p:txBody>
-      </p:sp>
-      <p:sp>
-        <p:nvSpPr>
-          <p:cNvPr id="15" name="Rectángulo 14"/>
-          <p:cNvSpPr/>
-          <p:nvPr/>
-        </p:nvSpPr>
-        <p:spPr>
-          <a:xfrm>
-            <a:off x="2267797" y="4936944"/>
-            <a:ext cx="3545839" cy="247016"/>
-          </a:xfrm>
-          <a:prstGeom prst="rect">
-            <a:avLst/>
-          </a:prstGeom>
-          <a:ln w="28575">
-            <a:solidFill>
-              <a:schemeClr val="tx2"/>
-            </a:solidFill>
-          </a:ln>
-          <a:effectLst>
-            <a:outerShdw blurRad="63500" sx="102000" sy="102000" algn="ctr" rotWithShape="0">
-              <a:prstClr val="black">
-                <a:alpha val="40000"/>
-              </a:prstClr>
-            </a:outerShdw>
-          </a:effectLst>
-        </p:spPr>
-        <p:txBody>
-          <a:bodyPr wrap="square" rtlCol="0" anchor="ctr">
-            <a:spAutoFit/>
-          </a:bodyPr>
-          <a:lstStyle/>
-          <a:p>
-            <a:pPr algn="ctr"/>
-            <a:endParaRPr lang="en-US" b="1" dirty="0" err="1" smtClean="0"/>
-          </a:p>
-        </p:txBody>
-      </p:sp>
-      <p:sp>
-        <p:nvSpPr>
-          <p:cNvPr id="16" name="Rectángulo 15"/>
-          <p:cNvSpPr/>
-          <p:nvPr/>
-        </p:nvSpPr>
-        <p:spPr>
-          <a:xfrm>
-            <a:off x="2084665" y="5331368"/>
-            <a:ext cx="3545839" cy="247016"/>
-          </a:xfrm>
-          <a:prstGeom prst="rect">
-            <a:avLst/>
-          </a:prstGeom>
-          <a:ln w="28575">
-            <a:solidFill>
-              <a:schemeClr val="tx2"/>
-            </a:solidFill>
-          </a:ln>
-          <a:effectLst>
-            <a:outerShdw blurRad="63500" sx="102000" sy="102000" algn="ctr" rotWithShape="0">
-              <a:prstClr val="black">
-                <a:alpha val="40000"/>
-              </a:prstClr>
-            </a:outerShdw>
-          </a:effectLst>
-        </p:spPr>
-        <p:txBody>
-          <a:bodyPr wrap="square" rtlCol="0" anchor="ctr">
-            <a:spAutoFit/>
-          </a:bodyPr>
-          <a:lstStyle/>
-          <a:p>
-            <a:pPr algn="ctr"/>
-            <a:endParaRPr lang="en-US" b="1" dirty="0" err="1" smtClean="0"/>
-          </a:p>
-        </p:txBody>
-      </p:sp>
-      <p:sp>
-        <p:nvSpPr>
-          <p:cNvPr id="17" name="CuadroTexto 16"/>
-          <p:cNvSpPr txBox="1"/>
-          <p:nvPr/>
-        </p:nvSpPr>
-        <p:spPr>
-          <a:xfrm>
-            <a:off x="6145318" y="3244334"/>
-            <a:ext cx="5029200" cy="646331"/>
-          </a:xfrm>
-          <a:prstGeom prst="rect">
-            <a:avLst/>
-          </a:prstGeom>
-          <a:noFill/>
-        </p:spPr>
-        <p:txBody>
-          <a:bodyPr wrap="square" rtlCol="0">
-            <a:spAutoFit/>
-          </a:bodyPr>
-          <a:lstStyle/>
-          <a:p>
-            <a:r>
-              <a:rPr lang="es-AR" dirty="0" smtClean="0">
-                <a:solidFill>
-                  <a:schemeClr val="bg1"/>
-                </a:solidFill>
-              </a:rPr>
-              <a:t>Se obtiene el planificador Prioridades </a:t>
-            </a:r>
-            <a:r>
-              <a:rPr lang="es-AR" dirty="0" err="1" smtClean="0">
-                <a:solidFill>
-                  <a:schemeClr val="bg1"/>
-                </a:solidFill>
-              </a:rPr>
-              <a:t>Apropiativos</a:t>
-            </a:r>
-            <a:endParaRPr lang="en-US" dirty="0">
-              <a:solidFill>
-                <a:schemeClr val="bg1"/>
-              </a:solidFill>
-            </a:endParaRPr>
-          </a:p>
-        </p:txBody>
-      </p:sp>
-      <p:sp>
-        <p:nvSpPr>
-          <p:cNvPr id="18" name="Rectángulo 17"/>
-          <p:cNvSpPr/>
-          <p:nvPr/>
-        </p:nvSpPr>
-        <p:spPr>
-          <a:xfrm>
-            <a:off x="1627274" y="1771463"/>
-            <a:ext cx="3545839" cy="247016"/>
-          </a:xfrm>
-          <a:prstGeom prst="rect">
-            <a:avLst/>
-          </a:prstGeom>
-          <a:ln w="28575">
-            <a:solidFill>
-              <a:schemeClr val="tx2"/>
-            </a:solidFill>
-          </a:ln>
-          <a:effectLst>
-            <a:outerShdw blurRad="63500" sx="102000" sy="102000" algn="ctr" rotWithShape="0">
-              <a:prstClr val="black">
-                <a:alpha val="40000"/>
-              </a:prstClr>
-            </a:outerShdw>
-          </a:effectLst>
-        </p:spPr>
-        <p:txBody>
-          <a:bodyPr wrap="square" rtlCol="0" anchor="ctr">
-            <a:spAutoFit/>
-          </a:bodyPr>
-          <a:lstStyle/>
-          <a:p>
-            <a:pPr algn="ctr"/>
-            <a:endParaRPr lang="en-US" b="1" dirty="0" err="1" smtClean="0"/>
-          </a:p>
-        </p:txBody>
-      </p:sp>
-    </p:spTree>
-    <p:extLst>
-      <p:ext uri="{BB962C8B-B14F-4D97-AF65-F5344CB8AC3E}">
-        <p14:creationId xmlns:p14="http://schemas.microsoft.com/office/powerpoint/2010/main" val="3430204041"/>
-      </p:ext>
-    </p:extLst>
-  </p:cSld>
-  <p:clrMapOvr>
-    <a:masterClrMapping/>
-  </p:clrMapOvr>
-  <p:timing>
-    <p:tnLst>
-      <p:par>
-        <p:cTn id="1" dur="indefinite" restart="never" nodeType="tmRoot">
-          <p:childTnLst>
-            <p:seq concurrent="1" nextAc="seek">
-              <p:cTn id="2" dur="indefinite" nodeType="mainSeq">
-                <p:childTnLst>
-                  <p:par>
-                    <p:cTn id="3" fill="hold">
-                      <p:stCondLst>
-                        <p:cond delay="indefinite"/>
-                        <p:cond evt="onBegin" delay="0">
-                          <p:tn val="2"/>
-                        </p:cond>
-                      </p:stCondLst>
-                      <p:childTnLst>
-                        <p:par>
-                          <p:cTn id="4" fill="hold">
-                            <p:stCondLst>
-                              <p:cond delay="0"/>
-                            </p:stCondLst>
-                            <p:childTnLst>
-                              <p:par>
-                                <p:cTn id="5" presetID="42" presetClass="entr" presetSubtype="0" fill="hold" grpId="0" nodeType="withEffect">
-                                  <p:stCondLst>
-                                    <p:cond delay="0"/>
-                                  </p:stCondLst>
-                                  <p:childTnLst>
-                                    <p:set>
-                                      <p:cBhvr>
-                                        <p:cTn id="6" dur="1" fill="hold">
-                                          <p:stCondLst>
-                                            <p:cond delay="0"/>
-                                          </p:stCondLst>
-                                        </p:cTn>
-                                        <p:tgtEl>
-                                          <p:spTgt spid="17"/>
-                                        </p:tgtEl>
-                                        <p:attrNameLst>
-                                          <p:attrName>style.visibility</p:attrName>
-                                        </p:attrNameLst>
-                                      </p:cBhvr>
-                                      <p:to>
-                                        <p:strVal val="visible"/>
-                                      </p:to>
-                                    </p:set>
-                                    <p:animEffect transition="in" filter="fade">
-                                      <p:cBhvr>
-                                        <p:cTn id="7" dur="1000"/>
-                                        <p:tgtEl>
-                                          <p:spTgt spid="17"/>
-                                        </p:tgtEl>
-                                      </p:cBhvr>
-                                    </p:animEffect>
-                                    <p:anim calcmode="lin" valueType="num">
-                                      <p:cBhvr>
-                                        <p:cTn id="8" dur="1000" fill="hold"/>
-                                        <p:tgtEl>
-                                          <p:spTgt spid="17"/>
-                                        </p:tgtEl>
-                                        <p:attrNameLst>
-                                          <p:attrName>ppt_x</p:attrName>
-                                        </p:attrNameLst>
-                                      </p:cBhvr>
-                                      <p:tavLst>
-                                        <p:tav tm="0">
-                                          <p:val>
-                                            <p:strVal val="#ppt_x"/>
-                                          </p:val>
-                                        </p:tav>
-                                        <p:tav tm="100000">
-                                          <p:val>
-                                            <p:strVal val="#ppt_x"/>
-                                          </p:val>
-                                        </p:tav>
-                                      </p:tavLst>
-                                    </p:anim>
-                                    <p:anim calcmode="lin" valueType="num">
-                                      <p:cBhvr>
-                                        <p:cTn id="9" dur="1000" fill="hold"/>
-                                        <p:tgtEl>
-                                          <p:spTgt spid="17"/>
-                                        </p:tgtEl>
-                                        <p:attrNameLst>
-                                          <p:attrName>ppt_y</p:attrName>
-                                        </p:attrNameLst>
-                                      </p:cBhvr>
-                                      <p:tavLst>
-                                        <p:tav tm="0">
-                                          <p:val>
-                                            <p:strVal val="#ppt_y+.1"/>
-                                          </p:val>
-                                        </p:tav>
-                                        <p:tav tm="100000">
-                                          <p:val>
-                                            <p:strVal val="#ppt_y"/>
-                                          </p:val>
-                                        </p:tav>
-                                      </p:tavLst>
-                                    </p:anim>
-                                  </p:childTnLst>
-                                </p:cTn>
-                              </p:par>
-                              <p:par>
-                                <p:cTn id="10" presetID="10" presetClass="entr" presetSubtype="0" fill="hold" grpId="0" nodeType="withEffect">
-                                  <p:stCondLst>
-                                    <p:cond delay="1100"/>
-                                  </p:stCondLst>
-                                  <p:childTnLst>
-                                    <p:set>
-                                      <p:cBhvr>
-                                        <p:cTn id="11" dur="1" fill="hold">
-                                          <p:stCondLst>
-                                            <p:cond delay="0"/>
-                                          </p:stCondLst>
-                                        </p:cTn>
-                                        <p:tgtEl>
-                                          <p:spTgt spid="16"/>
-                                        </p:tgtEl>
-                                        <p:attrNameLst>
-                                          <p:attrName>style.visibility</p:attrName>
-                                        </p:attrNameLst>
-                                      </p:cBhvr>
-                                      <p:to>
-                                        <p:strVal val="visible"/>
-                                      </p:to>
-                                    </p:set>
-                                    <p:animEffect transition="in" filter="fade">
-                                      <p:cBhvr>
-                                        <p:cTn id="12" dur="500"/>
-                                        <p:tgtEl>
-                                          <p:spTgt spid="16"/>
-                                        </p:tgtEl>
-                                      </p:cBhvr>
-                                    </p:animEffect>
-                                  </p:childTnLst>
-                                </p:cTn>
-                              </p:par>
-                              <p:par>
-                                <p:cTn id="13" presetID="10" presetClass="entr" presetSubtype="0" fill="hold" grpId="0" nodeType="withEffect">
-                                  <p:stCondLst>
-                                    <p:cond delay="1500"/>
-                                  </p:stCondLst>
-                                  <p:childTnLst>
-                                    <p:set>
-                                      <p:cBhvr>
-                                        <p:cTn id="14" dur="1" fill="hold">
-                                          <p:stCondLst>
-                                            <p:cond delay="0"/>
-                                          </p:stCondLst>
-                                        </p:cTn>
-                                        <p:tgtEl>
-                                          <p:spTgt spid="15"/>
-                                        </p:tgtEl>
-                                        <p:attrNameLst>
-                                          <p:attrName>style.visibility</p:attrName>
-                                        </p:attrNameLst>
-                                      </p:cBhvr>
-                                      <p:to>
-                                        <p:strVal val="visible"/>
-                                      </p:to>
-                                    </p:set>
-                                    <p:animEffect transition="in" filter="fade">
-                                      <p:cBhvr>
-                                        <p:cTn id="15" dur="500"/>
-                                        <p:tgtEl>
-                                          <p:spTgt spid="15"/>
-                                        </p:tgtEl>
-                                      </p:cBhvr>
-                                    </p:animEffect>
-                                  </p:childTnLst>
-                                </p:cTn>
-                              </p:par>
-                              <p:par>
-                                <p:cTn id="16" presetID="10" presetClass="entr" presetSubtype="0" fill="hold" grpId="0" nodeType="withEffect">
-                                  <p:stCondLst>
-                                    <p:cond delay="2000"/>
-                                  </p:stCondLst>
-                                  <p:childTnLst>
-                                    <p:set>
-                                      <p:cBhvr>
-                                        <p:cTn id="17" dur="1" fill="hold">
-                                          <p:stCondLst>
-                                            <p:cond delay="0"/>
-                                          </p:stCondLst>
-                                        </p:cTn>
-                                        <p:tgtEl>
-                                          <p:spTgt spid="14"/>
-                                        </p:tgtEl>
-                                        <p:attrNameLst>
-                                          <p:attrName>style.visibility</p:attrName>
-                                        </p:attrNameLst>
-                                      </p:cBhvr>
-                                      <p:to>
-                                        <p:strVal val="visible"/>
-                                      </p:to>
-                                    </p:set>
-                                    <p:animEffect transition="in" filter="fade">
-                                      <p:cBhvr>
-                                        <p:cTn id="18" dur="700"/>
-                                        <p:tgtEl>
-                                          <p:spTgt spid="14"/>
-                                        </p:tgtEl>
-                                      </p:cBhvr>
-                                    </p:animEffect>
-                                  </p:childTnLst>
-                                </p:cTn>
-                              </p:par>
-                              <p:par>
-                                <p:cTn id="19" presetID="10" presetClass="entr" presetSubtype="0" fill="hold" grpId="0" nodeType="withEffect">
-                                  <p:stCondLst>
-                                    <p:cond delay="2600"/>
-                                  </p:stCondLst>
-                                  <p:childTnLst>
-                                    <p:set>
-                                      <p:cBhvr>
-                                        <p:cTn id="20" dur="1" fill="hold">
-                                          <p:stCondLst>
-                                            <p:cond delay="0"/>
-                                          </p:stCondLst>
-                                        </p:cTn>
-                                        <p:tgtEl>
-                                          <p:spTgt spid="18"/>
-                                        </p:tgtEl>
-                                        <p:attrNameLst>
-                                          <p:attrName>style.visibility</p:attrName>
-                                        </p:attrNameLst>
-                                      </p:cBhvr>
-                                      <p:to>
-                                        <p:strVal val="visible"/>
-                                      </p:to>
-                                    </p:set>
-                                    <p:animEffect transition="in" filter="fade">
-                                      <p:cBhvr>
-                                        <p:cTn id="21" dur="600"/>
-                                        <p:tgtEl>
-                                          <p:spTgt spid="18"/>
-                                        </p:tgtEl>
-                                      </p:cBhvr>
-                                    </p:animEffect>
-                                  </p:childTnLst>
-                                </p:cTn>
-                              </p:par>
-                            </p:childTnLst>
-                          </p:cTn>
-                        </p:par>
-                      </p:childTnLst>
-                    </p:cTn>
-                  </p:par>
-                </p:childTnLst>
-              </p:cTn>
-              <p:prevCondLst>
-                <p:cond evt="onPrev" delay="0">
-                  <p:tgtEl>
-                    <p:sldTgt/>
-                  </p:tgtEl>
-                </p:cond>
-              </p:prevCondLst>
-              <p:nextCondLst>
-                <p:cond evt="onNext" delay="0">
-                  <p:tgtEl>
-                    <p:sldTgt/>
-                  </p:tgtEl>
-                </p:cond>
-              </p:nextCondLst>
-            </p:seq>
-          </p:childTnLst>
-        </p:cTn>
-      </p:par>
-    </p:tnLst>
-    <p:bldLst>
-      <p:bldP spid="14" grpId="0" animBg="1"/>
-      <p:bldP spid="15" grpId="0" animBg="1"/>
-      <p:bldP spid="16" grpId="0" animBg="1"/>
-      <p:bldP spid="17" grpId="0"/>
-      <p:bldP spid="18" grpId="0" animBg="1"/>
-    </p:bldLst>
-  </p:timing>
-</p:sld>
-</file>
-
-<file path=ppt/slides/slide14.xml><?xml version="1.0" encoding="utf-8"?>
-<p:sld xmlns:a="http://schemas.openxmlformats.org/drawingml/2006/main" xmlns:r="http://schemas.openxmlformats.org/officeDocument/2006/relationships" xmlns:p="http://schemas.openxmlformats.org/presentationml/2006/main">
-  <p:cSld>
-    <p:spTree>
-      <p:nvGrpSpPr>
-        <p:cNvPr id="1" name=""/>
-        <p:cNvGrpSpPr/>
-        <p:nvPr/>
-      </p:nvGrpSpPr>
-      <p:grpSpPr>
-        <a:xfrm>
-          <a:off x="0" y="0"/>
-          <a:ext cx="0" cy="0"/>
-          <a:chOff x="0" y="0"/>
-          <a:chExt cx="0" cy="0"/>
-        </a:xfrm>
-      </p:grpSpPr>
-      <p:sp>
-        <p:nvSpPr>
           <p:cNvPr id="6" name="Título 9"/>
           <p:cNvSpPr txBox="1">
             <a:spLocks/>
@@ -9912,51 +11051,6 @@
       </p:sp>
       <p:sp>
         <p:nvSpPr>
-          <p:cNvPr id="7" name="Rectángulo 6"/>
-          <p:cNvSpPr/>
-          <p:nvPr/>
-        </p:nvSpPr>
-        <p:spPr>
-          <a:xfrm>
-            <a:off x="8507518" y="43142"/>
-            <a:ext cx="3589444" cy="369332"/>
-          </a:xfrm>
-          <a:prstGeom prst="rect">
-            <a:avLst/>
-          </a:prstGeom>
-        </p:spPr>
-        <p:txBody>
-          <a:bodyPr wrap="none">
-            <a:spAutoFit/>
-          </a:bodyPr>
-          <a:lstStyle/>
-          <a:p>
-            <a:r>
-              <a:rPr lang="en-US" b="1" dirty="0" err="1"/>
-              <a:t>Planificador</a:t>
-            </a:r>
-            <a:r>
-              <a:rPr lang="en-US" b="1" dirty="0"/>
-              <a:t> De </a:t>
-            </a:r>
-            <a:r>
-              <a:rPr lang="en-US" b="1" dirty="0" err="1"/>
-              <a:t>Corto</a:t>
-            </a:r>
-            <a:r>
-              <a:rPr lang="en-US" b="1" dirty="0"/>
-              <a:t> </a:t>
-            </a:r>
-            <a:r>
-              <a:rPr lang="en-US" b="1" dirty="0" err="1"/>
-              <a:t>Alcance</a:t>
-            </a:r>
-            <a:endParaRPr lang="en-US" dirty="0"/>
-          </a:p>
-        </p:txBody>
-      </p:sp>
-      <p:sp>
-        <p:nvSpPr>
           <p:cNvPr id="9" name="Rectángulo 8"/>
           <p:cNvSpPr/>
           <p:nvPr/>
@@ -9997,6 +11091,39 @@
               <a:ea typeface="Calibri" panose="020F0502020204030204" pitchFamily="34" charset="0"/>
               <a:cs typeface="Times New Roman" panose="02020603050405020304" pitchFamily="18" charset="0"/>
             </a:endParaRPr>
+          </a:p>
+        </p:txBody>
+      </p:sp>
+      <p:sp>
+        <p:nvSpPr>
+          <p:cNvPr id="5" name="Rectángulo 4"/>
+          <p:cNvSpPr/>
+          <p:nvPr/>
+        </p:nvSpPr>
+        <p:spPr>
+          <a:xfrm>
+            <a:off x="8750032" y="0"/>
+            <a:ext cx="3441968" cy="369332"/>
+          </a:xfrm>
+          <a:prstGeom prst="rect">
+            <a:avLst/>
+          </a:prstGeom>
+        </p:spPr>
+        <p:txBody>
+          <a:bodyPr wrap="none">
+            <a:spAutoFit/>
+          </a:bodyPr>
+          <a:lstStyle/>
+          <a:p>
+            <a:r>
+              <a:rPr lang="en-US" b="1" dirty="0" smtClean="0"/>
+              <a:t>PLANIFICADOR DE </a:t>
+            </a:r>
+            <a:r>
+              <a:rPr lang="es-AR" b="1" dirty="0" smtClean="0"/>
+              <a:t>PROCESOS</a:t>
+            </a:r>
+            <a:endParaRPr lang="en-US" dirty="0"/>
           </a:p>
         </p:txBody>
       </p:sp>
@@ -10102,7 +11229,7 @@
 </p:sld>
 </file>
 
-<file path=ppt/slides/slide15.xml><?xml version="1.0" encoding="utf-8"?>
+<file path=ppt/slides/slide17.xml><?xml version="1.0" encoding="utf-8"?>
 <p:sld xmlns:a="http://schemas.openxmlformats.org/drawingml/2006/main" xmlns:r="http://schemas.openxmlformats.org/officeDocument/2006/relationships" xmlns:p="http://schemas.openxmlformats.org/presentationml/2006/main">
   <p:cSld>
     <p:spTree>
@@ -10119,51 +11246,6 @@
           <a:chExt cx="0" cy="0"/>
         </a:xfrm>
       </p:grpSpPr>
-      <p:sp>
-        <p:nvSpPr>
-          <p:cNvPr id="5" name="Rectángulo 4"/>
-          <p:cNvSpPr/>
-          <p:nvPr/>
-        </p:nvSpPr>
-        <p:spPr>
-          <a:xfrm>
-            <a:off x="8507518" y="43142"/>
-            <a:ext cx="3589444" cy="369332"/>
-          </a:xfrm>
-          <a:prstGeom prst="rect">
-            <a:avLst/>
-          </a:prstGeom>
-        </p:spPr>
-        <p:txBody>
-          <a:bodyPr wrap="none">
-            <a:spAutoFit/>
-          </a:bodyPr>
-          <a:lstStyle/>
-          <a:p>
-            <a:r>
-              <a:rPr lang="en-US" b="1" dirty="0" err="1"/>
-              <a:t>Planificador</a:t>
-            </a:r>
-            <a:r>
-              <a:rPr lang="en-US" b="1" dirty="0"/>
-              <a:t> De </a:t>
-            </a:r>
-            <a:r>
-              <a:rPr lang="en-US" b="1" dirty="0" err="1"/>
-              <a:t>Corto</a:t>
-            </a:r>
-            <a:r>
-              <a:rPr lang="en-US" b="1" dirty="0"/>
-              <a:t> </a:t>
-            </a:r>
-            <a:r>
-              <a:rPr lang="en-US" b="1" dirty="0" err="1"/>
-              <a:t>Alcance</a:t>
-            </a:r>
-            <a:endParaRPr lang="en-US" dirty="0"/>
-          </a:p>
-        </p:txBody>
-      </p:sp>
       <p:sp>
         <p:nvSpPr>
           <p:cNvPr id="3" name="Título 9"/>
@@ -10330,6 +11412,39 @@
           </a:p>
         </p:txBody>
       </p:sp>
+      <p:sp>
+        <p:nvSpPr>
+          <p:cNvPr id="6" name="Rectángulo 5"/>
+          <p:cNvSpPr/>
+          <p:nvPr/>
+        </p:nvSpPr>
+        <p:spPr>
+          <a:xfrm>
+            <a:off x="8750032" y="0"/>
+            <a:ext cx="3441968" cy="369332"/>
+          </a:xfrm>
+          <a:prstGeom prst="rect">
+            <a:avLst/>
+          </a:prstGeom>
+        </p:spPr>
+        <p:txBody>
+          <a:bodyPr wrap="none">
+            <a:spAutoFit/>
+          </a:bodyPr>
+          <a:lstStyle/>
+          <a:p>
+            <a:r>
+              <a:rPr lang="en-US" b="1" dirty="0" smtClean="0"/>
+              <a:t>PLANIFICADOR DE </a:t>
+            </a:r>
+            <a:r>
+              <a:rPr lang="es-AR" b="1" dirty="0" smtClean="0"/>
+              <a:t>PROCESOS</a:t>
+            </a:r>
+            <a:endParaRPr lang="en-US" dirty="0"/>
+          </a:p>
+        </p:txBody>
+      </p:sp>
     </p:spTree>
     <p:extLst>
       <p:ext uri="{BB962C8B-B14F-4D97-AF65-F5344CB8AC3E}">
@@ -10343,114 +11458,14 @@
   <p:timing>
     <p:tnLst>
       <p:par>
-        <p:cTn id="1" dur="indefinite" restart="never" nodeType="tmRoot">
-          <p:childTnLst>
-            <p:seq concurrent="1" nextAc="seek">
-              <p:cTn id="2" dur="indefinite" nodeType="mainSeq">
-                <p:childTnLst>
-                  <p:par>
-                    <p:cTn id="3" fill="hold">
-                      <p:stCondLst>
-                        <p:cond delay="indefinite"/>
-                        <p:cond evt="onBegin" delay="0">
-                          <p:tn val="2"/>
-                        </p:cond>
-                      </p:stCondLst>
-                      <p:childTnLst>
-                        <p:par>
-                          <p:cTn id="4" fill="hold">
-                            <p:stCondLst>
-                              <p:cond delay="0"/>
-                            </p:stCondLst>
-                            <p:childTnLst>
-                              <p:par>
-                                <p:cTn id="5" presetID="6" presetClass="emph" presetSubtype="0" accel="24000" decel="39000" fill="hold" nodeType="withEffect">
-                                  <p:stCondLst>
-                                    <p:cond delay="3900"/>
-                                  </p:stCondLst>
-                                  <p:childTnLst>
-                                    <p:animScale>
-                                      <p:cBhvr>
-                                        <p:cTn id="6" dur="2800" fill="hold"/>
-                                        <p:tgtEl>
-                                          <p:spTgt spid="4"/>
-                                        </p:tgtEl>
-                                      </p:cBhvr>
-                                      <p:by x="190000" y="190000"/>
-                                    </p:animScale>
-                                  </p:childTnLst>
-                                </p:cTn>
-                              </p:par>
-                              <p:par>
-                                <p:cTn id="7" presetID="10" presetClass="exit" presetSubtype="0" fill="hold" grpId="0" nodeType="withEffect">
-                                  <p:stCondLst>
-                                    <p:cond delay="3600"/>
-                                  </p:stCondLst>
-                                  <p:childTnLst>
-                                    <p:animEffect transition="out" filter="fade">
-                                      <p:cBhvr>
-                                        <p:cTn id="8" dur="1200"/>
-                                        <p:tgtEl>
-                                          <p:spTgt spid="2"/>
-                                        </p:tgtEl>
-                                      </p:cBhvr>
-                                    </p:animEffect>
-                                    <p:set>
-                                      <p:cBhvr>
-                                        <p:cTn id="9" dur="1" fill="hold">
-                                          <p:stCondLst>
-                                            <p:cond delay="1199"/>
-                                          </p:stCondLst>
-                                        </p:cTn>
-                                        <p:tgtEl>
-                                          <p:spTgt spid="2"/>
-                                        </p:tgtEl>
-                                        <p:attrNameLst>
-                                          <p:attrName>style.visibility</p:attrName>
-                                        </p:attrNameLst>
-                                      </p:cBhvr>
-                                      <p:to>
-                                        <p:strVal val="hidden"/>
-                                      </p:to>
-                                    </p:set>
-                                  </p:childTnLst>
-                                </p:cTn>
-                              </p:par>
-                            </p:childTnLst>
-                          </p:cTn>
-                        </p:par>
-                      </p:childTnLst>
-                    </p:cTn>
-                  </p:par>
-                </p:childTnLst>
-              </p:cTn>
-              <p:prevCondLst>
-                <p:cond evt="onPrev" delay="0">
-                  <p:tgtEl>
-                    <p:sldTgt/>
-                  </p:tgtEl>
-                </p:cond>
-              </p:prevCondLst>
-              <p:nextCondLst>
-                <p:cond evt="onNext" delay="0">
-                  <p:tgtEl>
-                    <p:sldTgt/>
-                  </p:tgtEl>
-                </p:cond>
-              </p:nextCondLst>
-            </p:seq>
-          </p:childTnLst>
-        </p:cTn>
+        <p:cTn id="1" dur="indefinite" restart="never" nodeType="tmRoot"/>
       </p:par>
     </p:tnLst>
-    <p:bldLst>
-      <p:bldP spid="2" grpId="0"/>
-    </p:bldLst>
   </p:timing>
 </p:sld>
 </file>
 
-<file path=ppt/slides/slide16.xml><?xml version="1.0" encoding="utf-8"?>
+<file path=ppt/slides/slide18.xml><?xml version="1.0" encoding="utf-8"?>
 <p:sld xmlns:a="http://schemas.openxmlformats.org/drawingml/2006/main" xmlns:r="http://schemas.openxmlformats.org/officeDocument/2006/relationships" xmlns:p="http://schemas.openxmlformats.org/presentationml/2006/main">
   <p:cSld>
     <p:spTree>
@@ -10467,51 +11482,6 @@
           <a:chExt cx="0" cy="0"/>
         </a:xfrm>
       </p:grpSpPr>
-      <p:sp>
-        <p:nvSpPr>
-          <p:cNvPr id="5" name="Rectángulo 4"/>
-          <p:cNvSpPr/>
-          <p:nvPr/>
-        </p:nvSpPr>
-        <p:spPr>
-          <a:xfrm>
-            <a:off x="8507518" y="43142"/>
-            <a:ext cx="3589444" cy="369332"/>
-          </a:xfrm>
-          <a:prstGeom prst="rect">
-            <a:avLst/>
-          </a:prstGeom>
-        </p:spPr>
-        <p:txBody>
-          <a:bodyPr wrap="none">
-            <a:spAutoFit/>
-          </a:bodyPr>
-          <a:lstStyle/>
-          <a:p>
-            <a:r>
-              <a:rPr lang="en-US" b="1" dirty="0" err="1"/>
-              <a:t>Planificador</a:t>
-            </a:r>
-            <a:r>
-              <a:rPr lang="en-US" b="1" dirty="0"/>
-              <a:t> De </a:t>
-            </a:r>
-            <a:r>
-              <a:rPr lang="en-US" b="1" dirty="0" err="1"/>
-              <a:t>Corto</a:t>
-            </a:r>
-            <a:r>
-              <a:rPr lang="en-US" b="1" dirty="0"/>
-              <a:t> </a:t>
-            </a:r>
-            <a:r>
-              <a:rPr lang="en-US" b="1" dirty="0" err="1"/>
-              <a:t>Alcance</a:t>
-            </a:r>
-            <a:endParaRPr lang="en-US" dirty="0"/>
-          </a:p>
-        </p:txBody>
-      </p:sp>
       <p:sp>
         <p:nvSpPr>
           <p:cNvPr id="3" name="Título 9"/>
@@ -10723,6 +11693,39 @@
           </a:p>
         </p:txBody>
       </p:sp>
+      <p:sp>
+        <p:nvSpPr>
+          <p:cNvPr id="7" name="Rectángulo 6"/>
+          <p:cNvSpPr/>
+          <p:nvPr/>
+        </p:nvSpPr>
+        <p:spPr>
+          <a:xfrm>
+            <a:off x="8750032" y="0"/>
+            <a:ext cx="3441968" cy="369332"/>
+          </a:xfrm>
+          <a:prstGeom prst="rect">
+            <a:avLst/>
+          </a:prstGeom>
+        </p:spPr>
+        <p:txBody>
+          <a:bodyPr wrap="none">
+            <a:spAutoFit/>
+          </a:bodyPr>
+          <a:lstStyle/>
+          <a:p>
+            <a:r>
+              <a:rPr lang="en-US" b="1" dirty="0" smtClean="0"/>
+              <a:t>PLANIFICADOR DE </a:t>
+            </a:r>
+            <a:r>
+              <a:rPr lang="es-AR" b="1" dirty="0" smtClean="0"/>
+              <a:t>PROCESOS</a:t>
+            </a:r>
+            <a:endParaRPr lang="en-US" dirty="0"/>
+          </a:p>
+        </p:txBody>
+      </p:sp>
     </p:spTree>
     <p:extLst>
       <p:ext uri="{BB962C8B-B14F-4D97-AF65-F5344CB8AC3E}">
@@ -10745,9 +11748,6 @@
                     <p:cTn id="3" fill="hold">
                       <p:stCondLst>
                         <p:cond delay="indefinite"/>
-                        <p:cond evt="onBegin" delay="0">
-                          <p:tn val="2"/>
-                        </p:cond>
                       </p:stCondLst>
                       <p:childTnLst>
                         <p:par>
@@ -10757,7 +11757,7 @@
                             </p:stCondLst>
                             <p:childTnLst>
                               <p:par>
-                                <p:cTn id="5" presetID="6" presetClass="entr" presetSubtype="16" fill="hold" grpId="0" nodeType="withEffect">
+                                <p:cTn id="5" presetID="1" presetClass="entr" presetSubtype="0" fill="hold" grpId="0" nodeType="clickEffect">
                                   <p:stCondLst>
                                     <p:cond delay="0"/>
                                   </p:stCondLst>
@@ -10765,6 +11765,33 @@
                                     <p:set>
                                       <p:cBhvr>
                                         <p:cTn id="6" dur="1" fill="hold">
+                                          <p:stCondLst>
+                                            <p:cond delay="0"/>
+                                          </p:stCondLst>
+                                        </p:cTn>
+                                        <p:tgtEl>
+                                          <p:spTgt spid="2"/>
+                                        </p:tgtEl>
+                                        <p:attrNameLst>
+                                          <p:attrName>style.visibility</p:attrName>
+                                        </p:attrNameLst>
+                                      </p:cBhvr>
+                                      <p:to>
+                                        <p:strVal val="visible"/>
+                                      </p:to>
+                                    </p:set>
+                                  </p:childTnLst>
+                                </p:cTn>
+                              </p:par>
+                              <p:par>
+                                <p:cTn id="7" presetID="6" presetClass="entr" presetSubtype="16" fill="hold" grpId="0" nodeType="withEffect">
+                                  <p:stCondLst>
+                                    <p:cond delay="0"/>
+                                  </p:stCondLst>
+                                  <p:childTnLst>
+                                    <p:set>
+                                      <p:cBhvr>
+                                        <p:cTn id="8" dur="1" fill="hold">
                                           <p:stCondLst>
                                             <p:cond delay="0"/>
                                           </p:stCondLst>
@@ -10782,7 +11809,7 @@
                                     </p:set>
                                     <p:animEffect transition="in" filter="circle(in)">
                                       <p:cBhvr>
-                                        <p:cTn id="7" dur="2000"/>
+                                        <p:cTn id="9" dur="2000"/>
                                         <p:tgtEl>
                                           <p:spTgt spid="6"/>
                                         </p:tgtEl>
@@ -10819,13 +11846,14 @@
       </p:par>
     </p:tnLst>
     <p:bldLst>
+      <p:bldP spid="2" grpId="0" animBg="1"/>
       <p:bldP spid="6" grpId="0" animBg="1"/>
     </p:bldLst>
   </p:timing>
 </p:sld>
 </file>
 
-<file path=ppt/slides/slide17.xml><?xml version="1.0" encoding="utf-8"?>
+<file path=ppt/slides/slide19.xml><?xml version="1.0" encoding="utf-8"?>
 <p:sld xmlns:a="http://schemas.openxmlformats.org/drawingml/2006/main" xmlns:r="http://schemas.openxmlformats.org/officeDocument/2006/relationships" xmlns:p="http://schemas.openxmlformats.org/presentationml/2006/main">
   <p:cSld>
     <p:spTree>
@@ -11196,7 +12224,7 @@
 </p:sld>
 </file>
 
-<file path=ppt/slides/slide18.xml><?xml version="1.0" encoding="utf-8"?>
+<file path=ppt/slides/slide2.xml><?xml version="1.0" encoding="utf-8"?>
 <p:sld xmlns:a="http://schemas.openxmlformats.org/drawingml/2006/main" xmlns:r="http://schemas.openxmlformats.org/officeDocument/2006/relationships" xmlns:p="http://schemas.openxmlformats.org/presentationml/2006/main">
   <p:cSld>
     <p:spTree>
@@ -11215,49 +12243,272 @@
       </p:grpSpPr>
       <p:sp>
         <p:nvSpPr>
-          <p:cNvPr id="5" name="Rectángulo 4"/>
+          <p:cNvPr id="10" name="Título 9"/>
+          <p:cNvSpPr>
+            <a:spLocks noGrp="1"/>
+          </p:cNvSpPr>
+          <p:nvPr>
+            <p:ph type="title"/>
+          </p:nvPr>
+        </p:nvSpPr>
+        <p:spPr>
+          <a:xfrm>
+            <a:off x="1923159" y="311155"/>
+            <a:ext cx="8534400" cy="1507067"/>
+          </a:xfrm>
+        </p:spPr>
+        <p:txBody>
+          <a:bodyPr/>
+          <a:lstStyle/>
+          <a:p>
+            <a:r>
+              <a:rPr lang="es-AR" dirty="0" smtClean="0"/>
+              <a:t>Arquitectura del planificador</a:t>
+            </a:r>
+            <a:endParaRPr lang="en-US" dirty="0"/>
+          </a:p>
+        </p:txBody>
+      </p:sp>
+      <p:pic>
+        <p:nvPicPr>
+          <p:cNvPr id="4" name="Marcador de contenido 3"/>
+          <p:cNvPicPr>
+            <a:picLocks noGrp="1" noChangeAspect="1"/>
+          </p:cNvPicPr>
+          <p:nvPr>
+            <p:ph sz="half" idx="1"/>
+          </p:nvPr>
+        </p:nvPicPr>
+        <p:blipFill>
+          <a:blip r:embed="rId2">
+            <a:extLst>
+              <a:ext uri="{28A0092B-C50C-407E-A947-70E740481C1C}">
+                <a14:useLocalDpi xmlns:a14="http://schemas.microsoft.com/office/drawing/2010/main" val="0"/>
+              </a:ext>
+            </a:extLst>
+          </a:blip>
+          <a:stretch>
+            <a:fillRect/>
+          </a:stretch>
+        </p:blipFill>
+        <p:spPr>
+          <a:xfrm>
+            <a:off x="513180" y="1818223"/>
+            <a:ext cx="4845128" cy="4210502"/>
+          </a:xfrm>
+        </p:spPr>
+      </p:pic>
+      <p:pic>
+        <p:nvPicPr>
+          <p:cNvPr id="7" name="Marcador de contenido 6"/>
+          <p:cNvPicPr>
+            <a:picLocks noGrp="1" noChangeAspect="1"/>
+          </p:cNvPicPr>
+          <p:nvPr>
+            <p:ph sz="half" idx="2"/>
+          </p:nvPr>
+        </p:nvPicPr>
+        <p:blipFill>
+          <a:blip r:embed="rId3">
+            <a:extLst>
+              <a:ext uri="{28A0092B-C50C-407E-A947-70E740481C1C}">
+                <a14:useLocalDpi xmlns:a14="http://schemas.microsoft.com/office/drawing/2010/main" val="0"/>
+              </a:ext>
+            </a:extLst>
+          </a:blip>
+          <a:stretch>
+            <a:fillRect/>
+          </a:stretch>
+        </p:blipFill>
+        <p:spPr>
+          <a:xfrm>
+            <a:off x="5523609" y="4429412"/>
+            <a:ext cx="4933950" cy="1599312"/>
+          </a:xfrm>
+        </p:spPr>
+      </p:pic>
+      <p:sp>
+        <p:nvSpPr>
+          <p:cNvPr id="12" name="Rectángulo 11"/>
           <p:cNvSpPr/>
           <p:nvPr/>
         </p:nvSpPr>
         <p:spPr>
           <a:xfrm>
-            <a:off x="8507518" y="43142"/>
-            <a:ext cx="3589444" cy="369332"/>
+            <a:off x="5523609" y="1818222"/>
+            <a:ext cx="4933950" cy="1512209"/>
           </a:xfrm>
           <a:prstGeom prst="rect">
             <a:avLst/>
           </a:prstGeom>
         </p:spPr>
         <p:txBody>
+          <a:bodyPr wrap="square">
+            <a:spAutoFit/>
+          </a:bodyPr>
+          <a:lstStyle/>
+          <a:p>
+            <a:pPr algn="just">
+              <a:lnSpc>
+                <a:spcPct val="107000"/>
+              </a:lnSpc>
+              <a:spcAft>
+                <a:spcPts val="800"/>
+              </a:spcAft>
+            </a:pPr>
+            <a:r>
+              <a:rPr lang="es-AR" sz="2000" dirty="0">
+                <a:latin typeface="Calibri" panose="020F0502020204030204" pitchFamily="34" charset="0"/>
+                <a:ea typeface="Calibri" panose="020F0502020204030204" pitchFamily="34" charset="0"/>
+                <a:cs typeface="Times New Roman" panose="02020603050405020304" pitchFamily="18" charset="0"/>
+              </a:rPr>
+              <a:t>Se presenta la arquitectura del </a:t>
+            </a:r>
+            <a:r>
+              <a:rPr lang="es-AR" sz="2000" dirty="0" smtClean="0">
+                <a:latin typeface="Calibri" panose="020F0502020204030204" pitchFamily="34" charset="0"/>
+                <a:ea typeface="Calibri" panose="020F0502020204030204" pitchFamily="34" charset="0"/>
+                <a:cs typeface="Times New Roman" panose="02020603050405020304" pitchFamily="18" charset="0"/>
+              </a:rPr>
+              <a:t>planificador de corto alcance. </a:t>
+            </a:r>
+            <a:r>
+              <a:rPr lang="es-AR" sz="2000" dirty="0">
+                <a:latin typeface="Calibri" panose="020F0502020204030204" pitchFamily="34" charset="0"/>
+                <a:ea typeface="Calibri" panose="020F0502020204030204" pitchFamily="34" charset="0"/>
+                <a:cs typeface="Times New Roman" panose="02020603050405020304" pitchFamily="18" charset="0"/>
+              </a:rPr>
+              <a:t>Un Proceso puede pasar </a:t>
+            </a:r>
+            <a:r>
+              <a:rPr lang="es-AR" sz="2000" dirty="0" smtClean="0">
+                <a:latin typeface="Calibri" panose="020F0502020204030204" pitchFamily="34" charset="0"/>
+                <a:ea typeface="Calibri" panose="020F0502020204030204" pitchFamily="34" charset="0"/>
+                <a:cs typeface="Times New Roman" panose="02020603050405020304" pitchFamily="18" charset="0"/>
+              </a:rPr>
+              <a:t>por los </a:t>
+            </a:r>
+            <a:r>
+              <a:rPr lang="es-AR" sz="2000" dirty="0">
+                <a:latin typeface="Calibri" panose="020F0502020204030204" pitchFamily="34" charset="0"/>
+                <a:ea typeface="Calibri" panose="020F0502020204030204" pitchFamily="34" charset="0"/>
+                <a:cs typeface="Times New Roman" panose="02020603050405020304" pitchFamily="18" charset="0"/>
+              </a:rPr>
+              <a:t>cincos estados; </a:t>
+            </a:r>
+            <a:endParaRPr lang="en-US" sz="2000" dirty="0">
+              <a:latin typeface="Calibri" panose="020F0502020204030204" pitchFamily="34" charset="0"/>
+              <a:ea typeface="Calibri" panose="020F0502020204030204" pitchFamily="34" charset="0"/>
+              <a:cs typeface="Times New Roman" panose="02020603050405020304" pitchFamily="18" charset="0"/>
+            </a:endParaRPr>
+          </a:p>
+          <a:p>
+            <a:pPr algn="just">
+              <a:lnSpc>
+                <a:spcPct val="107000"/>
+              </a:lnSpc>
+              <a:spcAft>
+                <a:spcPts val="800"/>
+              </a:spcAft>
+            </a:pPr>
+            <a:r>
+              <a:rPr lang="es-AR" sz="2000" dirty="0">
+                <a:latin typeface="Calibri" panose="020F0502020204030204" pitchFamily="34" charset="0"/>
+                <a:ea typeface="Calibri" panose="020F0502020204030204" pitchFamily="34" charset="0"/>
+                <a:cs typeface="Times New Roman" panose="02020603050405020304" pitchFamily="18" charset="0"/>
+              </a:rPr>
+              <a:t>Nuevo, Listo, Ejecutando, Bloqueado, Saliente</a:t>
+            </a:r>
+            <a:endParaRPr lang="en-US" sz="2000" dirty="0">
+              <a:latin typeface="Calibri" panose="020F0502020204030204" pitchFamily="34" charset="0"/>
+              <a:ea typeface="Calibri" panose="020F0502020204030204" pitchFamily="34" charset="0"/>
+              <a:cs typeface="Times New Roman" panose="02020603050405020304" pitchFamily="18" charset="0"/>
+            </a:endParaRPr>
+          </a:p>
+        </p:txBody>
+      </p:sp>
+      <p:sp>
+        <p:nvSpPr>
+          <p:cNvPr id="14" name="Rectángulo 13"/>
+          <p:cNvSpPr/>
+          <p:nvPr/>
+        </p:nvSpPr>
+        <p:spPr>
+          <a:xfrm>
+            <a:off x="8750032" y="0"/>
+            <a:ext cx="3441968" cy="369332"/>
+          </a:xfrm>
+          <a:prstGeom prst="rect">
+            <a:avLst/>
+          </a:prstGeom>
+        </p:spPr>
+        <p:txBody>
           <a:bodyPr wrap="none">
             <a:spAutoFit/>
           </a:bodyPr>
           <a:lstStyle/>
           <a:p>
             <a:r>
-              <a:rPr lang="en-US" b="1" dirty="0" err="1"/>
-              <a:t>Planificador</a:t>
-            </a:r>
-            <a:r>
-              <a:rPr lang="en-US" b="1" dirty="0"/>
-              <a:t> De </a:t>
-            </a:r>
-            <a:r>
-              <a:rPr lang="en-US" b="1" dirty="0" err="1"/>
-              <a:t>Corto</a:t>
-            </a:r>
-            <a:r>
-              <a:rPr lang="en-US" b="1" dirty="0"/>
-              <a:t> </a:t>
-            </a:r>
-            <a:r>
-              <a:rPr lang="en-US" b="1" dirty="0" err="1"/>
-              <a:t>Alcance</a:t>
+              <a:rPr lang="en-US" b="1" dirty="0" smtClean="0"/>
+              <a:t>PLANIFICADOR DE </a:t>
+            </a:r>
+            <a:r>
+              <a:rPr lang="es-AR" b="1" dirty="0" smtClean="0"/>
+              <a:t>PROCESOS</a:t>
             </a:r>
             <a:endParaRPr lang="en-US" dirty="0"/>
           </a:p>
         </p:txBody>
       </p:sp>
+    </p:spTree>
+    <p:extLst>
+      <p:ext uri="{BB962C8B-B14F-4D97-AF65-F5344CB8AC3E}">
+        <p14:creationId xmlns:p14="http://schemas.microsoft.com/office/powerpoint/2010/main" val="170438056"/>
+      </p:ext>
+    </p:extLst>
+  </p:cSld>
+  <p:clrMapOvr>
+    <a:masterClrMapping/>
+  </p:clrMapOvr>
+  <mc:AlternateContent xmlns:mc="http://schemas.openxmlformats.org/markup-compatibility/2006" xmlns:p14="http://schemas.microsoft.com/office/powerpoint/2010/main">
+    <mc:Choice Requires="p14">
+      <p:transition p14:dur="100">
+        <p:cut/>
+      </p:transition>
+    </mc:Choice>
+    <mc:Fallback xmlns="">
+      <p:transition>
+        <p:cut/>
+      </p:transition>
+    </mc:Fallback>
+  </mc:AlternateContent>
+  <p:timing>
+    <p:tnLst>
+      <p:par>
+        <p:cTn id="1" dur="indefinite" restart="never" nodeType="tmRoot"/>
+      </p:par>
+    </p:tnLst>
+  </p:timing>
+</p:sld>
+</file>
+
+<file path=ppt/slides/slide20.xml><?xml version="1.0" encoding="utf-8"?>
+<p:sld xmlns:a="http://schemas.openxmlformats.org/drawingml/2006/main" xmlns:r="http://schemas.openxmlformats.org/officeDocument/2006/relationships" xmlns:p="http://schemas.openxmlformats.org/presentationml/2006/main">
+  <p:cSld>
+    <p:spTree>
+      <p:nvGrpSpPr>
+        <p:cNvPr id="1" name=""/>
+        <p:cNvGrpSpPr/>
+        <p:nvPr/>
+      </p:nvGrpSpPr>
+      <p:grpSpPr>
+        <a:xfrm>
+          <a:off x="0" y="0"/>
+          <a:ext cx="0" cy="0"/>
+          <a:chOff x="0" y="0"/>
+          <a:chExt cx="0" cy="0"/>
+        </a:xfrm>
+      </p:grpSpPr>
       <p:sp>
         <p:nvSpPr>
           <p:cNvPr id="3" name="Título 9"/>
@@ -11469,6 +12720,39 @@
           <a:p>
             <a:pPr algn="ctr"/>
             <a:endParaRPr lang="en-US" b="1" dirty="0" err="1" smtClean="0"/>
+          </a:p>
+        </p:txBody>
+      </p:sp>
+      <p:sp>
+        <p:nvSpPr>
+          <p:cNvPr id="7" name="Rectángulo 6"/>
+          <p:cNvSpPr/>
+          <p:nvPr/>
+        </p:nvSpPr>
+        <p:spPr>
+          <a:xfrm>
+            <a:off x="8750032" y="0"/>
+            <a:ext cx="3441968" cy="369332"/>
+          </a:xfrm>
+          <a:prstGeom prst="rect">
+            <a:avLst/>
+          </a:prstGeom>
+        </p:spPr>
+        <p:txBody>
+          <a:bodyPr wrap="none">
+            <a:spAutoFit/>
+          </a:bodyPr>
+          <a:lstStyle/>
+          <a:p>
+            <a:r>
+              <a:rPr lang="en-US" b="1" dirty="0" smtClean="0"/>
+              <a:t>PLANIFICADOR DE </a:t>
+            </a:r>
+            <a:r>
+              <a:rPr lang="es-AR" b="1" dirty="0" smtClean="0"/>
+              <a:t>PROCESOS</a:t>
+            </a:r>
+            <a:endParaRPr lang="en-US" dirty="0"/>
           </a:p>
         </p:txBody>
       </p:sp>
@@ -11574,7 +12858,7 @@
 </p:sld>
 </file>
 
-<file path=ppt/slides/slide19.xml><?xml version="1.0" encoding="utf-8"?>
+<file path=ppt/slides/slide21.xml><?xml version="1.0" encoding="utf-8"?>
 <p:sld xmlns:a="http://schemas.openxmlformats.org/drawingml/2006/main" xmlns:r="http://schemas.openxmlformats.org/officeDocument/2006/relationships" xmlns:p="http://schemas.openxmlformats.org/presentationml/2006/main">
   <p:cSld>
     <p:spTree>
@@ -11691,24 +12975,16 @@
           </a:lstStyle>
           <a:p>
             <a:r>
-              <a:rPr lang="en-US" sz="3200" b="1" dirty="0" err="1" smtClean="0"/>
+              <a:rPr lang="en-US" sz="3200" b="1" dirty="0" err="1"/>
               <a:t>Planificador</a:t>
             </a:r>
             <a:r>
-              <a:rPr lang="en-US" sz="3200" b="1" dirty="0" smtClean="0"/>
+              <a:rPr lang="en-US" sz="3200" b="1" dirty="0"/>
               <a:t> De </a:t>
             </a:r>
             <a:r>
-              <a:rPr lang="en-US" sz="3200" b="1" dirty="0" err="1" smtClean="0"/>
-              <a:t>Corto</a:t>
-            </a:r>
-            <a:r>
-              <a:rPr lang="en-US" sz="3200" b="1" dirty="0" smtClean="0"/>
-              <a:t> </a:t>
-            </a:r>
-            <a:r>
-              <a:rPr lang="en-US" sz="3200" b="1" dirty="0" err="1" smtClean="0"/>
-              <a:t>Alcance</a:t>
+              <a:rPr lang="es-AR" sz="3200" b="1" dirty="0"/>
+              <a:t>Procesos</a:t>
             </a:r>
             <a:endParaRPr lang="en-US" sz="3200" b="1" dirty="0" smtClean="0"/>
           </a:p>
@@ -11867,270 +13143,6 @@
   <p:clrMapOvr>
     <a:masterClrMapping/>
   </p:clrMapOvr>
-  <p:timing>
-    <p:tnLst>
-      <p:par>
-        <p:cTn id="1" dur="indefinite" restart="never" nodeType="tmRoot"/>
-      </p:par>
-    </p:tnLst>
-  </p:timing>
-</p:sld>
-</file>
-
-<file path=ppt/slides/slide2.xml><?xml version="1.0" encoding="utf-8"?>
-<p:sld xmlns:a="http://schemas.openxmlformats.org/drawingml/2006/main" xmlns:r="http://schemas.openxmlformats.org/officeDocument/2006/relationships" xmlns:p="http://schemas.openxmlformats.org/presentationml/2006/main">
-  <p:cSld>
-    <p:spTree>
-      <p:nvGrpSpPr>
-        <p:cNvPr id="1" name=""/>
-        <p:cNvGrpSpPr/>
-        <p:nvPr/>
-      </p:nvGrpSpPr>
-      <p:grpSpPr>
-        <a:xfrm>
-          <a:off x="0" y="0"/>
-          <a:ext cx="0" cy="0"/>
-          <a:chOff x="0" y="0"/>
-          <a:chExt cx="0" cy="0"/>
-        </a:xfrm>
-      </p:grpSpPr>
-      <p:sp>
-        <p:nvSpPr>
-          <p:cNvPr id="10" name="Título 9"/>
-          <p:cNvSpPr>
-            <a:spLocks noGrp="1"/>
-          </p:cNvSpPr>
-          <p:nvPr>
-            <p:ph type="title"/>
-          </p:nvPr>
-        </p:nvSpPr>
-        <p:spPr>
-          <a:xfrm>
-            <a:off x="1923159" y="311155"/>
-            <a:ext cx="8534400" cy="1507067"/>
-          </a:xfrm>
-        </p:spPr>
-        <p:txBody>
-          <a:bodyPr/>
-          <a:lstStyle/>
-          <a:p>
-            <a:r>
-              <a:rPr lang="es-AR" dirty="0" smtClean="0"/>
-              <a:t>Arquitectura del planificador</a:t>
-            </a:r>
-            <a:endParaRPr lang="en-US" dirty="0"/>
-          </a:p>
-        </p:txBody>
-      </p:sp>
-      <p:pic>
-        <p:nvPicPr>
-          <p:cNvPr id="4" name="Marcador de contenido 3"/>
-          <p:cNvPicPr>
-            <a:picLocks noGrp="1" noChangeAspect="1"/>
-          </p:cNvPicPr>
-          <p:nvPr>
-            <p:ph sz="half" idx="1"/>
-          </p:nvPr>
-        </p:nvPicPr>
-        <p:blipFill>
-          <a:blip r:embed="rId2">
-            <a:extLst>
-              <a:ext uri="{28A0092B-C50C-407E-A947-70E740481C1C}">
-                <a14:useLocalDpi xmlns:a14="http://schemas.microsoft.com/office/drawing/2010/main" val="0"/>
-              </a:ext>
-            </a:extLst>
-          </a:blip>
-          <a:stretch>
-            <a:fillRect/>
-          </a:stretch>
-        </p:blipFill>
-        <p:spPr>
-          <a:xfrm>
-            <a:off x="513180" y="1818223"/>
-            <a:ext cx="4845128" cy="4210502"/>
-          </a:xfrm>
-        </p:spPr>
-      </p:pic>
-      <p:pic>
-        <p:nvPicPr>
-          <p:cNvPr id="7" name="Marcador de contenido 6"/>
-          <p:cNvPicPr>
-            <a:picLocks noGrp="1" noChangeAspect="1"/>
-          </p:cNvPicPr>
-          <p:nvPr>
-            <p:ph sz="half" idx="2"/>
-          </p:nvPr>
-        </p:nvPicPr>
-        <p:blipFill>
-          <a:blip r:embed="rId3">
-            <a:extLst>
-              <a:ext uri="{28A0092B-C50C-407E-A947-70E740481C1C}">
-                <a14:useLocalDpi xmlns:a14="http://schemas.microsoft.com/office/drawing/2010/main" val="0"/>
-              </a:ext>
-            </a:extLst>
-          </a:blip>
-          <a:stretch>
-            <a:fillRect/>
-          </a:stretch>
-        </p:blipFill>
-        <p:spPr>
-          <a:xfrm>
-            <a:off x="5523609" y="4429412"/>
-            <a:ext cx="4933950" cy="1599312"/>
-          </a:xfrm>
-        </p:spPr>
-      </p:pic>
-      <p:sp>
-        <p:nvSpPr>
-          <p:cNvPr id="12" name="Rectángulo 11"/>
-          <p:cNvSpPr/>
-          <p:nvPr/>
-        </p:nvSpPr>
-        <p:spPr>
-          <a:xfrm>
-            <a:off x="5523609" y="1818222"/>
-            <a:ext cx="4933950" cy="1512209"/>
-          </a:xfrm>
-          <a:prstGeom prst="rect">
-            <a:avLst/>
-          </a:prstGeom>
-        </p:spPr>
-        <p:txBody>
-          <a:bodyPr wrap="square">
-            <a:spAutoFit/>
-          </a:bodyPr>
-          <a:lstStyle/>
-          <a:p>
-            <a:pPr algn="just">
-              <a:lnSpc>
-                <a:spcPct val="107000"/>
-              </a:lnSpc>
-              <a:spcAft>
-                <a:spcPts val="800"/>
-              </a:spcAft>
-            </a:pPr>
-            <a:r>
-              <a:rPr lang="es-AR" sz="2000" dirty="0">
-                <a:latin typeface="Calibri" panose="020F0502020204030204" pitchFamily="34" charset="0"/>
-                <a:ea typeface="Calibri" panose="020F0502020204030204" pitchFamily="34" charset="0"/>
-                <a:cs typeface="Times New Roman" panose="02020603050405020304" pitchFamily="18" charset="0"/>
-              </a:rPr>
-              <a:t>Se presenta la arquitectura del planificador. Un Proceso puede pasar </a:t>
-            </a:r>
-            <a:r>
-              <a:rPr lang="es-AR" sz="2000" dirty="0" smtClean="0">
-                <a:latin typeface="Calibri" panose="020F0502020204030204" pitchFamily="34" charset="0"/>
-                <a:ea typeface="Calibri" panose="020F0502020204030204" pitchFamily="34" charset="0"/>
-                <a:cs typeface="Times New Roman" panose="02020603050405020304" pitchFamily="18" charset="0"/>
-              </a:rPr>
-              <a:t>por los </a:t>
-            </a:r>
-            <a:r>
-              <a:rPr lang="es-AR" sz="2000" dirty="0">
-                <a:latin typeface="Calibri" panose="020F0502020204030204" pitchFamily="34" charset="0"/>
-                <a:ea typeface="Calibri" panose="020F0502020204030204" pitchFamily="34" charset="0"/>
-                <a:cs typeface="Times New Roman" panose="02020603050405020304" pitchFamily="18" charset="0"/>
-              </a:rPr>
-              <a:t>cincos estados; </a:t>
-            </a:r>
-            <a:endParaRPr lang="en-US" sz="2000" dirty="0">
-              <a:latin typeface="Calibri" panose="020F0502020204030204" pitchFamily="34" charset="0"/>
-              <a:ea typeface="Calibri" panose="020F0502020204030204" pitchFamily="34" charset="0"/>
-              <a:cs typeface="Times New Roman" panose="02020603050405020304" pitchFamily="18" charset="0"/>
-            </a:endParaRPr>
-          </a:p>
-          <a:p>
-            <a:pPr algn="just">
-              <a:lnSpc>
-                <a:spcPct val="107000"/>
-              </a:lnSpc>
-              <a:spcAft>
-                <a:spcPts val="800"/>
-              </a:spcAft>
-            </a:pPr>
-            <a:r>
-              <a:rPr lang="es-AR" sz="2000" dirty="0">
-                <a:latin typeface="Calibri" panose="020F0502020204030204" pitchFamily="34" charset="0"/>
-                <a:ea typeface="Calibri" panose="020F0502020204030204" pitchFamily="34" charset="0"/>
-                <a:cs typeface="Times New Roman" panose="02020603050405020304" pitchFamily="18" charset="0"/>
-              </a:rPr>
-              <a:t>Nuevo, Listo, Ejecutando, Bloqueado, Saliente</a:t>
-            </a:r>
-            <a:endParaRPr lang="en-US" sz="2000" dirty="0">
-              <a:latin typeface="Calibri" panose="020F0502020204030204" pitchFamily="34" charset="0"/>
-              <a:ea typeface="Calibri" panose="020F0502020204030204" pitchFamily="34" charset="0"/>
-              <a:cs typeface="Times New Roman" panose="02020603050405020304" pitchFamily="18" charset="0"/>
-            </a:endParaRPr>
-          </a:p>
-        </p:txBody>
-      </p:sp>
-      <p:sp>
-        <p:nvSpPr>
-          <p:cNvPr id="14" name="Rectángulo 13"/>
-          <p:cNvSpPr/>
-          <p:nvPr/>
-        </p:nvSpPr>
-        <p:spPr>
-          <a:xfrm>
-            <a:off x="8507518" y="43142"/>
-            <a:ext cx="3589444" cy="369332"/>
-          </a:xfrm>
-          <a:prstGeom prst="rect">
-            <a:avLst/>
-          </a:prstGeom>
-        </p:spPr>
-        <p:txBody>
-          <a:bodyPr wrap="none">
-            <a:spAutoFit/>
-          </a:bodyPr>
-          <a:lstStyle/>
-          <a:p>
-            <a:r>
-              <a:rPr lang="en-US" b="1" dirty="0" err="1"/>
-              <a:t>Planificador</a:t>
-            </a:r>
-            <a:r>
-              <a:rPr lang="en-US" b="1" dirty="0"/>
-              <a:t> De </a:t>
-            </a:r>
-            <a:r>
-              <a:rPr lang="en-US" b="1" dirty="0" err="1"/>
-              <a:t>Corto</a:t>
-            </a:r>
-            <a:r>
-              <a:rPr lang="en-US" b="1" dirty="0"/>
-              <a:t> </a:t>
-            </a:r>
-            <a:r>
-              <a:rPr lang="en-US" b="1" dirty="0" err="1"/>
-              <a:t>Alcance</a:t>
-            </a:r>
-            <a:endParaRPr lang="en-US" dirty="0"/>
-          </a:p>
-        </p:txBody>
-      </p:sp>
-    </p:spTree>
-    <p:extLst>
-      <p:ext uri="{BB962C8B-B14F-4D97-AF65-F5344CB8AC3E}">
-        <p14:creationId xmlns:p14="http://schemas.microsoft.com/office/powerpoint/2010/main" val="170438056"/>
-      </p:ext>
-    </p:extLst>
-  </p:cSld>
-  <p:clrMapOvr>
-    <a:masterClrMapping/>
-  </p:clrMapOvr>
-  <mc:AlternateContent xmlns:mc="http://schemas.openxmlformats.org/markup-compatibility/2006" xmlns:p14="http://schemas.microsoft.com/office/powerpoint/2010/main">
-    <mc:Choice Requires="p14">
-      <p:transition p14:dur="100">
-        <p:cut/>
-      </p:transition>
-    </mc:Choice>
-    <mc:Fallback xmlns="">
-      <p:transition>
-        <p:cut/>
-      </p:transition>
-    </mc:Fallback>
-  </mc:AlternateContent>
   <p:timing>
     <p:tnLst>
       <p:par>
@@ -12189,51 +13201,6 @@
       </p:pic>
       <p:sp>
         <p:nvSpPr>
-          <p:cNvPr id="5" name="Rectángulo 4"/>
-          <p:cNvSpPr/>
-          <p:nvPr/>
-        </p:nvSpPr>
-        <p:spPr>
-          <a:xfrm>
-            <a:off x="8507518" y="43142"/>
-            <a:ext cx="3589444" cy="369332"/>
-          </a:xfrm>
-          <a:prstGeom prst="rect">
-            <a:avLst/>
-          </a:prstGeom>
-        </p:spPr>
-        <p:txBody>
-          <a:bodyPr wrap="none">
-            <a:spAutoFit/>
-          </a:bodyPr>
-          <a:lstStyle/>
-          <a:p>
-            <a:r>
-              <a:rPr lang="en-US" b="1" dirty="0" err="1"/>
-              <a:t>Planificador</a:t>
-            </a:r>
-            <a:r>
-              <a:rPr lang="en-US" b="1" dirty="0"/>
-              <a:t> De </a:t>
-            </a:r>
-            <a:r>
-              <a:rPr lang="en-US" b="1" dirty="0" err="1"/>
-              <a:t>Corto</a:t>
-            </a:r>
-            <a:r>
-              <a:rPr lang="en-US" b="1" dirty="0"/>
-              <a:t> </a:t>
-            </a:r>
-            <a:r>
-              <a:rPr lang="en-US" b="1" dirty="0" err="1"/>
-              <a:t>Alcance</a:t>
-            </a:r>
-            <a:endParaRPr lang="en-US" dirty="0"/>
-          </a:p>
-        </p:txBody>
-      </p:sp>
-      <p:sp>
-        <p:nvSpPr>
           <p:cNvPr id="9" name="Título 9"/>
           <p:cNvSpPr txBox="1">
             <a:spLocks/>
@@ -12348,7 +13315,7 @@
         <p:spPr>
           <a:xfrm>
             <a:off x="7023225" y="1818222"/>
-            <a:ext cx="3998343" cy="2554545"/>
+            <a:ext cx="3998343" cy="1631216"/>
           </a:xfrm>
           <a:prstGeom prst="rect">
             <a:avLst/>
@@ -12360,26 +13327,63 @@
           </a:bodyPr>
           <a:lstStyle/>
           <a:p>
+            <a:pPr algn="just"/>
             <a:r>
               <a:rPr lang="es-AR" sz="2000" dirty="0"/>
-              <a:t>Se muestran todos los métodos del proyecto, cada una resuelve una parte de los módulos útiles para el planificador de corto alcance </a:t>
-            </a:r>
-            <a:endParaRPr lang="es-AR" sz="2000" dirty="0" smtClean="0"/>
-          </a:p>
-          <a:p>
+              <a:t>Se muestran todos los </a:t>
+            </a:r>
+            <a:r>
+              <a:rPr lang="es-AR" sz="2000" dirty="0" err="1" smtClean="0"/>
+              <a:t>mé</a:t>
+            </a:r>
+            <a:r>
+              <a:rPr lang="es-AR" sz="2000" dirty="0" smtClean="0"/>
+              <a:t>- todos </a:t>
+            </a:r>
             <a:r>
               <a:rPr lang="es-AR" sz="2000" dirty="0"/>
-              <a:t>La </a:t>
-            </a:r>
-            <a:r>
-              <a:rPr lang="es-AR" sz="2000" dirty="0" err="1"/>
-              <a:t>cardinalidades</a:t>
+              <a:t>del proyecto, cada una resuelve una parte de los </a:t>
+            </a:r>
+            <a:r>
+              <a:rPr lang="es-AR" sz="2000" dirty="0" err="1" smtClean="0"/>
+              <a:t>mó</a:t>
+            </a:r>
+            <a:r>
+              <a:rPr lang="es-AR" sz="2000" dirty="0" smtClean="0"/>
+              <a:t>- </a:t>
+            </a:r>
+            <a:r>
+              <a:rPr lang="es-AR" sz="2000" dirty="0" err="1" smtClean="0"/>
+              <a:t>dulos</a:t>
+            </a:r>
+            <a:r>
+              <a:rPr lang="es-AR" sz="2000" dirty="0" smtClean="0"/>
+              <a:t> </a:t>
             </a:r>
             <a:r>
               <a:rPr lang="es-AR" sz="2000" dirty="0"/>
-              <a:t> se considerarán de tal forma para abstraer complejidades </a:t>
-            </a:r>
-            <a:endParaRPr lang="en-US" sz="2000" dirty="0"/>
+              <a:t>útiles para el </a:t>
+            </a:r>
+            <a:r>
+              <a:rPr lang="es-AR" sz="2000" dirty="0" smtClean="0"/>
+              <a:t>planifica- </a:t>
+            </a:r>
+            <a:r>
+              <a:rPr lang="es-AR" sz="2000" dirty="0" err="1" smtClean="0"/>
+              <a:t>dor</a:t>
+            </a:r>
+            <a:r>
+              <a:rPr lang="es-AR" sz="2000" dirty="0" smtClean="0"/>
+              <a:t> </a:t>
+            </a:r>
+            <a:r>
+              <a:rPr lang="es-AR" sz="2000" dirty="0"/>
+              <a:t>de corto </a:t>
+            </a:r>
+            <a:r>
+              <a:rPr lang="es-AR" sz="2000" dirty="0" smtClean="0"/>
+              <a:t>alcance.</a:t>
+            </a:r>
           </a:p>
         </p:txBody>
       </p:sp>
@@ -12411,6 +13415,39 @@
           <a:p>
             <a:pPr algn="ctr"/>
             <a:endParaRPr lang="en-US" b="1" dirty="0" err="1" smtClean="0"/>
+          </a:p>
+        </p:txBody>
+      </p:sp>
+      <p:sp>
+        <p:nvSpPr>
+          <p:cNvPr id="7" name="Rectángulo 6"/>
+          <p:cNvSpPr/>
+          <p:nvPr/>
+        </p:nvSpPr>
+        <p:spPr>
+          <a:xfrm>
+            <a:off x="8750032" y="0"/>
+            <a:ext cx="3441968" cy="369332"/>
+          </a:xfrm>
+          <a:prstGeom prst="rect">
+            <a:avLst/>
+          </a:prstGeom>
+        </p:spPr>
+        <p:txBody>
+          <a:bodyPr wrap="none">
+            <a:spAutoFit/>
+          </a:bodyPr>
+          <a:lstStyle/>
+          <a:p>
+            <a:r>
+              <a:rPr lang="en-US" b="1" dirty="0" smtClean="0"/>
+              <a:t>PLANIFICADOR DE </a:t>
+            </a:r>
+            <a:r>
+              <a:rPr lang="es-AR" b="1" dirty="0" smtClean="0"/>
+              <a:t>PROCESOS</a:t>
+            </a:r>
+            <a:endParaRPr lang="en-US" dirty="0"/>
           </a:p>
         </p:txBody>
       </p:sp>
@@ -12726,51 +13763,6 @@
       </p:sp>
       <p:sp>
         <p:nvSpPr>
-          <p:cNvPr id="7" name="Rectángulo 6"/>
-          <p:cNvSpPr/>
-          <p:nvPr/>
-        </p:nvSpPr>
-        <p:spPr>
-          <a:xfrm>
-            <a:off x="8507518" y="43142"/>
-            <a:ext cx="3589444" cy="369332"/>
-          </a:xfrm>
-          <a:prstGeom prst="rect">
-            <a:avLst/>
-          </a:prstGeom>
-        </p:spPr>
-        <p:txBody>
-          <a:bodyPr wrap="none">
-            <a:spAutoFit/>
-          </a:bodyPr>
-          <a:lstStyle/>
-          <a:p>
-            <a:r>
-              <a:rPr lang="en-US" b="1" dirty="0" err="1"/>
-              <a:t>Planificador</a:t>
-            </a:r>
-            <a:r>
-              <a:rPr lang="en-US" b="1" dirty="0"/>
-              <a:t> De </a:t>
-            </a:r>
-            <a:r>
-              <a:rPr lang="en-US" b="1" dirty="0" err="1"/>
-              <a:t>Corto</a:t>
-            </a:r>
-            <a:r>
-              <a:rPr lang="en-US" b="1" dirty="0"/>
-              <a:t> </a:t>
-            </a:r>
-            <a:r>
-              <a:rPr lang="en-US" b="1" dirty="0" err="1"/>
-              <a:t>Alcance</a:t>
-            </a:r>
-            <a:endParaRPr lang="en-US" dirty="0"/>
-          </a:p>
-        </p:txBody>
-      </p:sp>
-      <p:sp>
-        <p:nvSpPr>
           <p:cNvPr id="9" name="Rectángulo 8"/>
           <p:cNvSpPr/>
           <p:nvPr/>
@@ -12827,6 +13819,39 @@
               <a:ea typeface="Calibri" panose="020F0502020204030204" pitchFamily="34" charset="0"/>
               <a:cs typeface="Times New Roman" panose="02020603050405020304" pitchFamily="18" charset="0"/>
             </a:endParaRPr>
+          </a:p>
+        </p:txBody>
+      </p:sp>
+      <p:sp>
+        <p:nvSpPr>
+          <p:cNvPr id="8" name="Rectángulo 7"/>
+          <p:cNvSpPr/>
+          <p:nvPr/>
+        </p:nvSpPr>
+        <p:spPr>
+          <a:xfrm>
+            <a:off x="8750032" y="0"/>
+            <a:ext cx="3441968" cy="369332"/>
+          </a:xfrm>
+          <a:prstGeom prst="rect">
+            <a:avLst/>
+          </a:prstGeom>
+        </p:spPr>
+        <p:txBody>
+          <a:bodyPr wrap="none">
+            <a:spAutoFit/>
+          </a:bodyPr>
+          <a:lstStyle/>
+          <a:p>
+            <a:r>
+              <a:rPr lang="en-US" b="1" dirty="0" smtClean="0"/>
+              <a:t>PLANIFICADOR DE </a:t>
+            </a:r>
+            <a:r>
+              <a:rPr lang="es-AR" b="1" dirty="0" smtClean="0"/>
+              <a:t>PROCESOS</a:t>
+            </a:r>
+            <a:endParaRPr lang="en-US" dirty="0"/>
           </a:p>
         </p:txBody>
       </p:sp>
@@ -12969,51 +13994,6 @@
       </p:sp>
       <p:sp>
         <p:nvSpPr>
-          <p:cNvPr id="13" name="Rectángulo 12"/>
-          <p:cNvSpPr/>
-          <p:nvPr/>
-        </p:nvSpPr>
-        <p:spPr>
-          <a:xfrm>
-            <a:off x="8507518" y="43142"/>
-            <a:ext cx="3589444" cy="369332"/>
-          </a:xfrm>
-          <a:prstGeom prst="rect">
-            <a:avLst/>
-          </a:prstGeom>
-        </p:spPr>
-        <p:txBody>
-          <a:bodyPr wrap="none">
-            <a:spAutoFit/>
-          </a:bodyPr>
-          <a:lstStyle/>
-          <a:p>
-            <a:r>
-              <a:rPr lang="en-US" b="1" dirty="0" err="1"/>
-              <a:t>Planificador</a:t>
-            </a:r>
-            <a:r>
-              <a:rPr lang="en-US" b="1" dirty="0"/>
-              <a:t> De </a:t>
-            </a:r>
-            <a:r>
-              <a:rPr lang="en-US" b="1" dirty="0" err="1"/>
-              <a:t>Corto</a:t>
-            </a:r>
-            <a:r>
-              <a:rPr lang="en-US" b="1" dirty="0"/>
-              <a:t> </a:t>
-            </a:r>
-            <a:r>
-              <a:rPr lang="en-US" b="1" dirty="0" err="1"/>
-              <a:t>Alcance</a:t>
-            </a:r>
-            <a:endParaRPr lang="en-US" dirty="0"/>
-          </a:p>
-        </p:txBody>
-      </p:sp>
-      <p:sp>
-        <p:nvSpPr>
           <p:cNvPr id="2" name="Rectángulo 1"/>
           <p:cNvSpPr/>
           <p:nvPr/>
@@ -13088,6 +14068,39 @@
                 <a:schemeClr val="bg1"/>
               </a:solidFill>
             </a:endParaRPr>
+          </a:p>
+        </p:txBody>
+      </p:sp>
+      <p:sp>
+        <p:nvSpPr>
+          <p:cNvPr id="8" name="Rectángulo 7"/>
+          <p:cNvSpPr/>
+          <p:nvPr/>
+        </p:nvSpPr>
+        <p:spPr>
+          <a:xfrm>
+            <a:off x="8750032" y="0"/>
+            <a:ext cx="3441968" cy="369332"/>
+          </a:xfrm>
+          <a:prstGeom prst="rect">
+            <a:avLst/>
+          </a:prstGeom>
+        </p:spPr>
+        <p:txBody>
+          <a:bodyPr wrap="none">
+            <a:spAutoFit/>
+          </a:bodyPr>
+          <a:lstStyle/>
+          <a:p>
+            <a:r>
+              <a:rPr lang="en-US" b="1" dirty="0" smtClean="0"/>
+              <a:t>PLANIFICADOR DE </a:t>
+            </a:r>
+            <a:r>
+              <a:rPr lang="es-AR" b="1" dirty="0" smtClean="0"/>
+              <a:t>PROCESOS</a:t>
+            </a:r>
+            <a:endParaRPr lang="en-US" dirty="0"/>
           </a:p>
         </p:txBody>
       </p:sp>
@@ -13301,9 +14314,250 @@
           <a:chExt cx="0" cy="0"/>
         </a:xfrm>
       </p:grpSpPr>
+      <p:sp>
+        <p:nvSpPr>
+          <p:cNvPr id="6" name="Título 6"/>
+          <p:cNvSpPr txBox="1">
+            <a:spLocks/>
+          </p:cNvSpPr>
+          <p:nvPr/>
+        </p:nvSpPr>
+        <p:spPr>
+          <a:xfrm>
+            <a:off x="684212" y="685802"/>
+            <a:ext cx="10578520" cy="841916"/>
+          </a:xfrm>
+          <a:prstGeom prst="rect">
+            <a:avLst/>
+          </a:prstGeom>
+          <a:effectLst/>
+        </p:spPr>
+        <p:txBody>
+          <a:bodyPr vert="horz" lIns="91440" tIns="45720" rIns="91440" bIns="45720" rtlCol="0" anchor="ctr">
+            <a:normAutofit/>
+          </a:bodyPr>
+          <a:lstStyle>
+            <a:lvl1pPr algn="l" defTabSz="457200" rtl="0" eaLnBrk="1" latinLnBrk="0" hangingPunct="1">
+              <a:spcBef>
+                <a:spcPct val="0"/>
+              </a:spcBef>
+              <a:buNone/>
+              <a:defRPr sz="3600" kern="1200" cap="all">
+                <a:ln w="3175" cmpd="sng">
+                  <a:noFill/>
+                </a:ln>
+                <a:solidFill>
+                  <a:schemeClr val="tx1"/>
+                </a:solidFill>
+                <a:effectLst/>
+                <a:latin typeface="+mj-lt"/>
+                <a:ea typeface="+mj-ea"/>
+                <a:cs typeface="+mj-cs"/>
+              </a:defRPr>
+            </a:lvl1pPr>
+            <a:lvl2pPr eaLnBrk="1" hangingPunct="1">
+              <a:defRPr>
+                <a:solidFill>
+                  <a:schemeClr val="tx2"/>
+                </a:solidFill>
+              </a:defRPr>
+            </a:lvl2pPr>
+            <a:lvl3pPr eaLnBrk="1" hangingPunct="1">
+              <a:defRPr>
+                <a:solidFill>
+                  <a:schemeClr val="tx2"/>
+                </a:solidFill>
+              </a:defRPr>
+            </a:lvl3pPr>
+            <a:lvl4pPr eaLnBrk="1" hangingPunct="1">
+              <a:defRPr>
+                <a:solidFill>
+                  <a:schemeClr val="tx2"/>
+                </a:solidFill>
+              </a:defRPr>
+            </a:lvl4pPr>
+            <a:lvl5pPr eaLnBrk="1" hangingPunct="1">
+              <a:defRPr>
+                <a:solidFill>
+                  <a:schemeClr val="tx2"/>
+                </a:solidFill>
+              </a:defRPr>
+            </a:lvl5pPr>
+            <a:lvl6pPr eaLnBrk="1" hangingPunct="1">
+              <a:defRPr>
+                <a:solidFill>
+                  <a:schemeClr val="tx2"/>
+                </a:solidFill>
+              </a:defRPr>
+            </a:lvl6pPr>
+            <a:lvl7pPr eaLnBrk="1" hangingPunct="1">
+              <a:defRPr>
+                <a:solidFill>
+                  <a:schemeClr val="tx2"/>
+                </a:solidFill>
+              </a:defRPr>
+            </a:lvl7pPr>
+            <a:lvl8pPr eaLnBrk="1" hangingPunct="1">
+              <a:defRPr>
+                <a:solidFill>
+                  <a:schemeClr val="tx2"/>
+                </a:solidFill>
+              </a:defRPr>
+            </a:lvl8pPr>
+            <a:lvl9pPr eaLnBrk="1" hangingPunct="1">
+              <a:defRPr>
+                <a:solidFill>
+                  <a:schemeClr val="tx2"/>
+                </a:solidFill>
+              </a:defRPr>
+            </a:lvl9pPr>
+          </a:lstStyle>
+          <a:p>
+            <a:r>
+              <a:rPr lang="es-AR" sz="2400" smtClean="0"/>
+              <a:t>Resultados de Simulación del Planificador de Procesos</a:t>
+            </a:r>
+            <a:endParaRPr lang="en-US" sz="2400" dirty="0"/>
+          </a:p>
+        </p:txBody>
+      </p:sp>
+      <p:sp>
+        <p:nvSpPr>
+          <p:cNvPr id="8" name="Rectángulo 7"/>
+          <p:cNvSpPr/>
+          <p:nvPr/>
+        </p:nvSpPr>
+        <p:spPr>
+          <a:xfrm>
+            <a:off x="7202197" y="1593514"/>
+            <a:ext cx="4060535" cy="3170099"/>
+          </a:xfrm>
+          <a:prstGeom prst="rect">
+            <a:avLst/>
+          </a:prstGeom>
+        </p:spPr>
+        <p:txBody>
+          <a:bodyPr wrap="square">
+            <a:spAutoFit/>
+          </a:bodyPr>
+          <a:lstStyle/>
+          <a:p>
+            <a:pPr algn="just"/>
+            <a:r>
+              <a:rPr lang="es-AR" sz="2000" dirty="0" smtClean="0"/>
+              <a:t>Al pasar los parámetros a </a:t>
+            </a:r>
+            <a:r>
+              <a:rPr lang="es-AR" sz="2000" dirty="0"/>
+              <a:t>la Clase </a:t>
+            </a:r>
+            <a:r>
+              <a:rPr lang="es-AR" sz="2000" b="1" dirty="0"/>
+              <a:t>admP1</a:t>
+            </a:r>
+            <a:r>
+              <a:rPr lang="es-AR" sz="2000" dirty="0"/>
+              <a:t> con el </a:t>
+            </a:r>
+            <a:r>
+              <a:rPr lang="es-AR" sz="2000" dirty="0" smtClean="0"/>
+              <a:t>método </a:t>
+            </a:r>
+            <a:r>
+              <a:rPr lang="es-AR" sz="2000" b="1" dirty="0" err="1" smtClean="0"/>
+              <a:t>agregarProceso</a:t>
+            </a:r>
+            <a:r>
+              <a:rPr lang="es-AR" sz="2000" b="1" dirty="0" smtClean="0"/>
+              <a:t>(</a:t>
+            </a:r>
+            <a:r>
+              <a:rPr lang="en-US" sz="2000" b="1" dirty="0" err="1"/>
+              <a:t>nombreProceso</a:t>
+            </a:r>
+            <a:r>
+              <a:rPr lang="es-AR" sz="2000" b="1" dirty="0" smtClean="0"/>
+              <a:t>, </a:t>
+            </a:r>
+            <a:r>
+              <a:rPr lang="es-AR" sz="2000" b="1" dirty="0" err="1"/>
+              <a:t>comienzaTiempo</a:t>
+            </a:r>
+            <a:r>
+              <a:rPr lang="es-AR" sz="2000" b="1" dirty="0"/>
+              <a:t>, </a:t>
+            </a:r>
+            <a:r>
+              <a:rPr lang="es-AR" sz="2000" b="1" dirty="0" err="1" smtClean="0"/>
+              <a:t>iCPU</a:t>
+            </a:r>
+            <a:r>
+              <a:rPr lang="es-AR" sz="2000" b="1" dirty="0"/>
+              <a:t>, </a:t>
+            </a:r>
+            <a:r>
+              <a:rPr lang="es-AR" sz="2000" b="1" dirty="0" err="1"/>
+              <a:t>eyS</a:t>
+            </a:r>
+            <a:r>
+              <a:rPr lang="es-AR" sz="2000" b="1" dirty="0"/>
+              <a:t>, </a:t>
+            </a:r>
+            <a:r>
+              <a:rPr lang="es-AR" sz="2000" b="1" dirty="0" err="1"/>
+              <a:t>fCPU</a:t>
+            </a:r>
+            <a:r>
+              <a:rPr lang="es-AR" sz="2000" b="1" dirty="0"/>
+              <a:t>, prioridad</a:t>
+            </a:r>
+            <a:r>
+              <a:rPr lang="es-AR" sz="2000" b="1" dirty="0" smtClean="0"/>
+              <a:t>) </a:t>
+            </a:r>
+            <a:r>
+              <a:rPr lang="es-AR" sz="2000" dirty="0" smtClean="0"/>
+              <a:t>será útil para el Método </a:t>
+            </a:r>
+            <a:r>
+              <a:rPr lang="es-AR" sz="2000" b="1" dirty="0" err="1" smtClean="0"/>
+              <a:t>mostrarPlanificador</a:t>
+            </a:r>
+            <a:r>
+              <a:rPr lang="es-AR" sz="2000" dirty="0" smtClean="0"/>
+              <a:t> que </a:t>
+            </a:r>
+            <a:r>
+              <a:rPr lang="es-AR" sz="2000" dirty="0"/>
+              <a:t>resuelve la complejidad del ejercicio </a:t>
+            </a:r>
+            <a:r>
+              <a:rPr lang="es-AR" sz="2000" dirty="0" smtClean="0"/>
+              <a:t>así el planificador </a:t>
+            </a:r>
+            <a:r>
+              <a:rPr lang="es-AR" sz="2000" dirty="0"/>
+              <a:t>de corto </a:t>
+            </a:r>
+            <a:r>
+              <a:rPr lang="es-AR" sz="2000" dirty="0" smtClean="0"/>
+              <a:t>alcance </a:t>
+            </a:r>
+            <a:r>
+              <a:rPr lang="es-AR" sz="2000" dirty="0"/>
+              <a:t>(en este caso FIFO</a:t>
+            </a:r>
+            <a:r>
+              <a:rPr lang="es-AR" sz="2000" dirty="0" smtClean="0"/>
+              <a:t>)</a:t>
+            </a:r>
+            <a:endParaRPr lang="en-US" sz="2000" dirty="0"/>
+          </a:p>
+        </p:txBody>
+      </p:sp>
       <p:pic>
         <p:nvPicPr>
-          <p:cNvPr id="5" name="Marcador de contenido 4"/>
+          <p:cNvPr id="4" name="Marcador de contenido 3"/>
           <p:cNvPicPr>
             <a:picLocks noGrp="1" noChangeAspect="1"/>
           </p:cNvPicPr>
@@ -13325,302 +14579,21 @@
         </p:blipFill>
         <p:spPr>
           <a:xfrm>
-            <a:off x="684211" y="1593515"/>
-            <a:ext cx="5058885" cy="4762679"/>
+            <a:off x="684211" y="1593514"/>
+            <a:ext cx="6517985" cy="4905443"/>
           </a:xfrm>
         </p:spPr>
       </p:pic>
       <p:sp>
         <p:nvSpPr>
-          <p:cNvPr id="6" name="Título 6"/>
-          <p:cNvSpPr txBox="1">
-            <a:spLocks/>
-          </p:cNvSpPr>
-          <p:nvPr/>
-        </p:nvSpPr>
-        <p:spPr>
-          <a:xfrm>
-            <a:off x="684212" y="685802"/>
-            <a:ext cx="10578520" cy="841916"/>
-          </a:xfrm>
-          <a:prstGeom prst="rect">
-            <a:avLst/>
-          </a:prstGeom>
-          <a:effectLst/>
-        </p:spPr>
-        <p:txBody>
-          <a:bodyPr vert="horz" lIns="91440" tIns="45720" rIns="91440" bIns="45720" rtlCol="0" anchor="ctr">
-            <a:normAutofit/>
-          </a:bodyPr>
-          <a:lstStyle>
-            <a:lvl1pPr algn="l" defTabSz="457200" rtl="0" eaLnBrk="1" latinLnBrk="0" hangingPunct="1">
-              <a:spcBef>
-                <a:spcPct val="0"/>
-              </a:spcBef>
-              <a:buNone/>
-              <a:defRPr sz="3600" kern="1200" cap="all">
-                <a:ln w="3175" cmpd="sng">
-                  <a:noFill/>
-                </a:ln>
-                <a:solidFill>
-                  <a:schemeClr val="tx1"/>
-                </a:solidFill>
-                <a:effectLst/>
-                <a:latin typeface="+mj-lt"/>
-                <a:ea typeface="+mj-ea"/>
-                <a:cs typeface="+mj-cs"/>
-              </a:defRPr>
-            </a:lvl1pPr>
-            <a:lvl2pPr eaLnBrk="1" hangingPunct="1">
-              <a:defRPr>
-                <a:solidFill>
-                  <a:schemeClr val="tx2"/>
-                </a:solidFill>
-              </a:defRPr>
-            </a:lvl2pPr>
-            <a:lvl3pPr eaLnBrk="1" hangingPunct="1">
-              <a:defRPr>
-                <a:solidFill>
-                  <a:schemeClr val="tx2"/>
-                </a:solidFill>
-              </a:defRPr>
-            </a:lvl3pPr>
-            <a:lvl4pPr eaLnBrk="1" hangingPunct="1">
-              <a:defRPr>
-                <a:solidFill>
-                  <a:schemeClr val="tx2"/>
-                </a:solidFill>
-              </a:defRPr>
-            </a:lvl4pPr>
-            <a:lvl5pPr eaLnBrk="1" hangingPunct="1">
-              <a:defRPr>
-                <a:solidFill>
-                  <a:schemeClr val="tx2"/>
-                </a:solidFill>
-              </a:defRPr>
-            </a:lvl5pPr>
-            <a:lvl6pPr eaLnBrk="1" hangingPunct="1">
-              <a:defRPr>
-                <a:solidFill>
-                  <a:schemeClr val="tx2"/>
-                </a:solidFill>
-              </a:defRPr>
-            </a:lvl6pPr>
-            <a:lvl7pPr eaLnBrk="1" hangingPunct="1">
-              <a:defRPr>
-                <a:solidFill>
-                  <a:schemeClr val="tx2"/>
-                </a:solidFill>
-              </a:defRPr>
-            </a:lvl7pPr>
-            <a:lvl8pPr eaLnBrk="1" hangingPunct="1">
-              <a:defRPr>
-                <a:solidFill>
-                  <a:schemeClr val="tx2"/>
-                </a:solidFill>
-              </a:defRPr>
-            </a:lvl8pPr>
-            <a:lvl9pPr eaLnBrk="1" hangingPunct="1">
-              <a:defRPr>
-                <a:solidFill>
-                  <a:schemeClr val="tx2"/>
-                </a:solidFill>
-              </a:defRPr>
-            </a:lvl9pPr>
-          </a:lstStyle>
-          <a:p>
-            <a:r>
-              <a:rPr lang="es-AR" sz="2400" smtClean="0"/>
-              <a:t>Resultados de Simulación del Planificador de Procesos</a:t>
-            </a:r>
-            <a:endParaRPr lang="en-US" sz="2400" dirty="0"/>
-          </a:p>
-        </p:txBody>
-      </p:sp>
-      <p:sp>
-        <p:nvSpPr>
-          <p:cNvPr id="8" name="Rectángulo 7"/>
-          <p:cNvSpPr/>
-          <p:nvPr/>
-        </p:nvSpPr>
-        <p:spPr>
-          <a:xfrm>
-            <a:off x="6209738" y="1593515"/>
-            <a:ext cx="4060535" cy="3477875"/>
-          </a:xfrm>
-          <a:prstGeom prst="rect">
-            <a:avLst/>
-          </a:prstGeom>
-        </p:spPr>
-        <p:txBody>
-          <a:bodyPr wrap="square">
-            <a:spAutoFit/>
-          </a:bodyPr>
-          <a:lstStyle/>
-          <a:p>
-            <a:r>
-              <a:rPr lang="es-AR" sz="2000" dirty="0" smtClean="0"/>
-              <a:t>Al pasar los parámetros a </a:t>
-            </a:r>
-            <a:r>
-              <a:rPr lang="es-AR" sz="2000" dirty="0"/>
-              <a:t>la Clase admP1 con el </a:t>
-            </a:r>
-            <a:r>
-              <a:rPr lang="es-AR" sz="2000" dirty="0" smtClean="0"/>
-              <a:t>método </a:t>
-            </a:r>
-            <a:r>
-              <a:rPr lang="es-AR" sz="2000" dirty="0" err="1" smtClean="0"/>
-              <a:t>agregarProceso</a:t>
-            </a:r>
-            <a:r>
-              <a:rPr lang="es-AR" sz="2000" dirty="0" smtClean="0"/>
-              <a:t>(</a:t>
-            </a:r>
-            <a:r>
-              <a:rPr lang="en-US" sz="2000" dirty="0" err="1"/>
-              <a:t>nombreProceso</a:t>
-            </a:r>
-            <a:r>
-              <a:rPr lang="es-AR" sz="2000" dirty="0" smtClean="0"/>
-              <a:t>, </a:t>
-            </a:r>
-            <a:r>
-              <a:rPr lang="es-AR" sz="2000" dirty="0" err="1"/>
-              <a:t>comienzaTiempo</a:t>
-            </a:r>
-            <a:r>
-              <a:rPr lang="es-AR" sz="2000" dirty="0"/>
-              <a:t>, </a:t>
-            </a:r>
-            <a:r>
-              <a:rPr lang="es-AR" sz="2000" dirty="0" err="1" smtClean="0"/>
-              <a:t>iCPU</a:t>
-            </a:r>
-            <a:r>
-              <a:rPr lang="es-AR" sz="2000" dirty="0"/>
-              <a:t>, </a:t>
-            </a:r>
-            <a:r>
-              <a:rPr lang="es-AR" sz="2000" dirty="0" err="1"/>
-              <a:t>eyS</a:t>
-            </a:r>
-            <a:r>
-              <a:rPr lang="es-AR" sz="2000" dirty="0"/>
-              <a:t>, </a:t>
-            </a:r>
-            <a:r>
-              <a:rPr lang="es-AR" sz="2000" dirty="0" err="1"/>
-              <a:t>fCPU</a:t>
-            </a:r>
-            <a:r>
-              <a:rPr lang="es-AR" sz="2000" dirty="0"/>
-              <a:t>, prioridad</a:t>
-            </a:r>
-            <a:r>
-              <a:rPr lang="es-AR" sz="2000" dirty="0" smtClean="0"/>
-              <a:t>) será útil para el </a:t>
-            </a:r>
-            <a:r>
-              <a:rPr lang="es-AR" sz="2000" dirty="0"/>
-              <a:t>Método estático </a:t>
-            </a:r>
-            <a:r>
-              <a:rPr lang="es-AR" sz="2000" dirty="0" err="1"/>
-              <a:t>mostrarAlgoritmo</a:t>
-            </a:r>
-            <a:r>
-              <a:rPr lang="es-AR" sz="2000" dirty="0"/>
-              <a:t> </a:t>
-            </a:r>
-            <a:r>
-              <a:rPr lang="es-AR" sz="2000" dirty="0" smtClean="0"/>
-              <a:t>que </a:t>
-            </a:r>
-            <a:r>
-              <a:rPr lang="es-AR" sz="2000" dirty="0"/>
-              <a:t>resuelve la complejidad del ejercicio </a:t>
-            </a:r>
-            <a:r>
-              <a:rPr lang="es-AR" sz="2000" dirty="0" smtClean="0"/>
-              <a:t>usando un método del planificador </a:t>
-            </a:r>
-            <a:r>
-              <a:rPr lang="es-AR" sz="2000" dirty="0"/>
-              <a:t>de corto </a:t>
-            </a:r>
-            <a:r>
-              <a:rPr lang="es-AR" sz="2000" dirty="0" smtClean="0"/>
-              <a:t>alcance </a:t>
-            </a:r>
-            <a:r>
-              <a:rPr lang="es-AR" sz="2000" dirty="0"/>
-              <a:t>(en este caso FIFO)</a:t>
-            </a:r>
-            <a:r>
-              <a:rPr lang="es-AR" sz="2000" dirty="0" smtClean="0"/>
-              <a:t>.</a:t>
-            </a:r>
-            <a:endParaRPr lang="en-US" sz="2000" dirty="0"/>
-          </a:p>
-        </p:txBody>
-      </p:sp>
-      <p:sp>
-        <p:nvSpPr>
-          <p:cNvPr id="15" name="Rectángulo 14"/>
-          <p:cNvSpPr/>
-          <p:nvPr/>
-        </p:nvSpPr>
-        <p:spPr>
-          <a:xfrm>
-            <a:off x="8507518" y="43142"/>
-            <a:ext cx="3589444" cy="369332"/>
-          </a:xfrm>
-          <a:prstGeom prst="rect">
-            <a:avLst/>
-          </a:prstGeom>
-        </p:spPr>
-        <p:txBody>
-          <a:bodyPr wrap="none">
-            <a:spAutoFit/>
-          </a:bodyPr>
-          <a:lstStyle/>
-          <a:p>
-            <a:r>
-              <a:rPr lang="en-US" b="1" dirty="0" err="1"/>
-              <a:t>Planificador</a:t>
-            </a:r>
-            <a:r>
-              <a:rPr lang="en-US" b="1" dirty="0"/>
-              <a:t> De </a:t>
-            </a:r>
-            <a:r>
-              <a:rPr lang="en-US" b="1" dirty="0" err="1"/>
-              <a:t>Corto</a:t>
-            </a:r>
-            <a:r>
-              <a:rPr lang="en-US" b="1" dirty="0"/>
-              <a:t> </a:t>
-            </a:r>
-            <a:r>
-              <a:rPr lang="en-US" b="1" dirty="0" err="1"/>
-              <a:t>Alcance</a:t>
-            </a:r>
-            <a:endParaRPr lang="en-US" dirty="0"/>
-          </a:p>
-        </p:txBody>
-      </p:sp>
-      <p:sp>
-        <p:nvSpPr>
           <p:cNvPr id="2" name="Rectángulo 1"/>
           <p:cNvSpPr/>
           <p:nvPr/>
         </p:nvSpPr>
         <p:spPr>
           <a:xfrm>
-            <a:off x="1326995" y="4795024"/>
-            <a:ext cx="2330605" cy="144966"/>
+            <a:off x="1339695" y="5270500"/>
+            <a:ext cx="3816505" cy="158440"/>
           </a:xfrm>
           <a:prstGeom prst="rect">
             <a:avLst/>
@@ -13639,6 +14612,39 @@
           <a:p>
             <a:pPr algn="ctr"/>
             <a:endParaRPr lang="en-US" b="1" dirty="0" err="1" smtClean="0"/>
+          </a:p>
+        </p:txBody>
+      </p:sp>
+      <p:sp>
+        <p:nvSpPr>
+          <p:cNvPr id="7" name="Rectángulo 6"/>
+          <p:cNvSpPr/>
+          <p:nvPr/>
+        </p:nvSpPr>
+        <p:spPr>
+          <a:xfrm>
+            <a:off x="8750032" y="0"/>
+            <a:ext cx="3441968" cy="369332"/>
+          </a:xfrm>
+          <a:prstGeom prst="rect">
+            <a:avLst/>
+          </a:prstGeom>
+        </p:spPr>
+        <p:txBody>
+          <a:bodyPr wrap="none">
+            <a:spAutoFit/>
+          </a:bodyPr>
+          <a:lstStyle/>
+          <a:p>
+            <a:r>
+              <a:rPr lang="en-US" b="1" dirty="0" smtClean="0"/>
+              <a:t>PLANIFICADOR DE </a:t>
+            </a:r>
+            <a:r>
+              <a:rPr lang="es-AR" b="1" dirty="0" smtClean="0"/>
+              <a:t>PROCESOS</a:t>
+            </a:r>
+            <a:endParaRPr lang="en-US" dirty="0"/>
           </a:p>
         </p:txBody>
       </p:sp>
@@ -13725,7 +14731,7 @@
                               <p:par>
                                 <p:cTn id="8" presetID="53" presetClass="entr" presetSubtype="16" fill="hold" grpId="0" nodeType="withEffect">
                                   <p:stCondLst>
-                                    <p:cond delay="6800"/>
+                                    <p:cond delay="4900"/>
                                   </p:stCondLst>
                                   <p:childTnLst>
                                     <p:set>
@@ -13855,9 +14861,421 @@
           <a:chExt cx="0" cy="0"/>
         </a:xfrm>
       </p:grpSpPr>
+      <p:sp>
+        <p:nvSpPr>
+          <p:cNvPr id="6" name="Título 6"/>
+          <p:cNvSpPr txBox="1">
+            <a:spLocks/>
+          </p:cNvSpPr>
+          <p:nvPr/>
+        </p:nvSpPr>
+        <p:spPr>
+          <a:xfrm>
+            <a:off x="684212" y="685802"/>
+            <a:ext cx="10578520" cy="841916"/>
+          </a:xfrm>
+          <a:prstGeom prst="rect">
+            <a:avLst/>
+          </a:prstGeom>
+          <a:effectLst/>
+        </p:spPr>
+        <p:txBody>
+          <a:bodyPr vert="horz" lIns="91440" tIns="45720" rIns="91440" bIns="45720" rtlCol="0" anchor="ctr">
+            <a:normAutofit/>
+          </a:bodyPr>
+          <a:lstStyle>
+            <a:lvl1pPr algn="l" defTabSz="457200" rtl="0" eaLnBrk="1" latinLnBrk="0" hangingPunct="1">
+              <a:spcBef>
+                <a:spcPct val="0"/>
+              </a:spcBef>
+              <a:buNone/>
+              <a:defRPr sz="3600" kern="1200" cap="all">
+                <a:ln w="3175" cmpd="sng">
+                  <a:noFill/>
+                </a:ln>
+                <a:solidFill>
+                  <a:schemeClr val="tx1"/>
+                </a:solidFill>
+                <a:effectLst/>
+                <a:latin typeface="+mj-lt"/>
+                <a:ea typeface="+mj-ea"/>
+                <a:cs typeface="+mj-cs"/>
+              </a:defRPr>
+            </a:lvl1pPr>
+            <a:lvl2pPr eaLnBrk="1" hangingPunct="1">
+              <a:defRPr>
+                <a:solidFill>
+                  <a:schemeClr val="tx2"/>
+                </a:solidFill>
+              </a:defRPr>
+            </a:lvl2pPr>
+            <a:lvl3pPr eaLnBrk="1" hangingPunct="1">
+              <a:defRPr>
+                <a:solidFill>
+                  <a:schemeClr val="tx2"/>
+                </a:solidFill>
+              </a:defRPr>
+            </a:lvl3pPr>
+            <a:lvl4pPr eaLnBrk="1" hangingPunct="1">
+              <a:defRPr>
+                <a:solidFill>
+                  <a:schemeClr val="tx2"/>
+                </a:solidFill>
+              </a:defRPr>
+            </a:lvl4pPr>
+            <a:lvl5pPr eaLnBrk="1" hangingPunct="1">
+              <a:defRPr>
+                <a:solidFill>
+                  <a:schemeClr val="tx2"/>
+                </a:solidFill>
+              </a:defRPr>
+            </a:lvl5pPr>
+            <a:lvl6pPr eaLnBrk="1" hangingPunct="1">
+              <a:defRPr>
+                <a:solidFill>
+                  <a:schemeClr val="tx2"/>
+                </a:solidFill>
+              </a:defRPr>
+            </a:lvl6pPr>
+            <a:lvl7pPr eaLnBrk="1" hangingPunct="1">
+              <a:defRPr>
+                <a:solidFill>
+                  <a:schemeClr val="tx2"/>
+                </a:solidFill>
+              </a:defRPr>
+            </a:lvl7pPr>
+            <a:lvl8pPr eaLnBrk="1" hangingPunct="1">
+              <a:defRPr>
+                <a:solidFill>
+                  <a:schemeClr val="tx2"/>
+                </a:solidFill>
+              </a:defRPr>
+            </a:lvl8pPr>
+            <a:lvl9pPr eaLnBrk="1" hangingPunct="1">
+              <a:defRPr>
+                <a:solidFill>
+                  <a:schemeClr val="tx2"/>
+                </a:solidFill>
+              </a:defRPr>
+            </a:lvl9pPr>
+          </a:lstStyle>
+          <a:p>
+            <a:r>
+              <a:rPr lang="es-AR" sz="2400" dirty="0" smtClean="0"/>
+              <a:t>Los parámetros de la </a:t>
+            </a:r>
+            <a:endParaRPr lang="en-US" sz="2400" dirty="0"/>
+          </a:p>
+        </p:txBody>
+      </p:sp>
+      <p:sp>
+        <p:nvSpPr>
+          <p:cNvPr id="8" name="Rectángulo 7"/>
+          <p:cNvSpPr/>
+          <p:nvPr/>
+        </p:nvSpPr>
+        <p:spPr>
+          <a:xfrm>
+            <a:off x="7202196" y="1593514"/>
+            <a:ext cx="4305626" cy="646331"/>
+          </a:xfrm>
+          <a:prstGeom prst="rect">
+            <a:avLst/>
+          </a:prstGeom>
+        </p:spPr>
+        <p:txBody>
+          <a:bodyPr wrap="square">
+            <a:spAutoFit/>
+          </a:bodyPr>
+          <a:lstStyle/>
+          <a:p>
+            <a:r>
+              <a:rPr lang="es-AR" dirty="0" smtClean="0"/>
+              <a:t>Columna 1: Se agrega el nombre del proceso.</a:t>
+            </a:r>
+            <a:endParaRPr lang="en-US" dirty="0"/>
+          </a:p>
+        </p:txBody>
+      </p:sp>
+      <p:sp>
+        <p:nvSpPr>
+          <p:cNvPr id="9" name="Rectángulo 8"/>
+          <p:cNvSpPr/>
+          <p:nvPr/>
+        </p:nvSpPr>
+        <p:spPr>
+          <a:xfrm>
+            <a:off x="7202196" y="2412737"/>
+            <a:ext cx="4305626" cy="646331"/>
+          </a:xfrm>
+          <a:prstGeom prst="rect">
+            <a:avLst/>
+          </a:prstGeom>
+        </p:spPr>
+        <p:txBody>
+          <a:bodyPr wrap="square">
+            <a:spAutoFit/>
+          </a:bodyPr>
+          <a:lstStyle/>
+          <a:p>
+            <a:r>
+              <a:rPr lang="es-AR" dirty="0" smtClean="0"/>
+              <a:t>Columna 2: Es el tiempo que </a:t>
+            </a:r>
+            <a:r>
+              <a:rPr lang="es-AR" dirty="0"/>
+              <a:t>el proceso </a:t>
+            </a:r>
+            <a:r>
+              <a:rPr lang="es-AR" dirty="0" smtClean="0"/>
+              <a:t>comienza.</a:t>
+            </a:r>
+            <a:endParaRPr lang="en-US" dirty="0"/>
+          </a:p>
+        </p:txBody>
+      </p:sp>
+      <p:sp>
+        <p:nvSpPr>
+          <p:cNvPr id="10" name="Rectángulo 9"/>
+          <p:cNvSpPr/>
+          <p:nvPr/>
+        </p:nvSpPr>
+        <p:spPr>
+          <a:xfrm>
+            <a:off x="7202196" y="3231960"/>
+            <a:ext cx="4305626" cy="646331"/>
+          </a:xfrm>
+          <a:prstGeom prst="rect">
+            <a:avLst/>
+          </a:prstGeom>
+        </p:spPr>
+        <p:txBody>
+          <a:bodyPr wrap="square">
+            <a:spAutoFit/>
+          </a:bodyPr>
+          <a:lstStyle/>
+          <a:p>
+            <a:r>
+              <a:rPr lang="es-AR" dirty="0" smtClean="0"/>
+              <a:t>Columna 3: Tiempo inicial de uso de procesador. </a:t>
+            </a:r>
+            <a:endParaRPr lang="en-US" dirty="0"/>
+          </a:p>
+        </p:txBody>
+      </p:sp>
+      <p:sp>
+        <p:nvSpPr>
+          <p:cNvPr id="11" name="Rectángulo 10"/>
+          <p:cNvSpPr/>
+          <p:nvPr/>
+        </p:nvSpPr>
+        <p:spPr>
+          <a:xfrm>
+            <a:off x="7202196" y="3974854"/>
+            <a:ext cx="4305626" cy="369332"/>
+          </a:xfrm>
+          <a:prstGeom prst="rect">
+            <a:avLst/>
+          </a:prstGeom>
+        </p:spPr>
+        <p:txBody>
+          <a:bodyPr wrap="square">
+            <a:spAutoFit/>
+          </a:bodyPr>
+          <a:lstStyle/>
+          <a:p>
+            <a:r>
+              <a:rPr lang="es-AR" dirty="0" smtClean="0"/>
+              <a:t>Columna 4: Tiempo de bloqueo.</a:t>
+            </a:r>
+            <a:endParaRPr lang="en-US" dirty="0"/>
+          </a:p>
+        </p:txBody>
+      </p:sp>
+      <p:sp>
+        <p:nvSpPr>
+          <p:cNvPr id="12" name="Rectángulo 11"/>
+          <p:cNvSpPr/>
+          <p:nvPr/>
+        </p:nvSpPr>
+        <p:spPr>
+          <a:xfrm>
+            <a:off x="7202196" y="4447552"/>
+            <a:ext cx="4305626" cy="646331"/>
+          </a:xfrm>
+          <a:prstGeom prst="rect">
+            <a:avLst/>
+          </a:prstGeom>
+        </p:spPr>
+        <p:txBody>
+          <a:bodyPr wrap="square">
+            <a:spAutoFit/>
+          </a:bodyPr>
+          <a:lstStyle/>
+          <a:p>
+            <a:r>
+              <a:rPr lang="es-AR" dirty="0" smtClean="0"/>
+              <a:t>Columna 5: Tiempo final del proceso.</a:t>
+            </a:r>
+            <a:endParaRPr lang="en-US" dirty="0"/>
+          </a:p>
+        </p:txBody>
+      </p:sp>
+      <p:sp>
+        <p:nvSpPr>
+          <p:cNvPr id="13" name="Rectángulo 12"/>
+          <p:cNvSpPr/>
+          <p:nvPr/>
+        </p:nvSpPr>
+        <p:spPr>
+          <a:xfrm>
+            <a:off x="7202196" y="5093883"/>
+            <a:ext cx="4305626" cy="646331"/>
+          </a:xfrm>
+          <a:prstGeom prst="rect">
+            <a:avLst/>
+          </a:prstGeom>
+        </p:spPr>
+        <p:txBody>
+          <a:bodyPr wrap="square">
+            <a:spAutoFit/>
+          </a:bodyPr>
+          <a:lstStyle/>
+          <a:p>
+            <a:r>
+              <a:rPr lang="es-AR" dirty="0" smtClean="0"/>
+              <a:t>Columna 6: Es la prioridad del proceso, siendo Baja, Media o alta.</a:t>
+            </a:r>
+            <a:endParaRPr lang="en-US" dirty="0"/>
+          </a:p>
+        </p:txBody>
+      </p:sp>
+      <p:sp>
+        <p:nvSpPr>
+          <p:cNvPr id="7" name="Flecha izquierda 6"/>
+          <p:cNvSpPr/>
+          <p:nvPr/>
+        </p:nvSpPr>
+        <p:spPr>
+          <a:xfrm>
+            <a:off x="2876550" y="3721100"/>
+            <a:ext cx="533400" cy="253754"/>
+          </a:xfrm>
+          <a:prstGeom prst="leftArrow">
+            <a:avLst/>
+          </a:prstGeom>
+        </p:spPr>
+        <p:txBody>
+          <a:bodyPr wrap="none" rtlCol="0" anchor="ctr">
+            <a:spAutoFit/>
+          </a:bodyPr>
+          <a:lstStyle/>
+          <a:p>
+            <a:pPr algn="ctr"/>
+            <a:endParaRPr lang="en-US" b="1" dirty="0" err="1" smtClean="0"/>
+          </a:p>
+        </p:txBody>
+      </p:sp>
+      <p:sp>
+        <p:nvSpPr>
+          <p:cNvPr id="20" name="Flecha izquierda 19"/>
+          <p:cNvSpPr/>
+          <p:nvPr/>
+        </p:nvSpPr>
+        <p:spPr>
+          <a:xfrm>
+            <a:off x="2876550" y="3435350"/>
+            <a:ext cx="819150" cy="596900"/>
+          </a:xfrm>
+          <a:prstGeom prst="leftArrow">
+            <a:avLst/>
+          </a:prstGeom>
+        </p:spPr>
+        <p:txBody>
+          <a:bodyPr wrap="none" rtlCol="0" anchor="ctr">
+            <a:spAutoFit/>
+          </a:bodyPr>
+          <a:lstStyle/>
+          <a:p>
+            <a:pPr algn="ctr"/>
+            <a:endParaRPr lang="en-US" b="1" dirty="0" err="1" smtClean="0"/>
+          </a:p>
+        </p:txBody>
+      </p:sp>
+      <p:sp>
+        <p:nvSpPr>
+          <p:cNvPr id="21" name="Flecha izquierda 20"/>
+          <p:cNvSpPr/>
+          <p:nvPr/>
+        </p:nvSpPr>
+        <p:spPr>
+          <a:xfrm>
+            <a:off x="3790950" y="2412737"/>
+            <a:ext cx="615950" cy="476513"/>
+          </a:xfrm>
+          <a:prstGeom prst="leftArrow">
+            <a:avLst/>
+          </a:prstGeom>
+        </p:spPr>
+        <p:txBody>
+          <a:bodyPr wrap="none" rtlCol="0" anchor="ctr">
+            <a:spAutoFit/>
+          </a:bodyPr>
+          <a:lstStyle/>
+          <a:p>
+            <a:pPr algn="ctr"/>
+            <a:endParaRPr lang="en-US" b="1" dirty="0" err="1" smtClean="0"/>
+          </a:p>
+        </p:txBody>
+      </p:sp>
+      <p:sp>
+        <p:nvSpPr>
+          <p:cNvPr id="23" name="Flecha izquierda 22"/>
+          <p:cNvSpPr/>
+          <p:nvPr/>
+        </p:nvSpPr>
+        <p:spPr>
+          <a:xfrm>
+            <a:off x="10638971" y="5740214"/>
+            <a:ext cx="623761" cy="615980"/>
+          </a:xfrm>
+          <a:prstGeom prst="leftArrow">
+            <a:avLst/>
+          </a:prstGeom>
+        </p:spPr>
+        <p:txBody>
+          <a:bodyPr wrap="none" rtlCol="0" anchor="ctr">
+            <a:spAutoFit/>
+          </a:bodyPr>
+          <a:lstStyle/>
+          <a:p>
+            <a:pPr algn="ctr"/>
+            <a:endParaRPr lang="en-US" b="1" dirty="0" err="1" smtClean="0"/>
+          </a:p>
+        </p:txBody>
+      </p:sp>
+      <p:sp>
+        <p:nvSpPr>
+          <p:cNvPr id="2" name="Marcador de contenido 1"/>
+          <p:cNvSpPr>
+            <a:spLocks noGrp="1"/>
+          </p:cNvSpPr>
+          <p:nvPr>
+            <p:ph sz="half" idx="1"/>
+          </p:nvPr>
+        </p:nvSpPr>
+        <p:spPr/>
+        <p:txBody>
+          <a:bodyPr/>
+          <a:lstStyle/>
+          <a:p>
+            <a:endParaRPr lang="en-US" dirty="0"/>
+          </a:p>
+        </p:txBody>
+      </p:sp>
       <p:pic>
         <p:nvPicPr>
-          <p:cNvPr id="5" name="Marcador de contenido 4"/>
+          <p:cNvPr id="18" name="Marcador de contenido 3"/>
           <p:cNvPicPr>
             <a:picLocks noGrp="1" noChangeAspect="1"/>
           </p:cNvPicPr>
@@ -13879,449 +15297,11 @@
         </p:blipFill>
         <p:spPr>
           <a:xfrm>
-            <a:off x="684211" y="1593515"/>
-            <a:ext cx="5058885" cy="4762679"/>
+            <a:off x="684211" y="1593514"/>
+            <a:ext cx="6517985" cy="4905443"/>
           </a:xfrm>
         </p:spPr>
       </p:pic>
-      <p:sp>
-        <p:nvSpPr>
-          <p:cNvPr id="6" name="Título 6"/>
-          <p:cNvSpPr txBox="1">
-            <a:spLocks/>
-          </p:cNvSpPr>
-          <p:nvPr/>
-        </p:nvSpPr>
-        <p:spPr>
-          <a:xfrm>
-            <a:off x="684212" y="685802"/>
-            <a:ext cx="10578520" cy="841916"/>
-          </a:xfrm>
-          <a:prstGeom prst="rect">
-            <a:avLst/>
-          </a:prstGeom>
-          <a:effectLst/>
-        </p:spPr>
-        <p:txBody>
-          <a:bodyPr vert="horz" lIns="91440" tIns="45720" rIns="91440" bIns="45720" rtlCol="0" anchor="ctr">
-            <a:normAutofit/>
-          </a:bodyPr>
-          <a:lstStyle>
-            <a:lvl1pPr algn="l" defTabSz="457200" rtl="0" eaLnBrk="1" latinLnBrk="0" hangingPunct="1">
-              <a:spcBef>
-                <a:spcPct val="0"/>
-              </a:spcBef>
-              <a:buNone/>
-              <a:defRPr sz="3600" kern="1200" cap="all">
-                <a:ln w="3175" cmpd="sng">
-                  <a:noFill/>
-                </a:ln>
-                <a:solidFill>
-                  <a:schemeClr val="tx1"/>
-                </a:solidFill>
-                <a:effectLst/>
-                <a:latin typeface="+mj-lt"/>
-                <a:ea typeface="+mj-ea"/>
-                <a:cs typeface="+mj-cs"/>
-              </a:defRPr>
-            </a:lvl1pPr>
-            <a:lvl2pPr eaLnBrk="1" hangingPunct="1">
-              <a:defRPr>
-                <a:solidFill>
-                  <a:schemeClr val="tx2"/>
-                </a:solidFill>
-              </a:defRPr>
-            </a:lvl2pPr>
-            <a:lvl3pPr eaLnBrk="1" hangingPunct="1">
-              <a:defRPr>
-                <a:solidFill>
-                  <a:schemeClr val="tx2"/>
-                </a:solidFill>
-              </a:defRPr>
-            </a:lvl3pPr>
-            <a:lvl4pPr eaLnBrk="1" hangingPunct="1">
-              <a:defRPr>
-                <a:solidFill>
-                  <a:schemeClr val="tx2"/>
-                </a:solidFill>
-              </a:defRPr>
-            </a:lvl4pPr>
-            <a:lvl5pPr eaLnBrk="1" hangingPunct="1">
-              <a:defRPr>
-                <a:solidFill>
-                  <a:schemeClr val="tx2"/>
-                </a:solidFill>
-              </a:defRPr>
-            </a:lvl5pPr>
-            <a:lvl6pPr eaLnBrk="1" hangingPunct="1">
-              <a:defRPr>
-                <a:solidFill>
-                  <a:schemeClr val="tx2"/>
-                </a:solidFill>
-              </a:defRPr>
-            </a:lvl6pPr>
-            <a:lvl7pPr eaLnBrk="1" hangingPunct="1">
-              <a:defRPr>
-                <a:solidFill>
-                  <a:schemeClr val="tx2"/>
-                </a:solidFill>
-              </a:defRPr>
-            </a:lvl7pPr>
-            <a:lvl8pPr eaLnBrk="1" hangingPunct="1">
-              <a:defRPr>
-                <a:solidFill>
-                  <a:schemeClr val="tx2"/>
-                </a:solidFill>
-              </a:defRPr>
-            </a:lvl8pPr>
-            <a:lvl9pPr eaLnBrk="1" hangingPunct="1">
-              <a:defRPr>
-                <a:solidFill>
-                  <a:schemeClr val="tx2"/>
-                </a:solidFill>
-              </a:defRPr>
-            </a:lvl9pPr>
-          </a:lstStyle>
-          <a:p>
-            <a:r>
-              <a:rPr lang="es-AR" sz="2400" dirty="0" smtClean="0"/>
-              <a:t>Los parámetros de la </a:t>
-            </a:r>
-            <a:endParaRPr lang="en-US" sz="2400" dirty="0"/>
-          </a:p>
-        </p:txBody>
-      </p:sp>
-      <p:sp>
-        <p:nvSpPr>
-          <p:cNvPr id="8" name="Rectángulo 7"/>
-          <p:cNvSpPr/>
-          <p:nvPr/>
-        </p:nvSpPr>
-        <p:spPr>
-          <a:xfrm>
-            <a:off x="6053857" y="1593514"/>
-            <a:ext cx="4305626" cy="646331"/>
-          </a:xfrm>
-          <a:prstGeom prst="rect">
-            <a:avLst/>
-          </a:prstGeom>
-        </p:spPr>
-        <p:txBody>
-          <a:bodyPr wrap="square">
-            <a:spAutoFit/>
-          </a:bodyPr>
-          <a:lstStyle/>
-          <a:p>
-            <a:r>
-              <a:rPr lang="es-AR" dirty="0" smtClean="0"/>
-              <a:t>Columna 1: Se agrega el nombre del proceso.</a:t>
-            </a:r>
-            <a:endParaRPr lang="en-US" dirty="0"/>
-          </a:p>
-        </p:txBody>
-      </p:sp>
-      <p:sp>
-        <p:nvSpPr>
-          <p:cNvPr id="9" name="Rectángulo 8"/>
-          <p:cNvSpPr/>
-          <p:nvPr/>
-        </p:nvSpPr>
-        <p:spPr>
-          <a:xfrm>
-            <a:off x="6053857" y="2412737"/>
-            <a:ext cx="4305626" cy="646331"/>
-          </a:xfrm>
-          <a:prstGeom prst="rect">
-            <a:avLst/>
-          </a:prstGeom>
-        </p:spPr>
-        <p:txBody>
-          <a:bodyPr wrap="square">
-            <a:spAutoFit/>
-          </a:bodyPr>
-          <a:lstStyle/>
-          <a:p>
-            <a:r>
-              <a:rPr lang="es-AR" dirty="0" smtClean="0"/>
-              <a:t>Columna 2: Es el tiempo que </a:t>
-            </a:r>
-            <a:r>
-              <a:rPr lang="es-AR" dirty="0"/>
-              <a:t>el proceso </a:t>
-            </a:r>
-            <a:r>
-              <a:rPr lang="es-AR" dirty="0" smtClean="0"/>
-              <a:t>comienza.</a:t>
-            </a:r>
-            <a:endParaRPr lang="en-US" dirty="0"/>
-          </a:p>
-        </p:txBody>
-      </p:sp>
-      <p:sp>
-        <p:nvSpPr>
-          <p:cNvPr id="15" name="Rectángulo 14"/>
-          <p:cNvSpPr/>
-          <p:nvPr/>
-        </p:nvSpPr>
-        <p:spPr>
-          <a:xfrm>
-            <a:off x="8507518" y="43142"/>
-            <a:ext cx="3589444" cy="369332"/>
-          </a:xfrm>
-          <a:prstGeom prst="rect">
-            <a:avLst/>
-          </a:prstGeom>
-        </p:spPr>
-        <p:txBody>
-          <a:bodyPr wrap="none">
-            <a:spAutoFit/>
-          </a:bodyPr>
-          <a:lstStyle/>
-          <a:p>
-            <a:r>
-              <a:rPr lang="en-US" b="1" dirty="0" err="1"/>
-              <a:t>Planificador</a:t>
-            </a:r>
-            <a:r>
-              <a:rPr lang="en-US" b="1" dirty="0"/>
-              <a:t> De </a:t>
-            </a:r>
-            <a:r>
-              <a:rPr lang="en-US" b="1" dirty="0" err="1"/>
-              <a:t>Corto</a:t>
-            </a:r>
-            <a:r>
-              <a:rPr lang="en-US" b="1" dirty="0"/>
-              <a:t> </a:t>
-            </a:r>
-            <a:r>
-              <a:rPr lang="en-US" b="1" dirty="0" err="1"/>
-              <a:t>Alcance</a:t>
-            </a:r>
-            <a:endParaRPr lang="en-US" dirty="0"/>
-          </a:p>
-        </p:txBody>
-      </p:sp>
-      <p:sp>
-        <p:nvSpPr>
-          <p:cNvPr id="10" name="Rectángulo 9"/>
-          <p:cNvSpPr/>
-          <p:nvPr/>
-        </p:nvSpPr>
-        <p:spPr>
-          <a:xfrm>
-            <a:off x="6053857" y="3231960"/>
-            <a:ext cx="4305626" cy="646331"/>
-          </a:xfrm>
-          <a:prstGeom prst="rect">
-            <a:avLst/>
-          </a:prstGeom>
-        </p:spPr>
-        <p:txBody>
-          <a:bodyPr wrap="square">
-            <a:spAutoFit/>
-          </a:bodyPr>
-          <a:lstStyle/>
-          <a:p>
-            <a:r>
-              <a:rPr lang="es-AR" dirty="0" smtClean="0"/>
-              <a:t>Columna 3: Tiempo inicial de uso de procesador. </a:t>
-            </a:r>
-            <a:endParaRPr lang="en-US" dirty="0"/>
-          </a:p>
-        </p:txBody>
-      </p:sp>
-      <p:sp>
-        <p:nvSpPr>
-          <p:cNvPr id="11" name="Rectángulo 10"/>
-          <p:cNvSpPr/>
-          <p:nvPr/>
-        </p:nvSpPr>
-        <p:spPr>
-          <a:xfrm>
-            <a:off x="6053857" y="3974854"/>
-            <a:ext cx="4305626" cy="369332"/>
-          </a:xfrm>
-          <a:prstGeom prst="rect">
-            <a:avLst/>
-          </a:prstGeom>
-        </p:spPr>
-        <p:txBody>
-          <a:bodyPr wrap="square">
-            <a:spAutoFit/>
-          </a:bodyPr>
-          <a:lstStyle/>
-          <a:p>
-            <a:r>
-              <a:rPr lang="es-AR" dirty="0" smtClean="0"/>
-              <a:t>Columna 4: Tiempo de bloqueo.</a:t>
-            </a:r>
-            <a:endParaRPr lang="en-US" dirty="0"/>
-          </a:p>
-        </p:txBody>
-      </p:sp>
-      <p:sp>
-        <p:nvSpPr>
-          <p:cNvPr id="12" name="Rectángulo 11"/>
-          <p:cNvSpPr/>
-          <p:nvPr/>
-        </p:nvSpPr>
-        <p:spPr>
-          <a:xfrm>
-            <a:off x="6053857" y="4447552"/>
-            <a:ext cx="4305626" cy="646331"/>
-          </a:xfrm>
-          <a:prstGeom prst="rect">
-            <a:avLst/>
-          </a:prstGeom>
-        </p:spPr>
-        <p:txBody>
-          <a:bodyPr wrap="square">
-            <a:spAutoFit/>
-          </a:bodyPr>
-          <a:lstStyle/>
-          <a:p>
-            <a:r>
-              <a:rPr lang="es-AR" dirty="0" smtClean="0"/>
-              <a:t>Columna 5: Tiempo final del proceso.</a:t>
-            </a:r>
-            <a:endParaRPr lang="en-US" dirty="0"/>
-          </a:p>
-        </p:txBody>
-      </p:sp>
-      <p:sp>
-        <p:nvSpPr>
-          <p:cNvPr id="13" name="Rectángulo 12"/>
-          <p:cNvSpPr/>
-          <p:nvPr/>
-        </p:nvSpPr>
-        <p:spPr>
-          <a:xfrm>
-            <a:off x="6053857" y="5093883"/>
-            <a:ext cx="4305626" cy="646331"/>
-          </a:xfrm>
-          <a:prstGeom prst="rect">
-            <a:avLst/>
-          </a:prstGeom>
-        </p:spPr>
-        <p:txBody>
-          <a:bodyPr wrap="square">
-            <a:spAutoFit/>
-          </a:bodyPr>
-          <a:lstStyle/>
-          <a:p>
-            <a:r>
-              <a:rPr lang="es-AR" dirty="0" smtClean="0"/>
-              <a:t>Columna 6: Es la prioridad del proceso, siendo Baja, Media o alta.</a:t>
-            </a:r>
-            <a:endParaRPr lang="en-US" dirty="0"/>
-          </a:p>
-        </p:txBody>
-      </p:sp>
-      <p:sp>
-        <p:nvSpPr>
-          <p:cNvPr id="7" name="Flecha izquierda 6"/>
-          <p:cNvSpPr/>
-          <p:nvPr/>
-        </p:nvSpPr>
-        <p:spPr>
-          <a:xfrm>
-            <a:off x="2876550" y="3721100"/>
-            <a:ext cx="533400" cy="253754"/>
-          </a:xfrm>
-          <a:prstGeom prst="leftArrow">
-            <a:avLst/>
-          </a:prstGeom>
-        </p:spPr>
-        <p:txBody>
-          <a:bodyPr wrap="none" rtlCol="0" anchor="ctr">
-            <a:spAutoFit/>
-          </a:bodyPr>
-          <a:lstStyle/>
-          <a:p>
-            <a:pPr algn="ctr"/>
-            <a:endParaRPr lang="en-US" b="1" dirty="0" err="1" smtClean="0"/>
-          </a:p>
-        </p:txBody>
-      </p:sp>
-      <p:sp>
-        <p:nvSpPr>
-          <p:cNvPr id="20" name="Flecha izquierda 19"/>
-          <p:cNvSpPr/>
-          <p:nvPr/>
-        </p:nvSpPr>
-        <p:spPr>
-          <a:xfrm>
-            <a:off x="2876550" y="3435350"/>
-            <a:ext cx="819150" cy="596900"/>
-          </a:xfrm>
-          <a:prstGeom prst="leftArrow">
-            <a:avLst/>
-          </a:prstGeom>
-        </p:spPr>
-        <p:txBody>
-          <a:bodyPr wrap="none" rtlCol="0" anchor="ctr">
-            <a:spAutoFit/>
-          </a:bodyPr>
-          <a:lstStyle/>
-          <a:p>
-            <a:pPr algn="ctr"/>
-            <a:endParaRPr lang="en-US" b="1" dirty="0" err="1" smtClean="0"/>
-          </a:p>
-        </p:txBody>
-      </p:sp>
-      <p:sp>
-        <p:nvSpPr>
-          <p:cNvPr id="21" name="Flecha izquierda 20"/>
-          <p:cNvSpPr/>
-          <p:nvPr/>
-        </p:nvSpPr>
-        <p:spPr>
-          <a:xfrm>
-            <a:off x="3790950" y="2412737"/>
-            <a:ext cx="615950" cy="476513"/>
-          </a:xfrm>
-          <a:prstGeom prst="leftArrow">
-            <a:avLst/>
-          </a:prstGeom>
-        </p:spPr>
-        <p:txBody>
-          <a:bodyPr wrap="none" rtlCol="0" anchor="ctr">
-            <a:spAutoFit/>
-          </a:bodyPr>
-          <a:lstStyle/>
-          <a:p>
-            <a:pPr algn="ctr"/>
-            <a:endParaRPr lang="en-US" b="1" dirty="0" err="1" smtClean="0"/>
-          </a:p>
-        </p:txBody>
-      </p:sp>
-      <p:sp>
-        <p:nvSpPr>
-          <p:cNvPr id="23" name="Flecha izquierda 22"/>
-          <p:cNvSpPr/>
-          <p:nvPr/>
-        </p:nvSpPr>
-        <p:spPr>
-          <a:xfrm>
-            <a:off x="10638971" y="5740214"/>
-            <a:ext cx="623761" cy="615980"/>
-          </a:xfrm>
-          <a:prstGeom prst="leftArrow">
-            <a:avLst/>
-          </a:prstGeom>
-        </p:spPr>
-        <p:txBody>
-          <a:bodyPr wrap="none" rtlCol="0" anchor="ctr">
-            <a:spAutoFit/>
-          </a:bodyPr>
-          <a:lstStyle/>
-          <a:p>
-            <a:pPr algn="ctr"/>
-            <a:endParaRPr lang="en-US" b="1" dirty="0" err="1" smtClean="0"/>
-          </a:p>
-        </p:txBody>
-      </p:sp>
       <p:pic>
         <p:nvPicPr>
           <p:cNvPr id="27" name="Imagen 26"/>
@@ -14344,14 +15324,47 @@
         </p:blipFill>
         <p:spPr>
           <a:xfrm>
-            <a:off x="1400419" y="3417439"/>
-            <a:ext cx="3209681" cy="720221"/>
+            <a:off x="1367258" y="4286754"/>
+            <a:ext cx="3119017" cy="699877"/>
           </a:xfrm>
           <a:prstGeom prst="rect">
             <a:avLst/>
           </a:prstGeom>
         </p:spPr>
       </p:pic>
+      <p:sp>
+        <p:nvSpPr>
+          <p:cNvPr id="17" name="Rectángulo 16"/>
+          <p:cNvSpPr/>
+          <p:nvPr/>
+        </p:nvSpPr>
+        <p:spPr>
+          <a:xfrm>
+            <a:off x="8750032" y="0"/>
+            <a:ext cx="3441968" cy="369332"/>
+          </a:xfrm>
+          <a:prstGeom prst="rect">
+            <a:avLst/>
+          </a:prstGeom>
+        </p:spPr>
+        <p:txBody>
+          <a:bodyPr wrap="none">
+            <a:spAutoFit/>
+          </a:bodyPr>
+          <a:lstStyle/>
+          <a:p>
+            <a:r>
+              <a:rPr lang="en-US" b="1" dirty="0" smtClean="0"/>
+              <a:t>PLANIFICADOR DE </a:t>
+            </a:r>
+            <a:r>
+              <a:rPr lang="es-AR" b="1" dirty="0" smtClean="0"/>
+              <a:t>PROCESOS</a:t>
+            </a:r>
+            <a:endParaRPr lang="en-US" dirty="0"/>
+          </a:p>
+        </p:txBody>
+      </p:sp>
     </p:spTree>
     <p:extLst>
       <p:ext uri="{BB962C8B-B14F-4D97-AF65-F5344CB8AC3E}">
@@ -15279,51 +16292,6 @@
       </p:sp>
       <p:sp>
         <p:nvSpPr>
-          <p:cNvPr id="7" name="Rectángulo 6"/>
-          <p:cNvSpPr/>
-          <p:nvPr/>
-        </p:nvSpPr>
-        <p:spPr>
-          <a:xfrm>
-            <a:off x="8507518" y="43142"/>
-            <a:ext cx="3589444" cy="369332"/>
-          </a:xfrm>
-          <a:prstGeom prst="rect">
-            <a:avLst/>
-          </a:prstGeom>
-        </p:spPr>
-        <p:txBody>
-          <a:bodyPr wrap="none">
-            <a:spAutoFit/>
-          </a:bodyPr>
-          <a:lstStyle/>
-          <a:p>
-            <a:r>
-              <a:rPr lang="en-US" b="1" dirty="0" err="1"/>
-              <a:t>Planificador</a:t>
-            </a:r>
-            <a:r>
-              <a:rPr lang="en-US" b="1" dirty="0"/>
-              <a:t> De </a:t>
-            </a:r>
-            <a:r>
-              <a:rPr lang="en-US" b="1" dirty="0" err="1"/>
-              <a:t>Corto</a:t>
-            </a:r>
-            <a:r>
-              <a:rPr lang="en-US" b="1" dirty="0"/>
-              <a:t> </a:t>
-            </a:r>
-            <a:r>
-              <a:rPr lang="en-US" b="1" dirty="0" err="1"/>
-              <a:t>Alcance</a:t>
-            </a:r>
-            <a:endParaRPr lang="en-US" dirty="0"/>
-          </a:p>
-        </p:txBody>
-      </p:sp>
-      <p:sp>
-        <p:nvSpPr>
           <p:cNvPr id="8" name="Rectángulo 7"/>
           <p:cNvSpPr/>
           <p:nvPr/>
@@ -15347,6 +16315,39 @@
             <a:r>
               <a:rPr lang="es-AR" dirty="0" smtClean="0"/>
               <a:t>La siguiente información muestra un análisis del uso del procesador por los algoritmos que resuelve el problema y la complejidad de la gestión de procesos</a:t>
+            </a:r>
+            <a:endParaRPr lang="en-US" dirty="0"/>
+          </a:p>
+        </p:txBody>
+      </p:sp>
+      <p:sp>
+        <p:nvSpPr>
+          <p:cNvPr id="9" name="Rectángulo 8"/>
+          <p:cNvSpPr/>
+          <p:nvPr/>
+        </p:nvSpPr>
+        <p:spPr>
+          <a:xfrm>
+            <a:off x="8750032" y="0"/>
+            <a:ext cx="3441968" cy="369332"/>
+          </a:xfrm>
+          <a:prstGeom prst="rect">
+            <a:avLst/>
+          </a:prstGeom>
+        </p:spPr>
+        <p:txBody>
+          <a:bodyPr wrap="none">
+            <a:spAutoFit/>
+          </a:bodyPr>
+          <a:lstStyle/>
+          <a:p>
+            <a:r>
+              <a:rPr lang="en-US" b="1" dirty="0" smtClean="0"/>
+              <a:t>PLANIFICADOR DE </a:t>
+            </a:r>
+            <a:r>
+              <a:rPr lang="es-AR" b="1" dirty="0" smtClean="0"/>
+              <a:t>PROCESOS</a:t>
             </a:r>
             <a:endParaRPr lang="en-US" dirty="0"/>
           </a:p>
@@ -15497,14 +16498,14 @@
       </p:graphicFrame>
       <p:sp>
         <p:nvSpPr>
-          <p:cNvPr id="7" name="Rectángulo 6"/>
+          <p:cNvPr id="4" name="Rectángulo 3"/>
           <p:cNvSpPr/>
           <p:nvPr/>
         </p:nvSpPr>
         <p:spPr>
           <a:xfrm>
-            <a:off x="8507518" y="43142"/>
-            <a:ext cx="3589444" cy="369332"/>
+            <a:off x="8750032" y="0"/>
+            <a:ext cx="3441968" cy="369332"/>
           </a:xfrm>
           <a:prstGeom prst="rect">
             <a:avLst/>
@@ -15517,24 +16518,12 @@
           <a:lstStyle/>
           <a:p>
             <a:r>
-              <a:rPr lang="en-US" b="1" dirty="0" err="1"/>
-              <a:t>Planificador</a:t>
-            </a:r>
-            <a:r>
-              <a:rPr lang="en-US" b="1" dirty="0"/>
-              <a:t> De </a:t>
-            </a:r>
-            <a:r>
-              <a:rPr lang="en-US" b="1" dirty="0" err="1"/>
-              <a:t>Corto</a:t>
-            </a:r>
-            <a:r>
-              <a:rPr lang="en-US" b="1" dirty="0"/>
-              <a:t> </a:t>
-            </a:r>
-            <a:r>
-              <a:rPr lang="en-US" b="1" dirty="0" err="1"/>
-              <a:t>Alcance</a:t>
+              <a:rPr lang="en-US" b="1" dirty="0" smtClean="0"/>
+              <a:t>PLANIFICADOR DE </a:t>
+            </a:r>
+            <a:r>
+              <a:rPr lang="es-AR" b="1" dirty="0" smtClean="0"/>
+              <a:t>PROCESOS</a:t>
             </a:r>
             <a:endParaRPr lang="en-US" dirty="0"/>
           </a:p>

--- a/Documento/SO.01.PlanificadorCortoAlcance.pptx
+++ b/Documento/SO.01.PlanificadorCortoAlcance.pptx
@@ -11,21 +11,22 @@
     <p:sldId id="261" r:id="rId5"/>
     <p:sldId id="258" r:id="rId6"/>
     <p:sldId id="266" r:id="rId7"/>
-    <p:sldId id="259" r:id="rId8"/>
-    <p:sldId id="263" r:id="rId9"/>
-    <p:sldId id="262" r:id="rId10"/>
-    <p:sldId id="265" r:id="rId11"/>
-    <p:sldId id="273" r:id="rId12"/>
-    <p:sldId id="275" r:id="rId13"/>
-    <p:sldId id="274" r:id="rId14"/>
-    <p:sldId id="278" r:id="rId15"/>
-    <p:sldId id="277" r:id="rId16"/>
-    <p:sldId id="264" r:id="rId17"/>
-    <p:sldId id="268" r:id="rId18"/>
-    <p:sldId id="270" r:id="rId19"/>
-    <p:sldId id="271" r:id="rId20"/>
-    <p:sldId id="272" r:id="rId21"/>
-    <p:sldId id="276" r:id="rId22"/>
+    <p:sldId id="279" r:id="rId8"/>
+    <p:sldId id="259" r:id="rId9"/>
+    <p:sldId id="263" r:id="rId10"/>
+    <p:sldId id="262" r:id="rId11"/>
+    <p:sldId id="265" r:id="rId12"/>
+    <p:sldId id="273" r:id="rId13"/>
+    <p:sldId id="275" r:id="rId14"/>
+    <p:sldId id="274" r:id="rId15"/>
+    <p:sldId id="278" r:id="rId16"/>
+    <p:sldId id="277" r:id="rId17"/>
+    <p:sldId id="264" r:id="rId18"/>
+    <p:sldId id="268" r:id="rId19"/>
+    <p:sldId id="270" r:id="rId20"/>
+    <p:sldId id="271" r:id="rId21"/>
+    <p:sldId id="272" r:id="rId22"/>
+    <p:sldId id="276" r:id="rId23"/>
   </p:sldIdLst>
   <p:sldSz cx="12192000" cy="6858000"/>
   <p:notesSz cx="6858000" cy="9144000"/>
@@ -139,6 +140,7 @@
             <p14:sldId id="261"/>
             <p14:sldId id="258"/>
             <p14:sldId id="266"/>
+            <p14:sldId id="279"/>
             <p14:sldId id="259"/>
             <p14:sldId id="263"/>
             <p14:sldId id="262"/>
@@ -1808,7 +1810,7 @@
           <a:p>
             <a:fld id="{67F08D6A-4C3A-4360-BB98-221748DBDA28}" type="datetimeFigureOut">
               <a:rPr lang="en-US" smtClean="0"/>
-              <a:t>1/30/2018</a:t>
+              <a:t>3/21/2018</a:t>
             </a:fld>
             <a:endParaRPr lang="en-US"/>
           </a:p>
@@ -2244,7 +2246,7 @@
           <a:p>
             <a:fld id="{67F08D6A-4C3A-4360-BB98-221748DBDA28}" type="datetimeFigureOut">
               <a:rPr lang="en-US" smtClean="0"/>
-              <a:t>1/30/2018</a:t>
+              <a:t>3/21/2018</a:t>
             </a:fld>
             <a:endParaRPr lang="en-US"/>
           </a:p>
@@ -2494,7 +2496,7 @@
           <a:p>
             <a:fld id="{67F08D6A-4C3A-4360-BB98-221748DBDA28}" type="datetimeFigureOut">
               <a:rPr lang="en-US" smtClean="0"/>
-              <a:t>1/30/2018</a:t>
+              <a:t>3/21/2018</a:t>
             </a:fld>
             <a:endParaRPr lang="en-US"/>
           </a:p>
@@ -2802,7 +2804,7 @@
           <a:p>
             <a:fld id="{67F08D6A-4C3A-4360-BB98-221748DBDA28}" type="datetimeFigureOut">
               <a:rPr lang="en-US" smtClean="0"/>
-              <a:t>1/30/2018</a:t>
+              <a:t>3/21/2018</a:t>
             </a:fld>
             <a:endParaRPr lang="en-US"/>
           </a:p>
@@ -3120,7 +3122,7 @@
           <a:p>
             <a:fld id="{67F08D6A-4C3A-4360-BB98-221748DBDA28}" type="datetimeFigureOut">
               <a:rPr lang="en-US" smtClean="0"/>
-              <a:t>1/30/2018</a:t>
+              <a:t>3/21/2018</a:t>
             </a:fld>
             <a:endParaRPr lang="en-US"/>
           </a:p>
@@ -3422,7 +3424,7 @@
           <a:p>
             <a:fld id="{67F08D6A-4C3A-4360-BB98-221748DBDA28}" type="datetimeFigureOut">
               <a:rPr lang="en-US" smtClean="0"/>
-              <a:t>1/30/2018</a:t>
+              <a:t>3/21/2018</a:t>
             </a:fld>
             <a:endParaRPr lang="en-US"/>
           </a:p>
@@ -3789,7 +3791,7 @@
           <a:p>
             <a:fld id="{67F08D6A-4C3A-4360-BB98-221748DBDA28}" type="datetimeFigureOut">
               <a:rPr lang="en-US" smtClean="0"/>
-              <a:t>1/30/2018</a:t>
+              <a:t>3/21/2018</a:t>
             </a:fld>
             <a:endParaRPr lang="en-US"/>
           </a:p>
@@ -3963,7 +3965,7 @@
           <a:p>
             <a:fld id="{67F08D6A-4C3A-4360-BB98-221748DBDA28}" type="datetimeFigureOut">
               <a:rPr lang="en-US" smtClean="0"/>
-              <a:t>1/30/2018</a:t>
+              <a:t>3/21/2018</a:t>
             </a:fld>
             <a:endParaRPr lang="en-US"/>
           </a:p>
@@ -4143,7 +4145,7 @@
           <a:p>
             <a:fld id="{67F08D6A-4C3A-4360-BB98-221748DBDA28}" type="datetimeFigureOut">
               <a:rPr lang="en-US" smtClean="0"/>
-              <a:t>1/30/2018</a:t>
+              <a:t>3/21/2018</a:t>
             </a:fld>
             <a:endParaRPr lang="en-US"/>
           </a:p>
@@ -4313,7 +4315,7 @@
           <a:p>
             <a:fld id="{67F08D6A-4C3A-4360-BB98-221748DBDA28}" type="datetimeFigureOut">
               <a:rPr lang="en-US" smtClean="0"/>
-              <a:t>1/30/2018</a:t>
+              <a:t>3/21/2018</a:t>
             </a:fld>
             <a:endParaRPr lang="en-US"/>
           </a:p>
@@ -4563,7 +4565,7 @@
           <a:p>
             <a:fld id="{67F08D6A-4C3A-4360-BB98-221748DBDA28}" type="datetimeFigureOut">
               <a:rPr lang="en-US" smtClean="0"/>
-              <a:t>1/30/2018</a:t>
+              <a:t>3/21/2018</a:t>
             </a:fld>
             <a:endParaRPr lang="en-US"/>
           </a:p>
@@ -4799,7 +4801,7 @@
           <a:p>
             <a:fld id="{67F08D6A-4C3A-4360-BB98-221748DBDA28}" type="datetimeFigureOut">
               <a:rPr lang="en-US" smtClean="0"/>
-              <a:t>1/30/2018</a:t>
+              <a:t>3/21/2018</a:t>
             </a:fld>
             <a:endParaRPr lang="en-US"/>
           </a:p>
@@ -5181,7 +5183,7 @@
           <a:p>
             <a:fld id="{67F08D6A-4C3A-4360-BB98-221748DBDA28}" type="datetimeFigureOut">
               <a:rPr lang="en-US" smtClean="0"/>
-              <a:t>1/30/2018</a:t>
+              <a:t>3/21/2018</a:t>
             </a:fld>
             <a:endParaRPr lang="en-US"/>
           </a:p>
@@ -5299,7 +5301,7 @@
           <a:p>
             <a:fld id="{67F08D6A-4C3A-4360-BB98-221748DBDA28}" type="datetimeFigureOut">
               <a:rPr lang="en-US" smtClean="0"/>
-              <a:t>1/30/2018</a:t>
+              <a:t>3/21/2018</a:t>
             </a:fld>
             <a:endParaRPr lang="en-US"/>
           </a:p>
@@ -5394,7 +5396,7 @@
           <a:p>
             <a:fld id="{67F08D6A-4C3A-4360-BB98-221748DBDA28}" type="datetimeFigureOut">
               <a:rPr lang="en-US" smtClean="0"/>
-              <a:t>1/30/2018</a:t>
+              <a:t>3/21/2018</a:t>
             </a:fld>
             <a:endParaRPr lang="en-US"/>
           </a:p>
@@ -5649,7 +5651,7 @@
           <a:p>
             <a:fld id="{67F08D6A-4C3A-4360-BB98-221748DBDA28}" type="datetimeFigureOut">
               <a:rPr lang="en-US" smtClean="0"/>
-              <a:t>1/30/2018</a:t>
+              <a:t>3/21/2018</a:t>
             </a:fld>
             <a:endParaRPr lang="en-US"/>
           </a:p>
@@ -5932,7 +5934,7 @@
           <a:p>
             <a:fld id="{67F08D6A-4C3A-4360-BB98-221748DBDA28}" type="datetimeFigureOut">
               <a:rPr lang="en-US" smtClean="0"/>
-              <a:t>1/30/2018</a:t>
+              <a:t>3/21/2018</a:t>
             </a:fld>
             <a:endParaRPr lang="en-US"/>
           </a:p>
@@ -6338,7 +6340,7 @@
           <a:p>
             <a:fld id="{67F08D6A-4C3A-4360-BB98-221748DBDA28}" type="datetimeFigureOut">
               <a:rPr lang="en-US" smtClean="0"/>
-              <a:t>1/30/2018</a:t>
+              <a:t>3/21/2018</a:t>
             </a:fld>
             <a:endParaRPr lang="en-US"/>
           </a:p>
@@ -7307,6 +7309,100 @@
           <a:chExt cx="0" cy="0"/>
         </a:xfrm>
       </p:grpSpPr>
+      <p:graphicFrame>
+        <p:nvGraphicFramePr>
+          <p:cNvPr id="6" name="Gráfico 5"/>
+          <p:cNvGraphicFramePr>
+            <a:graphicFrameLocks/>
+          </p:cNvGraphicFramePr>
+          <p:nvPr>
+            <p:extLst>
+              <p:ext uri="{D42A27DB-BD31-4B8C-83A1-F6EECF244321}">
+                <p14:modId xmlns:p14="http://schemas.microsoft.com/office/powerpoint/2010/main" val="2812406921"/>
+              </p:ext>
+            </p:extLst>
+          </p:nvPr>
+        </p:nvGraphicFramePr>
+        <p:xfrm>
+          <a:off x="536448" y="675512"/>
+          <a:ext cx="10290048" cy="5761863"/>
+        </p:xfrm>
+        <a:graphic>
+          <a:graphicData uri="http://schemas.openxmlformats.org/drawingml/2006/chart">
+            <c:chart xmlns:c="http://schemas.openxmlformats.org/drawingml/2006/chart" xmlns:r="http://schemas.openxmlformats.org/officeDocument/2006/relationships" r:id="rId2"/>
+          </a:graphicData>
+        </a:graphic>
+      </p:graphicFrame>
+      <p:sp>
+        <p:nvSpPr>
+          <p:cNvPr id="4" name="Rectángulo 3"/>
+          <p:cNvSpPr/>
+          <p:nvPr/>
+        </p:nvSpPr>
+        <p:spPr>
+          <a:xfrm>
+            <a:off x="8750032" y="0"/>
+            <a:ext cx="3441968" cy="369332"/>
+          </a:xfrm>
+          <a:prstGeom prst="rect">
+            <a:avLst/>
+          </a:prstGeom>
+        </p:spPr>
+        <p:txBody>
+          <a:bodyPr wrap="none">
+            <a:spAutoFit/>
+          </a:bodyPr>
+          <a:lstStyle/>
+          <a:p>
+            <a:r>
+              <a:rPr lang="en-US" b="1" dirty="0" smtClean="0"/>
+              <a:t>PLANIFICADOR DE </a:t>
+            </a:r>
+            <a:r>
+              <a:rPr lang="es-AR" b="1" dirty="0" smtClean="0"/>
+              <a:t>PROCESOS</a:t>
+            </a:r>
+            <a:endParaRPr lang="en-US" dirty="0"/>
+          </a:p>
+        </p:txBody>
+      </p:sp>
+    </p:spTree>
+    <p:extLst>
+      <p:ext uri="{BB962C8B-B14F-4D97-AF65-F5344CB8AC3E}">
+        <p14:creationId xmlns:p14="http://schemas.microsoft.com/office/powerpoint/2010/main" val="863760143"/>
+      </p:ext>
+    </p:extLst>
+  </p:cSld>
+  <p:clrMapOvr>
+    <a:masterClrMapping/>
+  </p:clrMapOvr>
+  <p:timing>
+    <p:tnLst>
+      <p:par>
+        <p:cTn id="1" dur="indefinite" restart="never" nodeType="tmRoot"/>
+      </p:par>
+    </p:tnLst>
+  </p:timing>
+</p:sld>
+</file>
+
+<file path=ppt/slides/slide11.xml><?xml version="1.0" encoding="utf-8"?>
+<p:sld xmlns:a="http://schemas.openxmlformats.org/drawingml/2006/main" xmlns:r="http://schemas.openxmlformats.org/officeDocument/2006/relationships" xmlns:p="http://schemas.openxmlformats.org/presentationml/2006/main">
+  <p:cSld>
+    <p:spTree>
+      <p:nvGrpSpPr>
+        <p:cNvPr id="1" name=""/>
+        <p:cNvGrpSpPr/>
+        <p:nvPr/>
+      </p:nvGrpSpPr>
+      <p:grpSpPr>
+        <a:xfrm>
+          <a:off x="0" y="0"/>
+          <a:ext cx="0" cy="0"/>
+          <a:chOff x="0" y="0"/>
+          <a:chExt cx="0" cy="0"/>
+        </a:xfrm>
+      </p:grpSpPr>
       <p:pic>
         <p:nvPicPr>
           <p:cNvPr id="2" name="Imagen 1"/>
@@ -7973,7 +8069,7 @@
 </p:sld>
 </file>
 
-<file path=ppt/slides/slide11.xml><?xml version="1.0" encoding="utf-8"?>
+<file path=ppt/slides/slide12.xml><?xml version="1.0" encoding="utf-8"?>
 <p:sld xmlns:a="http://schemas.openxmlformats.org/drawingml/2006/main" xmlns:r="http://schemas.openxmlformats.org/officeDocument/2006/relationships" xmlns:p="http://schemas.openxmlformats.org/presentationml/2006/main">
   <p:cSld>
     <p:spTree>
@@ -8511,7 +8607,7 @@
 </p:sld>
 </file>
 
-<file path=ppt/slides/slide12.xml><?xml version="1.0" encoding="utf-8"?>
+<file path=ppt/slides/slide13.xml><?xml version="1.0" encoding="utf-8"?>
 <p:sld xmlns:a="http://schemas.openxmlformats.org/drawingml/2006/main" xmlns:r="http://schemas.openxmlformats.org/officeDocument/2006/relationships" xmlns:p="http://schemas.openxmlformats.org/presentationml/2006/main">
   <p:cSld>
     <p:spTree>
@@ -8896,7 +8992,7 @@
 </p:sld>
 </file>
 
-<file path=ppt/slides/slide13.xml><?xml version="1.0" encoding="utf-8"?>
+<file path=ppt/slides/slide14.xml><?xml version="1.0" encoding="utf-8"?>
 <p:sld xmlns:a="http://schemas.openxmlformats.org/drawingml/2006/main" xmlns:r="http://schemas.openxmlformats.org/officeDocument/2006/relationships" xmlns:p="http://schemas.openxmlformats.org/presentationml/2006/main">
   <p:cSld>
     <p:spTree>
@@ -9713,7 +9809,7 @@
 </p:sld>
 </file>
 
-<file path=ppt/slides/slide14.xml><?xml version="1.0" encoding="utf-8"?>
+<file path=ppt/slides/slide15.xml><?xml version="1.0" encoding="utf-8"?>
 <p:sld xmlns:a="http://schemas.openxmlformats.org/drawingml/2006/main" xmlns:r="http://schemas.openxmlformats.org/officeDocument/2006/relationships" xmlns:p="http://schemas.openxmlformats.org/presentationml/2006/main">
   <p:cSld>
     <p:spTree>
@@ -10096,7 +10192,7 @@
 </p:sld>
 </file>
 
-<file path=ppt/slides/slide15.xml><?xml version="1.0" encoding="utf-8"?>
+<file path=ppt/slides/slide16.xml><?xml version="1.0" encoding="utf-8"?>
 <p:sld xmlns:a="http://schemas.openxmlformats.org/drawingml/2006/main" xmlns:r="http://schemas.openxmlformats.org/officeDocument/2006/relationships" xmlns:p="http://schemas.openxmlformats.org/presentationml/2006/main">
   <p:cSld>
     <p:spTree>
@@ -10924,7 +11020,7 @@
 </p:sld>
 </file>
 
-<file path=ppt/slides/slide16.xml><?xml version="1.0" encoding="utf-8"?>
+<file path=ppt/slides/slide17.xml><?xml version="1.0" encoding="utf-8"?>
 <p:sld xmlns:a="http://schemas.openxmlformats.org/drawingml/2006/main" xmlns:r="http://schemas.openxmlformats.org/officeDocument/2006/relationships" xmlns:p="http://schemas.openxmlformats.org/presentationml/2006/main">
   <p:cSld>
     <p:spTree>
@@ -11229,7 +11325,7 @@
 </p:sld>
 </file>
 
-<file path=ppt/slides/slide17.xml><?xml version="1.0" encoding="utf-8"?>
+<file path=ppt/slides/slide18.xml><?xml version="1.0" encoding="utf-8"?>
 <p:sld xmlns:a="http://schemas.openxmlformats.org/drawingml/2006/main" xmlns:r="http://schemas.openxmlformats.org/officeDocument/2006/relationships" xmlns:p="http://schemas.openxmlformats.org/presentationml/2006/main">
   <p:cSld>
     <p:spTree>
@@ -11465,7 +11561,7 @@
 </p:sld>
 </file>
 
-<file path=ppt/slides/slide18.xml><?xml version="1.0" encoding="utf-8"?>
+<file path=ppt/slides/slide19.xml><?xml version="1.0" encoding="utf-8"?>
 <p:sld xmlns:a="http://schemas.openxmlformats.org/drawingml/2006/main" xmlns:r="http://schemas.openxmlformats.org/officeDocument/2006/relationships" xmlns:p="http://schemas.openxmlformats.org/presentationml/2006/main">
   <p:cSld>
     <p:spTree>
@@ -11853,7 +11949,275 @@
 </p:sld>
 </file>
 
-<file path=ppt/slides/slide19.xml><?xml version="1.0" encoding="utf-8"?>
+<file path=ppt/slides/slide2.xml><?xml version="1.0" encoding="utf-8"?>
+<p:sld xmlns:a="http://schemas.openxmlformats.org/drawingml/2006/main" xmlns:r="http://schemas.openxmlformats.org/officeDocument/2006/relationships" xmlns:p="http://schemas.openxmlformats.org/presentationml/2006/main">
+  <p:cSld>
+    <p:spTree>
+      <p:nvGrpSpPr>
+        <p:cNvPr id="1" name=""/>
+        <p:cNvGrpSpPr/>
+        <p:nvPr/>
+      </p:nvGrpSpPr>
+      <p:grpSpPr>
+        <a:xfrm>
+          <a:off x="0" y="0"/>
+          <a:ext cx="0" cy="0"/>
+          <a:chOff x="0" y="0"/>
+          <a:chExt cx="0" cy="0"/>
+        </a:xfrm>
+      </p:grpSpPr>
+      <p:sp>
+        <p:nvSpPr>
+          <p:cNvPr id="10" name="Título 9"/>
+          <p:cNvSpPr>
+            <a:spLocks noGrp="1"/>
+          </p:cNvSpPr>
+          <p:nvPr>
+            <p:ph type="title"/>
+          </p:nvPr>
+        </p:nvSpPr>
+        <p:spPr>
+          <a:xfrm>
+            <a:off x="1923159" y="311155"/>
+            <a:ext cx="8534400" cy="1507067"/>
+          </a:xfrm>
+        </p:spPr>
+        <p:txBody>
+          <a:bodyPr/>
+          <a:lstStyle/>
+          <a:p>
+            <a:r>
+              <a:rPr lang="es-AR" dirty="0" smtClean="0"/>
+              <a:t>Arquitectura del planificador</a:t>
+            </a:r>
+            <a:endParaRPr lang="en-US" dirty="0"/>
+          </a:p>
+        </p:txBody>
+      </p:sp>
+      <p:pic>
+        <p:nvPicPr>
+          <p:cNvPr id="4" name="Marcador de contenido 3"/>
+          <p:cNvPicPr>
+            <a:picLocks noGrp="1" noChangeAspect="1"/>
+          </p:cNvPicPr>
+          <p:nvPr>
+            <p:ph sz="half" idx="1"/>
+          </p:nvPr>
+        </p:nvPicPr>
+        <p:blipFill>
+          <a:blip r:embed="rId2">
+            <a:extLst>
+              <a:ext uri="{28A0092B-C50C-407E-A947-70E740481C1C}">
+                <a14:useLocalDpi xmlns:a14="http://schemas.microsoft.com/office/drawing/2010/main" val="0"/>
+              </a:ext>
+            </a:extLst>
+          </a:blip>
+          <a:stretch>
+            <a:fillRect/>
+          </a:stretch>
+        </p:blipFill>
+        <p:spPr>
+          <a:xfrm>
+            <a:off x="513180" y="1818223"/>
+            <a:ext cx="4845128" cy="4210502"/>
+          </a:xfrm>
+        </p:spPr>
+      </p:pic>
+      <p:pic>
+        <p:nvPicPr>
+          <p:cNvPr id="7" name="Marcador de contenido 6"/>
+          <p:cNvPicPr>
+            <a:picLocks noGrp="1" noChangeAspect="1"/>
+          </p:cNvPicPr>
+          <p:nvPr>
+            <p:ph sz="half" idx="2"/>
+          </p:nvPr>
+        </p:nvPicPr>
+        <p:blipFill>
+          <a:blip r:embed="rId3">
+            <a:extLst>
+              <a:ext uri="{28A0092B-C50C-407E-A947-70E740481C1C}">
+                <a14:useLocalDpi xmlns:a14="http://schemas.microsoft.com/office/drawing/2010/main" val="0"/>
+              </a:ext>
+            </a:extLst>
+          </a:blip>
+          <a:stretch>
+            <a:fillRect/>
+          </a:stretch>
+        </p:blipFill>
+        <p:spPr>
+          <a:xfrm>
+            <a:off x="5523609" y="4429412"/>
+            <a:ext cx="4933950" cy="1599312"/>
+          </a:xfrm>
+        </p:spPr>
+      </p:pic>
+      <p:sp>
+        <p:nvSpPr>
+          <p:cNvPr id="12" name="Rectángulo 11"/>
+          <p:cNvSpPr/>
+          <p:nvPr/>
+        </p:nvSpPr>
+        <p:spPr>
+          <a:xfrm>
+            <a:off x="5523609" y="1818222"/>
+            <a:ext cx="4933950" cy="1512209"/>
+          </a:xfrm>
+          <a:prstGeom prst="rect">
+            <a:avLst/>
+          </a:prstGeom>
+        </p:spPr>
+        <p:txBody>
+          <a:bodyPr wrap="square">
+            <a:spAutoFit/>
+          </a:bodyPr>
+          <a:lstStyle/>
+          <a:p>
+            <a:pPr algn="just">
+              <a:lnSpc>
+                <a:spcPct val="107000"/>
+              </a:lnSpc>
+              <a:spcAft>
+                <a:spcPts val="800"/>
+              </a:spcAft>
+            </a:pPr>
+            <a:r>
+              <a:rPr lang="es-AR" sz="2000" dirty="0">
+                <a:latin typeface="Calibri" panose="020F0502020204030204" pitchFamily="34" charset="0"/>
+                <a:ea typeface="Calibri" panose="020F0502020204030204" pitchFamily="34" charset="0"/>
+                <a:cs typeface="Times New Roman" panose="02020603050405020304" pitchFamily="18" charset="0"/>
+              </a:rPr>
+              <a:t>Se presenta la arquitectura del </a:t>
+            </a:r>
+            <a:r>
+              <a:rPr lang="es-AR" sz="2000" dirty="0" smtClean="0">
+                <a:latin typeface="Calibri" panose="020F0502020204030204" pitchFamily="34" charset="0"/>
+                <a:ea typeface="Calibri" panose="020F0502020204030204" pitchFamily="34" charset="0"/>
+                <a:cs typeface="Times New Roman" panose="02020603050405020304" pitchFamily="18" charset="0"/>
+              </a:rPr>
+              <a:t>planificador de corto alcance. </a:t>
+            </a:r>
+            <a:r>
+              <a:rPr lang="es-AR" sz="2000" dirty="0">
+                <a:latin typeface="Calibri" panose="020F0502020204030204" pitchFamily="34" charset="0"/>
+                <a:ea typeface="Calibri" panose="020F0502020204030204" pitchFamily="34" charset="0"/>
+                <a:cs typeface="Times New Roman" panose="02020603050405020304" pitchFamily="18" charset="0"/>
+              </a:rPr>
+              <a:t>Un Proceso puede pasar </a:t>
+            </a:r>
+            <a:r>
+              <a:rPr lang="es-AR" sz="2000" dirty="0" smtClean="0">
+                <a:latin typeface="Calibri" panose="020F0502020204030204" pitchFamily="34" charset="0"/>
+                <a:ea typeface="Calibri" panose="020F0502020204030204" pitchFamily="34" charset="0"/>
+                <a:cs typeface="Times New Roman" panose="02020603050405020304" pitchFamily="18" charset="0"/>
+              </a:rPr>
+              <a:t>por los </a:t>
+            </a:r>
+            <a:r>
+              <a:rPr lang="es-AR" sz="2000" dirty="0">
+                <a:latin typeface="Calibri" panose="020F0502020204030204" pitchFamily="34" charset="0"/>
+                <a:ea typeface="Calibri" panose="020F0502020204030204" pitchFamily="34" charset="0"/>
+                <a:cs typeface="Times New Roman" panose="02020603050405020304" pitchFamily="18" charset="0"/>
+              </a:rPr>
+              <a:t>cincos estados; </a:t>
+            </a:r>
+            <a:endParaRPr lang="en-US" sz="2000" dirty="0">
+              <a:latin typeface="Calibri" panose="020F0502020204030204" pitchFamily="34" charset="0"/>
+              <a:ea typeface="Calibri" panose="020F0502020204030204" pitchFamily="34" charset="0"/>
+              <a:cs typeface="Times New Roman" panose="02020603050405020304" pitchFamily="18" charset="0"/>
+            </a:endParaRPr>
+          </a:p>
+          <a:p>
+            <a:pPr algn="just">
+              <a:lnSpc>
+                <a:spcPct val="107000"/>
+              </a:lnSpc>
+              <a:spcAft>
+                <a:spcPts val="800"/>
+              </a:spcAft>
+            </a:pPr>
+            <a:r>
+              <a:rPr lang="es-AR" sz="2000" dirty="0">
+                <a:latin typeface="Calibri" panose="020F0502020204030204" pitchFamily="34" charset="0"/>
+                <a:ea typeface="Calibri" panose="020F0502020204030204" pitchFamily="34" charset="0"/>
+                <a:cs typeface="Times New Roman" panose="02020603050405020304" pitchFamily="18" charset="0"/>
+              </a:rPr>
+              <a:t>Nuevo, Listo, Ejecutando, Bloqueado, Saliente</a:t>
+            </a:r>
+            <a:endParaRPr lang="en-US" sz="2000" dirty="0">
+              <a:latin typeface="Calibri" panose="020F0502020204030204" pitchFamily="34" charset="0"/>
+              <a:ea typeface="Calibri" panose="020F0502020204030204" pitchFamily="34" charset="0"/>
+              <a:cs typeface="Times New Roman" panose="02020603050405020304" pitchFamily="18" charset="0"/>
+            </a:endParaRPr>
+          </a:p>
+        </p:txBody>
+      </p:sp>
+      <p:sp>
+        <p:nvSpPr>
+          <p:cNvPr id="14" name="Rectángulo 13"/>
+          <p:cNvSpPr/>
+          <p:nvPr/>
+        </p:nvSpPr>
+        <p:spPr>
+          <a:xfrm>
+            <a:off x="8750032" y="0"/>
+            <a:ext cx="3441968" cy="369332"/>
+          </a:xfrm>
+          <a:prstGeom prst="rect">
+            <a:avLst/>
+          </a:prstGeom>
+        </p:spPr>
+        <p:txBody>
+          <a:bodyPr wrap="none">
+            <a:spAutoFit/>
+          </a:bodyPr>
+          <a:lstStyle/>
+          <a:p>
+            <a:r>
+              <a:rPr lang="en-US" b="1" dirty="0" smtClean="0"/>
+              <a:t>PLANIFICADOR DE </a:t>
+            </a:r>
+            <a:r>
+              <a:rPr lang="es-AR" b="1" dirty="0" smtClean="0"/>
+              <a:t>PROCESOS</a:t>
+            </a:r>
+            <a:endParaRPr lang="en-US" dirty="0"/>
+          </a:p>
+        </p:txBody>
+      </p:sp>
+    </p:spTree>
+    <p:extLst>
+      <p:ext uri="{BB962C8B-B14F-4D97-AF65-F5344CB8AC3E}">
+        <p14:creationId xmlns:p14="http://schemas.microsoft.com/office/powerpoint/2010/main" val="170438056"/>
+      </p:ext>
+    </p:extLst>
+  </p:cSld>
+  <p:clrMapOvr>
+    <a:masterClrMapping/>
+  </p:clrMapOvr>
+  <mc:AlternateContent xmlns:mc="http://schemas.openxmlformats.org/markup-compatibility/2006" xmlns:p14="http://schemas.microsoft.com/office/powerpoint/2010/main">
+    <mc:Choice Requires="p14">
+      <p:transition p14:dur="100">
+        <p:cut/>
+      </p:transition>
+    </mc:Choice>
+    <mc:Fallback xmlns="">
+      <p:transition>
+        <p:cut/>
+      </p:transition>
+    </mc:Fallback>
+  </mc:AlternateContent>
+  <p:timing>
+    <p:tnLst>
+      <p:par>
+        <p:cTn id="1" dur="indefinite" restart="never" nodeType="tmRoot"/>
+      </p:par>
+    </p:tnLst>
+  </p:timing>
+</p:sld>
+</file>
+
+<file path=ppt/slides/slide20.xml><?xml version="1.0" encoding="utf-8"?>
 <p:sld xmlns:a="http://schemas.openxmlformats.org/drawingml/2006/main" xmlns:r="http://schemas.openxmlformats.org/officeDocument/2006/relationships" xmlns:p="http://schemas.openxmlformats.org/presentationml/2006/main">
   <p:cSld>
     <p:spTree>
@@ -12224,275 +12588,7 @@
 </p:sld>
 </file>
 
-<file path=ppt/slides/slide2.xml><?xml version="1.0" encoding="utf-8"?>
-<p:sld xmlns:a="http://schemas.openxmlformats.org/drawingml/2006/main" xmlns:r="http://schemas.openxmlformats.org/officeDocument/2006/relationships" xmlns:p="http://schemas.openxmlformats.org/presentationml/2006/main">
-  <p:cSld>
-    <p:spTree>
-      <p:nvGrpSpPr>
-        <p:cNvPr id="1" name=""/>
-        <p:cNvGrpSpPr/>
-        <p:nvPr/>
-      </p:nvGrpSpPr>
-      <p:grpSpPr>
-        <a:xfrm>
-          <a:off x="0" y="0"/>
-          <a:ext cx="0" cy="0"/>
-          <a:chOff x="0" y="0"/>
-          <a:chExt cx="0" cy="0"/>
-        </a:xfrm>
-      </p:grpSpPr>
-      <p:sp>
-        <p:nvSpPr>
-          <p:cNvPr id="10" name="Título 9"/>
-          <p:cNvSpPr>
-            <a:spLocks noGrp="1"/>
-          </p:cNvSpPr>
-          <p:nvPr>
-            <p:ph type="title"/>
-          </p:nvPr>
-        </p:nvSpPr>
-        <p:spPr>
-          <a:xfrm>
-            <a:off x="1923159" y="311155"/>
-            <a:ext cx="8534400" cy="1507067"/>
-          </a:xfrm>
-        </p:spPr>
-        <p:txBody>
-          <a:bodyPr/>
-          <a:lstStyle/>
-          <a:p>
-            <a:r>
-              <a:rPr lang="es-AR" dirty="0" smtClean="0"/>
-              <a:t>Arquitectura del planificador</a:t>
-            </a:r>
-            <a:endParaRPr lang="en-US" dirty="0"/>
-          </a:p>
-        </p:txBody>
-      </p:sp>
-      <p:pic>
-        <p:nvPicPr>
-          <p:cNvPr id="4" name="Marcador de contenido 3"/>
-          <p:cNvPicPr>
-            <a:picLocks noGrp="1" noChangeAspect="1"/>
-          </p:cNvPicPr>
-          <p:nvPr>
-            <p:ph sz="half" idx="1"/>
-          </p:nvPr>
-        </p:nvPicPr>
-        <p:blipFill>
-          <a:blip r:embed="rId2">
-            <a:extLst>
-              <a:ext uri="{28A0092B-C50C-407E-A947-70E740481C1C}">
-                <a14:useLocalDpi xmlns:a14="http://schemas.microsoft.com/office/drawing/2010/main" val="0"/>
-              </a:ext>
-            </a:extLst>
-          </a:blip>
-          <a:stretch>
-            <a:fillRect/>
-          </a:stretch>
-        </p:blipFill>
-        <p:spPr>
-          <a:xfrm>
-            <a:off x="513180" y="1818223"/>
-            <a:ext cx="4845128" cy="4210502"/>
-          </a:xfrm>
-        </p:spPr>
-      </p:pic>
-      <p:pic>
-        <p:nvPicPr>
-          <p:cNvPr id="7" name="Marcador de contenido 6"/>
-          <p:cNvPicPr>
-            <a:picLocks noGrp="1" noChangeAspect="1"/>
-          </p:cNvPicPr>
-          <p:nvPr>
-            <p:ph sz="half" idx="2"/>
-          </p:nvPr>
-        </p:nvPicPr>
-        <p:blipFill>
-          <a:blip r:embed="rId3">
-            <a:extLst>
-              <a:ext uri="{28A0092B-C50C-407E-A947-70E740481C1C}">
-                <a14:useLocalDpi xmlns:a14="http://schemas.microsoft.com/office/drawing/2010/main" val="0"/>
-              </a:ext>
-            </a:extLst>
-          </a:blip>
-          <a:stretch>
-            <a:fillRect/>
-          </a:stretch>
-        </p:blipFill>
-        <p:spPr>
-          <a:xfrm>
-            <a:off x="5523609" y="4429412"/>
-            <a:ext cx="4933950" cy="1599312"/>
-          </a:xfrm>
-        </p:spPr>
-      </p:pic>
-      <p:sp>
-        <p:nvSpPr>
-          <p:cNvPr id="12" name="Rectángulo 11"/>
-          <p:cNvSpPr/>
-          <p:nvPr/>
-        </p:nvSpPr>
-        <p:spPr>
-          <a:xfrm>
-            <a:off x="5523609" y="1818222"/>
-            <a:ext cx="4933950" cy="1512209"/>
-          </a:xfrm>
-          <a:prstGeom prst="rect">
-            <a:avLst/>
-          </a:prstGeom>
-        </p:spPr>
-        <p:txBody>
-          <a:bodyPr wrap="square">
-            <a:spAutoFit/>
-          </a:bodyPr>
-          <a:lstStyle/>
-          <a:p>
-            <a:pPr algn="just">
-              <a:lnSpc>
-                <a:spcPct val="107000"/>
-              </a:lnSpc>
-              <a:spcAft>
-                <a:spcPts val="800"/>
-              </a:spcAft>
-            </a:pPr>
-            <a:r>
-              <a:rPr lang="es-AR" sz="2000" dirty="0">
-                <a:latin typeface="Calibri" panose="020F0502020204030204" pitchFamily="34" charset="0"/>
-                <a:ea typeface="Calibri" panose="020F0502020204030204" pitchFamily="34" charset="0"/>
-                <a:cs typeface="Times New Roman" panose="02020603050405020304" pitchFamily="18" charset="0"/>
-              </a:rPr>
-              <a:t>Se presenta la arquitectura del </a:t>
-            </a:r>
-            <a:r>
-              <a:rPr lang="es-AR" sz="2000" dirty="0" smtClean="0">
-                <a:latin typeface="Calibri" panose="020F0502020204030204" pitchFamily="34" charset="0"/>
-                <a:ea typeface="Calibri" panose="020F0502020204030204" pitchFamily="34" charset="0"/>
-                <a:cs typeface="Times New Roman" panose="02020603050405020304" pitchFamily="18" charset="0"/>
-              </a:rPr>
-              <a:t>planificador de corto alcance. </a:t>
-            </a:r>
-            <a:r>
-              <a:rPr lang="es-AR" sz="2000" dirty="0">
-                <a:latin typeface="Calibri" panose="020F0502020204030204" pitchFamily="34" charset="0"/>
-                <a:ea typeface="Calibri" panose="020F0502020204030204" pitchFamily="34" charset="0"/>
-                <a:cs typeface="Times New Roman" panose="02020603050405020304" pitchFamily="18" charset="0"/>
-              </a:rPr>
-              <a:t>Un Proceso puede pasar </a:t>
-            </a:r>
-            <a:r>
-              <a:rPr lang="es-AR" sz="2000" dirty="0" smtClean="0">
-                <a:latin typeface="Calibri" panose="020F0502020204030204" pitchFamily="34" charset="0"/>
-                <a:ea typeface="Calibri" panose="020F0502020204030204" pitchFamily="34" charset="0"/>
-                <a:cs typeface="Times New Roman" panose="02020603050405020304" pitchFamily="18" charset="0"/>
-              </a:rPr>
-              <a:t>por los </a:t>
-            </a:r>
-            <a:r>
-              <a:rPr lang="es-AR" sz="2000" dirty="0">
-                <a:latin typeface="Calibri" panose="020F0502020204030204" pitchFamily="34" charset="0"/>
-                <a:ea typeface="Calibri" panose="020F0502020204030204" pitchFamily="34" charset="0"/>
-                <a:cs typeface="Times New Roman" panose="02020603050405020304" pitchFamily="18" charset="0"/>
-              </a:rPr>
-              <a:t>cincos estados; </a:t>
-            </a:r>
-            <a:endParaRPr lang="en-US" sz="2000" dirty="0">
-              <a:latin typeface="Calibri" panose="020F0502020204030204" pitchFamily="34" charset="0"/>
-              <a:ea typeface="Calibri" panose="020F0502020204030204" pitchFamily="34" charset="0"/>
-              <a:cs typeface="Times New Roman" panose="02020603050405020304" pitchFamily="18" charset="0"/>
-            </a:endParaRPr>
-          </a:p>
-          <a:p>
-            <a:pPr algn="just">
-              <a:lnSpc>
-                <a:spcPct val="107000"/>
-              </a:lnSpc>
-              <a:spcAft>
-                <a:spcPts val="800"/>
-              </a:spcAft>
-            </a:pPr>
-            <a:r>
-              <a:rPr lang="es-AR" sz="2000" dirty="0">
-                <a:latin typeface="Calibri" panose="020F0502020204030204" pitchFamily="34" charset="0"/>
-                <a:ea typeface="Calibri" panose="020F0502020204030204" pitchFamily="34" charset="0"/>
-                <a:cs typeface="Times New Roman" panose="02020603050405020304" pitchFamily="18" charset="0"/>
-              </a:rPr>
-              <a:t>Nuevo, Listo, Ejecutando, Bloqueado, Saliente</a:t>
-            </a:r>
-            <a:endParaRPr lang="en-US" sz="2000" dirty="0">
-              <a:latin typeface="Calibri" panose="020F0502020204030204" pitchFamily="34" charset="0"/>
-              <a:ea typeface="Calibri" panose="020F0502020204030204" pitchFamily="34" charset="0"/>
-              <a:cs typeface="Times New Roman" panose="02020603050405020304" pitchFamily="18" charset="0"/>
-            </a:endParaRPr>
-          </a:p>
-        </p:txBody>
-      </p:sp>
-      <p:sp>
-        <p:nvSpPr>
-          <p:cNvPr id="14" name="Rectángulo 13"/>
-          <p:cNvSpPr/>
-          <p:nvPr/>
-        </p:nvSpPr>
-        <p:spPr>
-          <a:xfrm>
-            <a:off x="8750032" y="0"/>
-            <a:ext cx="3441968" cy="369332"/>
-          </a:xfrm>
-          <a:prstGeom prst="rect">
-            <a:avLst/>
-          </a:prstGeom>
-        </p:spPr>
-        <p:txBody>
-          <a:bodyPr wrap="none">
-            <a:spAutoFit/>
-          </a:bodyPr>
-          <a:lstStyle/>
-          <a:p>
-            <a:r>
-              <a:rPr lang="en-US" b="1" dirty="0" smtClean="0"/>
-              <a:t>PLANIFICADOR DE </a:t>
-            </a:r>
-            <a:r>
-              <a:rPr lang="es-AR" b="1" dirty="0" smtClean="0"/>
-              <a:t>PROCESOS</a:t>
-            </a:r>
-            <a:endParaRPr lang="en-US" dirty="0"/>
-          </a:p>
-        </p:txBody>
-      </p:sp>
-    </p:spTree>
-    <p:extLst>
-      <p:ext uri="{BB962C8B-B14F-4D97-AF65-F5344CB8AC3E}">
-        <p14:creationId xmlns:p14="http://schemas.microsoft.com/office/powerpoint/2010/main" val="170438056"/>
-      </p:ext>
-    </p:extLst>
-  </p:cSld>
-  <p:clrMapOvr>
-    <a:masterClrMapping/>
-  </p:clrMapOvr>
-  <mc:AlternateContent xmlns:mc="http://schemas.openxmlformats.org/markup-compatibility/2006" xmlns:p14="http://schemas.microsoft.com/office/powerpoint/2010/main">
-    <mc:Choice Requires="p14">
-      <p:transition p14:dur="100">
-        <p:cut/>
-      </p:transition>
-    </mc:Choice>
-    <mc:Fallback xmlns="">
-      <p:transition>
-        <p:cut/>
-      </p:transition>
-    </mc:Fallback>
-  </mc:AlternateContent>
-  <p:timing>
-    <p:tnLst>
-      <p:par>
-        <p:cTn id="1" dur="indefinite" restart="never" nodeType="tmRoot"/>
-      </p:par>
-    </p:tnLst>
-  </p:timing>
-</p:sld>
-</file>
-
-<file path=ppt/slides/slide20.xml><?xml version="1.0" encoding="utf-8"?>
+<file path=ppt/slides/slide21.xml><?xml version="1.0" encoding="utf-8"?>
 <p:sld xmlns:a="http://schemas.openxmlformats.org/drawingml/2006/main" xmlns:r="http://schemas.openxmlformats.org/officeDocument/2006/relationships" xmlns:p="http://schemas.openxmlformats.org/presentationml/2006/main">
   <p:cSld>
     <p:spTree>
@@ -12858,7 +12954,7 @@
 </p:sld>
 </file>
 
-<file path=ppt/slides/slide21.xml><?xml version="1.0" encoding="utf-8"?>
+<file path=ppt/slides/slide22.xml><?xml version="1.0" encoding="utf-8"?>
 <p:sld xmlns:a="http://schemas.openxmlformats.org/drawingml/2006/main" xmlns:r="http://schemas.openxmlformats.org/officeDocument/2006/relationships" xmlns:p="http://schemas.openxmlformats.org/presentationml/2006/main">
   <p:cSld>
     <p:spTree>
@@ -14430,7 +14526,7 @@
         <p:spPr>
           <a:xfrm>
             <a:off x="7202197" y="1593514"/>
-            <a:ext cx="4060535" cy="3170099"/>
+            <a:ext cx="4060535" cy="3477875"/>
           </a:xfrm>
           <a:prstGeom prst="rect">
             <a:avLst/>
@@ -14549,7 +14645,7 @@
             </a:r>
             <a:r>
               <a:rPr lang="es-AR" sz="2000" dirty="0" smtClean="0"/>
-              <a:t>)</a:t>
+              <a:t>) será ejecutado dentro del mismo.</a:t>
             </a:r>
             <a:endParaRPr lang="en-US" sz="2000" dirty="0"/>
           </a:p>
@@ -14731,7 +14827,7 @@
                               <p:par>
                                 <p:cTn id="8" presetID="53" presetClass="entr" presetSubtype="16" fill="hold" grpId="0" nodeType="withEffect">
                                   <p:stCondLst>
-                                    <p:cond delay="4900"/>
+                                    <p:cond delay="800"/>
                                   </p:stCondLst>
                                   <p:childTnLst>
                                     <p:set>
@@ -14845,6 +14941,469 @@
 </file>
 
 <file path=ppt/slides/slide7.xml><?xml version="1.0" encoding="utf-8"?>
+<p:sld xmlns:a="http://schemas.openxmlformats.org/drawingml/2006/main" xmlns:r="http://schemas.openxmlformats.org/officeDocument/2006/relationships" xmlns:p="http://schemas.openxmlformats.org/presentationml/2006/main">
+  <p:cSld>
+    <p:spTree>
+      <p:nvGrpSpPr>
+        <p:cNvPr id="1" name=""/>
+        <p:cNvGrpSpPr/>
+        <p:nvPr/>
+      </p:nvGrpSpPr>
+      <p:grpSpPr>
+        <a:xfrm>
+          <a:off x="0" y="0"/>
+          <a:ext cx="0" cy="0"/>
+          <a:chOff x="0" y="0"/>
+          <a:chExt cx="0" cy="0"/>
+        </a:xfrm>
+      </p:grpSpPr>
+      <p:sp>
+        <p:nvSpPr>
+          <p:cNvPr id="6" name="Título 6"/>
+          <p:cNvSpPr txBox="1">
+            <a:spLocks/>
+          </p:cNvSpPr>
+          <p:nvPr/>
+        </p:nvSpPr>
+        <p:spPr>
+          <a:xfrm>
+            <a:off x="684212" y="685802"/>
+            <a:ext cx="10578520" cy="841916"/>
+          </a:xfrm>
+          <a:prstGeom prst="rect">
+            <a:avLst/>
+          </a:prstGeom>
+          <a:effectLst/>
+        </p:spPr>
+        <p:txBody>
+          <a:bodyPr vert="horz" lIns="91440" tIns="45720" rIns="91440" bIns="45720" rtlCol="0" anchor="ctr">
+            <a:normAutofit/>
+          </a:bodyPr>
+          <a:lstStyle>
+            <a:lvl1pPr algn="l" defTabSz="457200" rtl="0" eaLnBrk="1" latinLnBrk="0" hangingPunct="1">
+              <a:spcBef>
+                <a:spcPct val="0"/>
+              </a:spcBef>
+              <a:buNone/>
+              <a:defRPr sz="3600" kern="1200" cap="all">
+                <a:ln w="3175" cmpd="sng">
+                  <a:noFill/>
+                </a:ln>
+                <a:solidFill>
+                  <a:schemeClr val="tx1"/>
+                </a:solidFill>
+                <a:effectLst/>
+                <a:latin typeface="+mj-lt"/>
+                <a:ea typeface="+mj-ea"/>
+                <a:cs typeface="+mj-cs"/>
+              </a:defRPr>
+            </a:lvl1pPr>
+            <a:lvl2pPr eaLnBrk="1" hangingPunct="1">
+              <a:defRPr>
+                <a:solidFill>
+                  <a:schemeClr val="tx2"/>
+                </a:solidFill>
+              </a:defRPr>
+            </a:lvl2pPr>
+            <a:lvl3pPr eaLnBrk="1" hangingPunct="1">
+              <a:defRPr>
+                <a:solidFill>
+                  <a:schemeClr val="tx2"/>
+                </a:solidFill>
+              </a:defRPr>
+            </a:lvl3pPr>
+            <a:lvl4pPr eaLnBrk="1" hangingPunct="1">
+              <a:defRPr>
+                <a:solidFill>
+                  <a:schemeClr val="tx2"/>
+                </a:solidFill>
+              </a:defRPr>
+            </a:lvl4pPr>
+            <a:lvl5pPr eaLnBrk="1" hangingPunct="1">
+              <a:defRPr>
+                <a:solidFill>
+                  <a:schemeClr val="tx2"/>
+                </a:solidFill>
+              </a:defRPr>
+            </a:lvl5pPr>
+            <a:lvl6pPr eaLnBrk="1" hangingPunct="1">
+              <a:defRPr>
+                <a:solidFill>
+                  <a:schemeClr val="tx2"/>
+                </a:solidFill>
+              </a:defRPr>
+            </a:lvl6pPr>
+            <a:lvl7pPr eaLnBrk="1" hangingPunct="1">
+              <a:defRPr>
+                <a:solidFill>
+                  <a:schemeClr val="tx2"/>
+                </a:solidFill>
+              </a:defRPr>
+            </a:lvl7pPr>
+            <a:lvl8pPr eaLnBrk="1" hangingPunct="1">
+              <a:defRPr>
+                <a:solidFill>
+                  <a:schemeClr val="tx2"/>
+                </a:solidFill>
+              </a:defRPr>
+            </a:lvl8pPr>
+            <a:lvl9pPr eaLnBrk="1" hangingPunct="1">
+              <a:defRPr>
+                <a:solidFill>
+                  <a:schemeClr val="tx2"/>
+                </a:solidFill>
+              </a:defRPr>
+            </a:lvl9pPr>
+          </a:lstStyle>
+          <a:p>
+            <a:r>
+              <a:rPr lang="es-AR" sz="2400" smtClean="0"/>
+              <a:t>Resultados de Simulación del Planificador de Procesos</a:t>
+            </a:r>
+            <a:endParaRPr lang="en-US" sz="2400" dirty="0"/>
+          </a:p>
+        </p:txBody>
+      </p:sp>
+      <p:sp>
+        <p:nvSpPr>
+          <p:cNvPr id="8" name="Rectángulo 7"/>
+          <p:cNvSpPr/>
+          <p:nvPr/>
+        </p:nvSpPr>
+        <p:spPr>
+          <a:xfrm>
+            <a:off x="7202197" y="1593514"/>
+            <a:ext cx="4060535" cy="3093154"/>
+          </a:xfrm>
+          <a:prstGeom prst="rect">
+            <a:avLst/>
+          </a:prstGeom>
+        </p:spPr>
+        <p:txBody>
+          <a:bodyPr wrap="square">
+            <a:spAutoFit/>
+          </a:bodyPr>
+          <a:lstStyle/>
+          <a:p>
+            <a:pPr algn="just"/>
+            <a:r>
+              <a:rPr lang="es-AR" sz="2000" dirty="0" smtClean="0"/>
+              <a:t>Los métodos a usar son:</a:t>
+            </a:r>
+          </a:p>
+          <a:p>
+            <a:pPr algn="just"/>
+            <a:r>
+              <a:rPr lang="en-US" dirty="0" err="1"/>
+              <a:t>planificarFIFO</a:t>
+            </a:r>
+            <a:r>
+              <a:rPr lang="en-US" dirty="0" smtClean="0"/>
+              <a:t>()</a:t>
+            </a:r>
+          </a:p>
+          <a:p>
+            <a:pPr algn="just"/>
+            <a:r>
+              <a:rPr lang="en-US" dirty="0" err="1" smtClean="0"/>
+              <a:t>planificarPrioridad</a:t>
+            </a:r>
+            <a:r>
+              <a:rPr lang="en-US" dirty="0" smtClean="0"/>
+              <a:t>()</a:t>
+            </a:r>
+          </a:p>
+          <a:p>
+            <a:pPr algn="just"/>
+            <a:r>
+              <a:rPr lang="en-US" dirty="0" err="1"/>
+              <a:t>planificarSPN</a:t>
+            </a:r>
+            <a:r>
+              <a:rPr lang="en-US" dirty="0" smtClean="0"/>
+              <a:t>()</a:t>
+            </a:r>
+          </a:p>
+          <a:p>
+            <a:pPr algn="just"/>
+            <a:r>
+              <a:rPr lang="en-US" dirty="0" err="1" smtClean="0"/>
+              <a:t>planificarRoundRobin</a:t>
+            </a:r>
+            <a:r>
+              <a:rPr lang="en-US" dirty="0" smtClean="0"/>
+              <a:t>(n)</a:t>
+            </a:r>
+          </a:p>
+          <a:p>
+            <a:pPr algn="just"/>
+            <a:r>
+              <a:rPr lang="en-US" dirty="0" err="1"/>
+              <a:t>planificarPrioridadesApropiativos</a:t>
+            </a:r>
+            <a:r>
+              <a:rPr lang="en-US" dirty="0" smtClean="0"/>
+              <a:t>()</a:t>
+            </a:r>
+          </a:p>
+          <a:p>
+            <a:pPr algn="just"/>
+            <a:r>
+              <a:rPr lang="en-US" dirty="0" err="1"/>
+              <a:t>planificarSRT</a:t>
+            </a:r>
+            <a:r>
+              <a:rPr lang="en-US" dirty="0" smtClean="0"/>
+              <a:t>()</a:t>
+            </a:r>
+            <a:endParaRPr lang="es-AR" dirty="0"/>
+          </a:p>
+          <a:p>
+            <a:pPr algn="just"/>
+            <a:r>
+              <a:rPr lang="en-US" dirty="0" err="1"/>
+              <a:t>planificarFeedback</a:t>
+            </a:r>
+            <a:r>
+              <a:rPr lang="en-US" dirty="0"/>
+              <a:t>()</a:t>
+            </a:r>
+            <a:endParaRPr lang="es-AR" dirty="0" smtClean="0"/>
+          </a:p>
+          <a:p>
+            <a:pPr algn="just"/>
+            <a:r>
+              <a:rPr lang="en-US" dirty="0" err="1"/>
+              <a:t>planificarHRRN</a:t>
+            </a:r>
+            <a:r>
+              <a:rPr lang="en-US" dirty="0"/>
+              <a:t>()</a:t>
+            </a:r>
+            <a:endParaRPr lang="en-US" dirty="0" smtClean="0"/>
+          </a:p>
+          <a:p>
+            <a:pPr algn="just"/>
+            <a:endParaRPr lang="es-AR" sz="2000" dirty="0" smtClean="0"/>
+          </a:p>
+          <a:p>
+            <a:pPr algn="just"/>
+            <a:r>
+              <a:rPr lang="es-AR" sz="1100" dirty="0" smtClean="0"/>
+              <a:t>n=número natural</a:t>
+            </a:r>
+            <a:endParaRPr lang="en-US" sz="1100" dirty="0"/>
+          </a:p>
+        </p:txBody>
+      </p:sp>
+      <p:pic>
+        <p:nvPicPr>
+          <p:cNvPr id="4" name="Marcador de contenido 3"/>
+          <p:cNvPicPr>
+            <a:picLocks noGrp="1" noChangeAspect="1"/>
+          </p:cNvPicPr>
+          <p:nvPr>
+            <p:ph sz="half" idx="1"/>
+          </p:nvPr>
+        </p:nvPicPr>
+        <p:blipFill>
+          <a:blip r:embed="rId2">
+            <a:extLst>
+              <a:ext uri="{28A0092B-C50C-407E-A947-70E740481C1C}">
+                <a14:useLocalDpi xmlns:a14="http://schemas.microsoft.com/office/drawing/2010/main" val="0"/>
+              </a:ext>
+            </a:extLst>
+          </a:blip>
+          <a:stretch>
+            <a:fillRect/>
+          </a:stretch>
+        </p:blipFill>
+        <p:spPr>
+          <a:xfrm>
+            <a:off x="684211" y="1593514"/>
+            <a:ext cx="6517985" cy="4905443"/>
+          </a:xfrm>
+        </p:spPr>
+      </p:pic>
+      <p:sp>
+        <p:nvSpPr>
+          <p:cNvPr id="2" name="Rectángulo 1"/>
+          <p:cNvSpPr/>
+          <p:nvPr/>
+        </p:nvSpPr>
+        <p:spPr>
+          <a:xfrm>
+            <a:off x="1339695" y="5270500"/>
+            <a:ext cx="3816505" cy="158440"/>
+          </a:xfrm>
+          <a:prstGeom prst="rect">
+            <a:avLst/>
+          </a:prstGeom>
+          <a:ln w="12700">
+            <a:solidFill>
+              <a:srgbClr val="0070C0"/>
+            </a:solidFill>
+          </a:ln>
+        </p:spPr>
+        <p:txBody>
+          <a:bodyPr wrap="square" rtlCol="0" anchor="ctr">
+            <a:spAutoFit/>
+          </a:bodyPr>
+          <a:lstStyle/>
+          <a:p>
+            <a:pPr algn="ctr"/>
+            <a:endParaRPr lang="en-US" b="1" dirty="0" err="1" smtClean="0"/>
+          </a:p>
+        </p:txBody>
+      </p:sp>
+      <p:sp>
+        <p:nvSpPr>
+          <p:cNvPr id="7" name="Rectángulo 6"/>
+          <p:cNvSpPr/>
+          <p:nvPr/>
+        </p:nvSpPr>
+        <p:spPr>
+          <a:xfrm>
+            <a:off x="8750032" y="0"/>
+            <a:ext cx="3441968" cy="369332"/>
+          </a:xfrm>
+          <a:prstGeom prst="rect">
+            <a:avLst/>
+          </a:prstGeom>
+        </p:spPr>
+        <p:txBody>
+          <a:bodyPr wrap="none">
+            <a:spAutoFit/>
+          </a:bodyPr>
+          <a:lstStyle/>
+          <a:p>
+            <a:r>
+              <a:rPr lang="en-US" b="1" dirty="0" smtClean="0"/>
+              <a:t>PLANIFICADOR DE </a:t>
+            </a:r>
+            <a:r>
+              <a:rPr lang="es-AR" b="1" dirty="0" smtClean="0"/>
+              <a:t>PROCESOS</a:t>
+            </a:r>
+            <a:endParaRPr lang="en-US" dirty="0"/>
+          </a:p>
+        </p:txBody>
+      </p:sp>
+    </p:spTree>
+    <p:extLst>
+      <p:ext uri="{BB962C8B-B14F-4D97-AF65-F5344CB8AC3E}">
+        <p14:creationId xmlns:p14="http://schemas.microsoft.com/office/powerpoint/2010/main" val="687590321"/>
+      </p:ext>
+    </p:extLst>
+  </p:cSld>
+  <p:clrMapOvr>
+    <a:masterClrMapping/>
+  </p:clrMapOvr>
+  <mc:AlternateContent xmlns:mc="http://schemas.openxmlformats.org/markup-compatibility/2006" xmlns:p14="http://schemas.microsoft.com/office/powerpoint/2010/main">
+    <mc:Choice Requires="p14">
+      <p:transition p14:dur="100">
+        <p:cut/>
+      </p:transition>
+    </mc:Choice>
+    <mc:Fallback xmlns="">
+      <p:transition>
+        <p:cut/>
+      </p:transition>
+    </mc:Fallback>
+  </mc:AlternateContent>
+  <p:timing>
+    <p:tnLst>
+      <p:par>
+        <p:cTn id="1" dur="indefinite" restart="never" nodeType="tmRoot">
+          <p:childTnLst>
+            <p:seq concurrent="1" nextAc="seek">
+              <p:cTn id="2" dur="indefinite" nodeType="mainSeq">
+                <p:childTnLst>
+                  <p:par>
+                    <p:cTn id="3" fill="hold">
+                      <p:stCondLst>
+                        <p:cond delay="indefinite"/>
+                        <p:cond evt="onBegin" delay="0">
+                          <p:tn val="2"/>
+                        </p:cond>
+                      </p:stCondLst>
+                      <p:childTnLst>
+                        <p:par>
+                          <p:cTn id="4" fill="hold">
+                            <p:stCondLst>
+                              <p:cond delay="0"/>
+                            </p:stCondLst>
+                            <p:childTnLst>
+                              <p:par>
+                                <p:cTn id="5" presetID="10" presetClass="entr" presetSubtype="0" fill="hold" grpId="0" nodeType="withEffect">
+                                  <p:stCondLst>
+                                    <p:cond delay="600"/>
+                                  </p:stCondLst>
+                                  <p:childTnLst>
+                                    <p:set>
+                                      <p:cBhvr>
+                                        <p:cTn id="6" dur="1" fill="hold">
+                                          <p:stCondLst>
+                                            <p:cond delay="0"/>
+                                          </p:stCondLst>
+                                        </p:cTn>
+                                        <p:tgtEl>
+                                          <p:spTgt spid="8"/>
+                                        </p:tgtEl>
+                                        <p:attrNameLst>
+                                          <p:attrName>style.visibility</p:attrName>
+                                        </p:attrNameLst>
+                                      </p:cBhvr>
+                                      <p:to>
+                                        <p:strVal val="visible"/>
+                                      </p:to>
+                                    </p:set>
+                                    <p:animEffect transition="in" filter="fade">
+                                      <p:cBhvr>
+                                        <p:cTn id="7" dur="600"/>
+                                        <p:tgtEl>
+                                          <p:spTgt spid="8"/>
+                                        </p:tgtEl>
+                                      </p:cBhvr>
+                                    </p:animEffect>
+                                  </p:childTnLst>
+                                </p:cTn>
+                              </p:par>
+                            </p:childTnLst>
+                          </p:cTn>
+                        </p:par>
+                      </p:childTnLst>
+                    </p:cTn>
+                  </p:par>
+                </p:childTnLst>
+              </p:cTn>
+              <p:prevCondLst>
+                <p:cond evt="onPrev" delay="0">
+                  <p:tgtEl>
+                    <p:sldTgt/>
+                  </p:tgtEl>
+                </p:cond>
+              </p:prevCondLst>
+              <p:nextCondLst>
+                <p:cond evt="onNext" delay="0">
+                  <p:tgtEl>
+                    <p:sldTgt/>
+                  </p:tgtEl>
+                </p:cond>
+              </p:nextCondLst>
+            </p:seq>
+          </p:childTnLst>
+        </p:cTn>
+      </p:par>
+    </p:tnLst>
+    <p:bldLst>
+      <p:bldP spid="8" grpId="0"/>
+    </p:bldLst>
+  </p:timing>
+</p:sld>
+</file>
+
+<file path=ppt/slides/slide8.xml><?xml version="1.0" encoding="utf-8"?>
 <p:sld xmlns:a="http://schemas.openxmlformats.org/drawingml/2006/main" xmlns:r="http://schemas.openxmlformats.org/officeDocument/2006/relationships" xmlns:p="http://schemas.openxmlformats.org/presentationml/2006/main">
   <p:cSld>
     <p:spTree>
@@ -16112,7 +16671,7 @@
 </p:sld>
 </file>
 
-<file path=ppt/slides/slide8.xml><?xml version="1.0" encoding="utf-8"?>
+<file path=ppt/slides/slide9.xml><?xml version="1.0" encoding="utf-8"?>
 <p:sld xmlns:a="http://schemas.openxmlformats.org/drawingml/2006/main" xmlns:r="http://schemas.openxmlformats.org/officeDocument/2006/relationships" xmlns:p="http://schemas.openxmlformats.org/presentationml/2006/main">
   <p:cSld>
     <p:spTree>
@@ -16451,100 +17010,6 @@
     <p:bldLst>
       <p:bldP spid="8" grpId="0"/>
     </p:bldLst>
-  </p:timing>
-</p:sld>
-</file>
-
-<file path=ppt/slides/slide9.xml><?xml version="1.0" encoding="utf-8"?>
-<p:sld xmlns:a="http://schemas.openxmlformats.org/drawingml/2006/main" xmlns:r="http://schemas.openxmlformats.org/officeDocument/2006/relationships" xmlns:p="http://schemas.openxmlformats.org/presentationml/2006/main">
-  <p:cSld>
-    <p:spTree>
-      <p:nvGrpSpPr>
-        <p:cNvPr id="1" name=""/>
-        <p:cNvGrpSpPr/>
-        <p:nvPr/>
-      </p:nvGrpSpPr>
-      <p:grpSpPr>
-        <a:xfrm>
-          <a:off x="0" y="0"/>
-          <a:ext cx="0" cy="0"/>
-          <a:chOff x="0" y="0"/>
-          <a:chExt cx="0" cy="0"/>
-        </a:xfrm>
-      </p:grpSpPr>
-      <p:graphicFrame>
-        <p:nvGraphicFramePr>
-          <p:cNvPr id="6" name="Gráfico 5"/>
-          <p:cNvGraphicFramePr>
-            <a:graphicFrameLocks/>
-          </p:cNvGraphicFramePr>
-          <p:nvPr>
-            <p:extLst>
-              <p:ext uri="{D42A27DB-BD31-4B8C-83A1-F6EECF244321}">
-                <p14:modId xmlns:p14="http://schemas.microsoft.com/office/powerpoint/2010/main" val="2812406921"/>
-              </p:ext>
-            </p:extLst>
-          </p:nvPr>
-        </p:nvGraphicFramePr>
-        <p:xfrm>
-          <a:off x="536448" y="675512"/>
-          <a:ext cx="10290048" cy="5761863"/>
-        </p:xfrm>
-        <a:graphic>
-          <a:graphicData uri="http://schemas.openxmlformats.org/drawingml/2006/chart">
-            <c:chart xmlns:c="http://schemas.openxmlformats.org/drawingml/2006/chart" xmlns:r="http://schemas.openxmlformats.org/officeDocument/2006/relationships" r:id="rId2"/>
-          </a:graphicData>
-        </a:graphic>
-      </p:graphicFrame>
-      <p:sp>
-        <p:nvSpPr>
-          <p:cNvPr id="4" name="Rectángulo 3"/>
-          <p:cNvSpPr/>
-          <p:nvPr/>
-        </p:nvSpPr>
-        <p:spPr>
-          <a:xfrm>
-            <a:off x="8750032" y="0"/>
-            <a:ext cx="3441968" cy="369332"/>
-          </a:xfrm>
-          <a:prstGeom prst="rect">
-            <a:avLst/>
-          </a:prstGeom>
-        </p:spPr>
-        <p:txBody>
-          <a:bodyPr wrap="none">
-            <a:spAutoFit/>
-          </a:bodyPr>
-          <a:lstStyle/>
-          <a:p>
-            <a:r>
-              <a:rPr lang="en-US" b="1" dirty="0" smtClean="0"/>
-              <a:t>PLANIFICADOR DE </a:t>
-            </a:r>
-            <a:r>
-              <a:rPr lang="es-AR" b="1" dirty="0" smtClean="0"/>
-              <a:t>PROCESOS</a:t>
-            </a:r>
-            <a:endParaRPr lang="en-US" dirty="0"/>
-          </a:p>
-        </p:txBody>
-      </p:sp>
-    </p:spTree>
-    <p:extLst>
-      <p:ext uri="{BB962C8B-B14F-4D97-AF65-F5344CB8AC3E}">
-        <p14:creationId xmlns:p14="http://schemas.microsoft.com/office/powerpoint/2010/main" val="863760143"/>
-      </p:ext>
-    </p:extLst>
-  </p:cSld>
-  <p:clrMapOvr>
-    <a:masterClrMapping/>
-  </p:clrMapOvr>
-  <p:timing>
-    <p:tnLst>
-      <p:par>
-        <p:cTn id="1" dur="indefinite" restart="never" nodeType="tmRoot"/>
-      </p:par>
-    </p:tnLst>
   </p:timing>
 </p:sld>
 </file>
